--- a/CryptoPresentation_Omer.pptx
+++ b/CryptoPresentation_Omer.pptx
@@ -5,7 +5,7 @@
     <p:sldMasterId id="2147483701" r:id="rId4"/>
   </p:sldMasterIdLst>
   <p:notesMasterIdLst>
-    <p:notesMasterId r:id="rId21"/>
+    <p:notesMasterId r:id="rId22"/>
   </p:notesMasterIdLst>
   <p:sldIdLst>
     <p:sldId id="257" r:id="rId5"/>
@@ -17,13 +17,14 @@
     <p:sldId id="286" r:id="rId11"/>
     <p:sldId id="290" r:id="rId12"/>
     <p:sldId id="291" r:id="rId13"/>
-    <p:sldId id="284" r:id="rId14"/>
-    <p:sldId id="278" r:id="rId15"/>
-    <p:sldId id="280" r:id="rId16"/>
-    <p:sldId id="281" r:id="rId17"/>
-    <p:sldId id="282" r:id="rId18"/>
-    <p:sldId id="285" r:id="rId19"/>
-    <p:sldId id="283" r:id="rId20"/>
+    <p:sldId id="292" r:id="rId14"/>
+    <p:sldId id="284" r:id="rId15"/>
+    <p:sldId id="278" r:id="rId16"/>
+    <p:sldId id="280" r:id="rId17"/>
+    <p:sldId id="281" r:id="rId18"/>
+    <p:sldId id="282" r:id="rId19"/>
+    <p:sldId id="285" r:id="rId20"/>
+    <p:sldId id="283" r:id="rId21"/>
   </p:sldIdLst>
   <p:sldSz cx="12192000" cy="6858000"/>
   <p:notesSz cx="6858000" cy="9144000"/>
@@ -584,6 +585,320 @@
   <p:cSld>
     <p:spTree>
       <p:nvGrpSpPr>
+        <p:cNvPr id="1" name=""/>
+        <p:cNvGrpSpPr/>
+        <p:nvPr/>
+      </p:nvGrpSpPr>
+      <p:grpSpPr>
+        <a:xfrm>
+          <a:off x="0" y="0"/>
+          <a:ext cx="0" cy="0"/>
+          <a:chOff x="0" y="0"/>
+          <a:chExt cx="0" cy="0"/>
+        </a:xfrm>
+      </p:grpSpPr>
+      <p:sp>
+        <p:nvSpPr>
+          <p:cNvPr id="2" name="מציין מיקום של תמונת שקופית 1"/>
+          <p:cNvSpPr>
+            <a:spLocks noGrp="1" noRot="1" noChangeAspect="1"/>
+          </p:cNvSpPr>
+          <p:nvPr>
+            <p:ph type="sldImg"/>
+          </p:nvPr>
+        </p:nvSpPr>
+        <p:spPr/>
+      </p:sp>
+      <p:sp>
+        <p:nvSpPr>
+          <p:cNvPr id="3" name="מציין מיקום של הערות 2"/>
+          <p:cNvSpPr>
+            <a:spLocks noGrp="1"/>
+          </p:cNvSpPr>
+          <p:nvPr>
+            <p:ph type="body" idx="1"/>
+          </p:nvPr>
+        </p:nvSpPr>
+        <p:spPr/>
+        <p:txBody>
+          <a:bodyPr/>
+          <a:lstStyle/>
+          <a:p>
+            <a:pPr>
+              <a:buNone/>
+            </a:pPr>
+            <a:r>
+              <a:rPr lang="en-US" dirty="0"/>
+              <a:t>To decipher the message, the receiver (Bob) performs three critical steps:</a:t>
+            </a:r>
+          </a:p>
+          <a:p>
+            <a:pPr>
+              <a:buFont typeface="+mj-lt"/>
+              <a:buAutoNum type="arabicPeriod"/>
+            </a:pPr>
+            <a:r>
+              <a:rPr lang="en-US" b="1" dirty="0"/>
+              <a:t>Recover the Blowfish key</a:t>
+            </a:r>
+            <a:br>
+              <a:rPr lang="en-US" dirty="0"/>
+            </a:br>
+            <a:r>
+              <a:rPr lang="en-US" dirty="0"/>
+              <a:t>Using his </a:t>
+            </a:r>
+            <a:r>
+              <a:rPr lang="en-US" b="1" dirty="0"/>
+              <a:t>private </a:t>
+            </a:r>
+            <a:r>
+              <a:rPr lang="en-US" b="1" dirty="0" err="1"/>
+              <a:t>McEliece</a:t>
+            </a:r>
+            <a:r>
+              <a:rPr lang="en-US" b="1" dirty="0"/>
+              <a:t> key</a:t>
+            </a:r>
+            <a:r>
+              <a:rPr lang="en-US" dirty="0"/>
+              <a:t>, Bob decrypts the encrypted Blowfish key that was sent by Alice. Only Bob can perform this decryption, because only he possesses the correct private key.</a:t>
+            </a:r>
+          </a:p>
+          <a:p>
+            <a:pPr>
+              <a:buFont typeface="+mj-lt"/>
+              <a:buAutoNum type="arabicPeriod"/>
+            </a:pPr>
+            <a:r>
+              <a:rPr lang="en-US" b="1" dirty="0"/>
+              <a:t>Decrypt the message</a:t>
+            </a:r>
+            <a:br>
+              <a:rPr lang="en-US" dirty="0"/>
+            </a:br>
+            <a:r>
+              <a:rPr lang="en-US" dirty="0"/>
+              <a:t>With the recovered Blowfish key, Bob decrypts the ciphertext. Blowfish is symmetric, so the same key used for encryption is now used for decryption.</a:t>
+            </a:r>
+          </a:p>
+          <a:p>
+            <a:pPr>
+              <a:buFont typeface="+mj-lt"/>
+              <a:buAutoNum type="arabicPeriod"/>
+            </a:pPr>
+            <a:r>
+              <a:rPr lang="en-US" b="1" dirty="0"/>
+              <a:t>Verify the signature</a:t>
+            </a:r>
+            <a:br>
+              <a:rPr lang="en-US" dirty="0"/>
+            </a:br>
+            <a:r>
+              <a:rPr lang="en-US" dirty="0"/>
+              <a:t>Before trusting the decrypted content, Bob verifies the digital signature using Alice’s public ECDSA key. This ensures that:</a:t>
+            </a:r>
+          </a:p>
+          <a:p>
+            <a:pPr marL="742950" lvl="1" indent="-285750">
+              <a:buFont typeface="+mj-lt"/>
+              <a:buAutoNum type="arabicPeriod"/>
+            </a:pPr>
+            <a:r>
+              <a:rPr lang="en-US" dirty="0"/>
+              <a:t>The message truly came from Alice (authenticity)</a:t>
+            </a:r>
+          </a:p>
+          <a:p>
+            <a:pPr marL="742950" lvl="1" indent="-285750">
+              <a:buFont typeface="+mj-lt"/>
+              <a:buAutoNum type="arabicPeriod"/>
+            </a:pPr>
+            <a:r>
+              <a:rPr lang="en-US" dirty="0"/>
+              <a:t>The message has not been altered (integrity)</a:t>
+            </a:r>
+          </a:p>
+          <a:p>
+            <a:r>
+              <a:rPr lang="en-US" dirty="0"/>
+              <a:t>Only if the signature is valid does Bob consider the message trustworthy.</a:t>
+            </a:r>
+          </a:p>
+          <a:p>
+            <a:endParaRPr lang="he-IL" dirty="0"/>
+          </a:p>
+        </p:txBody>
+      </p:sp>
+      <p:sp>
+        <p:nvSpPr>
+          <p:cNvPr id="4" name="מציין מיקום של מספר שקופית 3"/>
+          <p:cNvSpPr>
+            <a:spLocks noGrp="1"/>
+          </p:cNvSpPr>
+          <p:nvPr>
+            <p:ph type="sldNum" sz="quarter" idx="5"/>
+          </p:nvPr>
+        </p:nvSpPr>
+        <p:spPr/>
+        <p:txBody>
+          <a:bodyPr/>
+          <a:lstStyle/>
+          <a:p>
+            <a:fld id="{0050DDF3-CFC3-40C0-B288-2F43B4469CD4}" type="slidenum">
+              <a:rPr lang="en-US" smtClean="0"/>
+              <a:t>14</a:t>
+            </a:fld>
+            <a:endParaRPr lang="en-US"/>
+          </a:p>
+        </p:txBody>
+      </p:sp>
+    </p:spTree>
+    <p:extLst>
+      <p:ext uri="{BB962C8B-B14F-4D97-AF65-F5344CB8AC3E}">
+        <p14:creationId xmlns:p14="http://schemas.microsoft.com/office/powerpoint/2010/main" val="58447891"/>
+      </p:ext>
+    </p:extLst>
+  </p:cSld>
+  <p:clrMapOvr>
+    <a:masterClrMapping/>
+  </p:clrMapOvr>
+</p:notes>
+</file>
+
+<file path=ppt/notesSlides/notesSlide11.xml><?xml version="1.0" encoding="utf-8"?>
+<p:notes xmlns:a="http://schemas.openxmlformats.org/drawingml/2006/main" xmlns:r="http://schemas.openxmlformats.org/officeDocument/2006/relationships" xmlns:p="http://schemas.openxmlformats.org/presentationml/2006/main">
+  <p:cSld>
+    <p:spTree>
+      <p:nvGrpSpPr>
+        <p:cNvPr id="1" name=""/>
+        <p:cNvGrpSpPr/>
+        <p:nvPr/>
+      </p:nvGrpSpPr>
+      <p:grpSpPr>
+        <a:xfrm>
+          <a:off x="0" y="0"/>
+          <a:ext cx="0" cy="0"/>
+          <a:chOff x="0" y="0"/>
+          <a:chExt cx="0" cy="0"/>
+        </a:xfrm>
+      </p:grpSpPr>
+      <p:sp>
+        <p:nvSpPr>
+          <p:cNvPr id="2" name="מציין מיקום של תמונת שקופית 1"/>
+          <p:cNvSpPr>
+            <a:spLocks noGrp="1" noRot="1" noChangeAspect="1"/>
+          </p:cNvSpPr>
+          <p:nvPr>
+            <p:ph type="sldImg"/>
+          </p:nvPr>
+        </p:nvSpPr>
+        <p:spPr/>
+      </p:sp>
+      <p:sp>
+        <p:nvSpPr>
+          <p:cNvPr id="3" name="מציין מיקום של הערות 2"/>
+          <p:cNvSpPr>
+            <a:spLocks noGrp="1"/>
+          </p:cNvSpPr>
+          <p:nvPr>
+            <p:ph type="body" idx="1"/>
+          </p:nvPr>
+        </p:nvSpPr>
+        <p:spPr/>
+        <p:txBody>
+          <a:bodyPr/>
+          <a:lstStyle/>
+          <a:p>
+            <a:pPr>
+              <a:buNone/>
+            </a:pPr>
+            <a:r>
+              <a:rPr lang="en-US" dirty="0"/>
+              <a:t>Digital signatures are used in our system to make sure that:</a:t>
+            </a:r>
+          </a:p>
+          <a:p>
+            <a:pPr>
+              <a:buFont typeface="Arial" panose="020B0604020202020204" pitchFamily="34" charset="0"/>
+              <a:buChar char="•"/>
+            </a:pPr>
+            <a:r>
+              <a:rPr lang="en-US" dirty="0"/>
+              <a:t>The message truly came from the sender (Alice)</a:t>
+            </a:r>
+          </a:p>
+          <a:p>
+            <a:pPr>
+              <a:buFont typeface="Arial" panose="020B0604020202020204" pitchFamily="34" charset="0"/>
+              <a:buChar char="•"/>
+            </a:pPr>
+            <a:r>
+              <a:rPr lang="en-US" dirty="0"/>
+              <a:t>The encrypted message has not been tampered with</a:t>
+            </a:r>
+          </a:p>
+          <a:p>
+            <a:r>
+              <a:rPr lang="en-US" dirty="0"/>
+              <a:t>The signature is added after encryption, and verified before decryption, using public-key cryptography.</a:t>
+            </a:r>
+            <a:br>
+              <a:rPr lang="en-US" dirty="0"/>
+            </a:br>
+            <a:r>
+              <a:rPr lang="en-US"/>
+              <a:t>Details of how the signing works will be covered in the next slide: </a:t>
+            </a:r>
+            <a:r>
+              <a:rPr lang="en-US" b="1"/>
+              <a:t>“How ECDSA Works.”</a:t>
+            </a:r>
+            <a:endParaRPr lang="en-US"/>
+          </a:p>
+        </p:txBody>
+      </p:sp>
+      <p:sp>
+        <p:nvSpPr>
+          <p:cNvPr id="4" name="מציין מיקום של מספר שקופית 3"/>
+          <p:cNvSpPr>
+            <a:spLocks noGrp="1"/>
+          </p:cNvSpPr>
+          <p:nvPr>
+            <p:ph type="sldNum" sz="quarter" idx="5"/>
+          </p:nvPr>
+        </p:nvSpPr>
+        <p:spPr/>
+        <p:txBody>
+          <a:bodyPr/>
+          <a:lstStyle/>
+          <a:p>
+            <a:fld id="{0050DDF3-CFC3-40C0-B288-2F43B4469CD4}" type="slidenum">
+              <a:rPr lang="en-US" smtClean="0"/>
+              <a:t>15</a:t>
+            </a:fld>
+            <a:endParaRPr lang="en-US"/>
+          </a:p>
+        </p:txBody>
+      </p:sp>
+    </p:spTree>
+    <p:extLst>
+      <p:ext uri="{BB962C8B-B14F-4D97-AF65-F5344CB8AC3E}">
+        <p14:creationId xmlns:p14="http://schemas.microsoft.com/office/powerpoint/2010/main" val="2598733232"/>
+      </p:ext>
+    </p:extLst>
+  </p:cSld>
+  <p:clrMapOvr>
+    <a:masterClrMapping/>
+  </p:clrMapOvr>
+</p:notes>
+</file>
+
+<file path=ppt/notesSlides/notesSlide12.xml><?xml version="1.0" encoding="utf-8"?>
+<p:notes xmlns:a="http://schemas.openxmlformats.org/drawingml/2006/main" xmlns:r="http://schemas.openxmlformats.org/officeDocument/2006/relationships" xmlns:p="http://schemas.openxmlformats.org/presentationml/2006/main">
+  <p:cSld>
+    <p:spTree>
+      <p:nvGrpSpPr>
         <p:cNvPr id="1" name="">
           <a:extLst>
             <a:ext uri="{FF2B5EF4-FFF2-40B4-BE49-F238E27FC236}">
@@ -828,7 +1143,7 @@
           <a:p>
             <a:fld id="{0050DDF3-CFC3-40C0-B288-2F43B4469CD4}" type="slidenum">
               <a:rPr lang="en-US" smtClean="0"/>
-              <a:t>15</a:t>
+              <a:t>16</a:t>
             </a:fld>
             <a:endParaRPr lang="en-US"/>
           </a:p>
@@ -1395,72 +1710,6 @@
           <a:bodyPr/>
           <a:lstStyle/>
           <a:p>
-            <a:pPr lvl="1">
-              <a:buFont typeface="Arial" panose="020B0604020202020204" pitchFamily="34" charset="0"/>
-              <a:buChar char="•"/>
-            </a:pPr>
-            <a:r>
-              <a:rPr lang="en-US" b="1" dirty="0" err="1"/>
-              <a:t>McEliece</a:t>
-            </a:r>
-            <a:r>
-              <a:rPr lang="en-US" dirty="0"/>
-              <a:t> is a </a:t>
-            </a:r>
-            <a:r>
-              <a:rPr lang="en-US" b="1" dirty="0"/>
-              <a:t>public-key cryptosystem</a:t>
-            </a:r>
-            <a:r>
-              <a:rPr lang="en-US" dirty="0"/>
-              <a:t> based on </a:t>
-            </a:r>
-            <a:r>
-              <a:rPr lang="en-US" b="1" dirty="0"/>
-              <a:t>error-correcting codes</a:t>
-            </a:r>
-            <a:r>
-              <a:rPr lang="en-US" dirty="0"/>
-              <a:t>, not number theory — it's considered quantum-resistant.</a:t>
-            </a:r>
-          </a:p>
-          <a:p>
-            <a:pPr lvl="1">
-              <a:buFont typeface="Arial" panose="020B0604020202020204" pitchFamily="34" charset="0"/>
-              <a:buChar char="•"/>
-            </a:pPr>
-            <a:r>
-              <a:rPr lang="en-US" dirty="0"/>
-              <a:t>Used to </a:t>
-            </a:r>
-            <a:r>
-              <a:rPr lang="en-US" b="1" dirty="0"/>
-              <a:t>encrypt the symmetric Blowfish key</a:t>
-            </a:r>
-            <a:r>
-              <a:rPr lang="en-US" dirty="0"/>
-              <a:t>, so it can be sent securely.</a:t>
-            </a:r>
-          </a:p>
-          <a:p>
-            <a:pPr lvl="1">
-              <a:buFont typeface="Arial" panose="020B0604020202020204" pitchFamily="34" charset="0"/>
-              <a:buChar char="•"/>
-            </a:pPr>
-            <a:r>
-              <a:rPr lang="en-US" dirty="0"/>
-              <a:t>Only the recipient (Bob) can decrypt it using his private </a:t>
-            </a:r>
-            <a:r>
-              <a:rPr lang="en-US" dirty="0" err="1"/>
-              <a:t>McEliece</a:t>
-            </a:r>
-            <a:r>
-              <a:rPr lang="en-US" dirty="0"/>
-              <a:t> key.</a:t>
-            </a:r>
-          </a:p>
-          <a:p>
             <a:endParaRPr lang="he-IL" dirty="0"/>
           </a:p>
         </p:txBody>
@@ -1482,7 +1731,7 @@
           <a:p>
             <a:fld id="{0050DDF3-CFC3-40C0-B288-2F43B4469CD4}" type="slidenum">
               <a:rPr lang="en-US" smtClean="0"/>
-              <a:t>10</a:t>
+              <a:t>9</a:t>
             </a:fld>
             <a:endParaRPr lang="en-US"/>
           </a:p>
@@ -1491,7 +1740,7 @@
     </p:spTree>
     <p:extLst>
       <p:ext uri="{BB962C8B-B14F-4D97-AF65-F5344CB8AC3E}">
-        <p14:creationId xmlns:p14="http://schemas.microsoft.com/office/powerpoint/2010/main" val="1317345622"/>
+        <p14:creationId xmlns:p14="http://schemas.microsoft.com/office/powerpoint/2010/main" val="3795136372"/>
       </p:ext>
     </p:extLst>
   </p:cSld>
@@ -1506,7 +1755,13 @@
   <p:cSld>
     <p:spTree>
       <p:nvGrpSpPr>
-        <p:cNvPr id="1" name=""/>
+        <p:cNvPr id="1" name="">
+          <a:extLst>
+            <a:ext uri="{FF2B5EF4-FFF2-40B4-BE49-F238E27FC236}">
+              <a16:creationId xmlns:a16="http://schemas.microsoft.com/office/drawing/2014/main" id="{62B92D8B-2607-127E-B1C2-92BED0972D31}"/>
+            </a:ext>
+          </a:extLst>
+        </p:cNvPr>
         <p:cNvGrpSpPr/>
         <p:nvPr/>
       </p:nvGrpSpPr>
@@ -1520,7 +1775,13 @@
       </p:grpSpPr>
       <p:sp>
         <p:nvSpPr>
-          <p:cNvPr id="2" name="מציין מיקום של תמונת שקופית 1"/>
+          <p:cNvPr id="2" name="מציין מיקום של תמונת שקופית 1">
+            <a:extLst>
+              <a:ext uri="{FF2B5EF4-FFF2-40B4-BE49-F238E27FC236}">
+                <a16:creationId xmlns:a16="http://schemas.microsoft.com/office/drawing/2014/main" id="{6B943E4F-7999-5CAE-547B-59F56057A6B1}"/>
+              </a:ext>
+            </a:extLst>
+          </p:cNvPr>
           <p:cNvSpPr>
             <a:spLocks noGrp="1" noRot="1" noChangeAspect="1"/>
           </p:cNvSpPr>
@@ -1532,7 +1793,13 @@
       </p:sp>
       <p:sp>
         <p:nvSpPr>
-          <p:cNvPr id="3" name="מציין מיקום של הערות 2"/>
+          <p:cNvPr id="3" name="מציין מיקום של הערות 2">
+            <a:extLst>
+              <a:ext uri="{FF2B5EF4-FFF2-40B4-BE49-F238E27FC236}">
+                <a16:creationId xmlns:a16="http://schemas.microsoft.com/office/drawing/2014/main" id="{C0A06065-78A7-1573-DCE5-C05F724DBD32}"/>
+              </a:ext>
+            </a:extLst>
+          </p:cNvPr>
           <p:cNvSpPr>
             <a:spLocks noGrp="1"/>
           </p:cNvSpPr>
@@ -1545,62 +1812,19 @@
           <a:bodyPr/>
           <a:lstStyle/>
           <a:p>
-            <a:pPr>
-              <a:buNone/>
-            </a:pPr>
-            <a:r>
-              <a:rPr lang="en-US" dirty="0"/>
-              <a:t>The original message is a plaintext string representing the content of an email. In real-world applications, this could be a subject line, a short paragraph, or any piece of text. For demonstration purposes, we use a simple text message to show how it is processed through encryption, key delivery, and digital signing.</a:t>
-            </a:r>
-          </a:p>
-          <a:p>
-            <a:r>
-              <a:rPr lang="en-US" dirty="0"/>
-              <a:t>The message must be encrypted to ensure </a:t>
-            </a:r>
-            <a:r>
-              <a:rPr lang="en-US" b="1" dirty="0"/>
-              <a:t>confidentiality</a:t>
-            </a:r>
-            <a:r>
-              <a:rPr lang="en-US" dirty="0"/>
-              <a:t>, and should be </a:t>
-            </a:r>
-            <a:r>
-              <a:rPr lang="en-US" b="1" dirty="0"/>
-              <a:t>digitally signed</a:t>
-            </a:r>
-            <a:r>
-              <a:rPr lang="en-US" dirty="0"/>
-              <a:t> to guarantee </a:t>
-            </a:r>
-            <a:r>
-              <a:rPr lang="en-US" b="1" dirty="0"/>
-              <a:t>authenticity and integrity</a:t>
-            </a:r>
-            <a:r>
-              <a:rPr lang="en-US" dirty="0"/>
-              <a:t>.</a:t>
-            </a:r>
-          </a:p>
-          <a:p>
-            <a:endParaRPr lang="en-US" dirty="0"/>
-          </a:p>
-          <a:p>
-            <a:endParaRPr lang="en-US" dirty="0"/>
-          </a:p>
-          <a:p>
-            <a:r>
-              <a:rPr lang="en-US" dirty="0"/>
-              <a:t>Waiting for script</a:t>
-            </a:r>
             <a:endParaRPr lang="he-IL" dirty="0"/>
           </a:p>
         </p:txBody>
       </p:sp>
       <p:sp>
         <p:nvSpPr>
-          <p:cNvPr id="4" name="מציין מיקום של מספר שקופית 3"/>
+          <p:cNvPr id="4" name="מציין מיקום של מספר שקופית 3">
+            <a:extLst>
+              <a:ext uri="{FF2B5EF4-FFF2-40B4-BE49-F238E27FC236}">
+                <a16:creationId xmlns:a16="http://schemas.microsoft.com/office/drawing/2014/main" id="{F9CDD48E-5A03-2BC3-E4DF-877305C525EE}"/>
+              </a:ext>
+            </a:extLst>
+          </p:cNvPr>
           <p:cNvSpPr>
             <a:spLocks noGrp="1"/>
           </p:cNvSpPr>
@@ -1615,7 +1839,7 @@
           <a:p>
             <a:fld id="{0050DDF3-CFC3-40C0-B288-2F43B4469CD4}" type="slidenum">
               <a:rPr lang="en-US" smtClean="0"/>
-              <a:t>11</a:t>
+              <a:t>10</a:t>
             </a:fld>
             <a:endParaRPr lang="en-US"/>
           </a:p>
@@ -1624,7 +1848,7 @@
     </p:spTree>
     <p:extLst>
       <p:ext uri="{BB962C8B-B14F-4D97-AF65-F5344CB8AC3E}">
-        <p14:creationId xmlns:p14="http://schemas.microsoft.com/office/powerpoint/2010/main" val="3116880650"/>
+        <p14:creationId xmlns:p14="http://schemas.microsoft.com/office/powerpoint/2010/main" val="2390951734"/>
       </p:ext>
     </p:extLst>
   </p:cSld>
@@ -1678,37 +1902,61 @@
           <a:bodyPr/>
           <a:lstStyle/>
           <a:p>
-            <a:pPr>
-              <a:buNone/>
+            <a:pPr lvl="1">
+              <a:buFont typeface="Arial" panose="020B0604020202020204" pitchFamily="34" charset="0"/>
+              <a:buChar char="•"/>
             </a:pPr>
             <a:r>
-              <a:rPr lang="en-US" dirty="0"/>
-              <a:t>Once the plaintext message is encrypted using the Blowfish symmetric cipher, the result is a </a:t>
+              <a:rPr lang="en-US" b="1" dirty="0" err="1"/>
+              <a:t>McEliece</a:t>
+            </a:r>
+            <a:r>
+              <a:rPr lang="en-US" dirty="0"/>
+              <a:t> is a </a:t>
             </a:r>
             <a:r>
               <a:rPr lang="en-US" b="1" dirty="0"/>
-              <a:t>non-readable block of ciphertext</a:t>
-            </a:r>
-            <a:r>
-              <a:rPr lang="en-US" dirty="0"/>
-              <a:t>. This ciphertext appears as a random string of characters and symbols — not meaningful to anyone without the key.</a:t>
-            </a:r>
-          </a:p>
-          <a:p>
-            <a:pPr>
-              <a:buNone/>
+              <a:t>public-key cryptosystem</a:t>
+            </a:r>
+            <a:r>
+              <a:rPr lang="en-US" dirty="0"/>
+              <a:t> based on </a:t>
+            </a:r>
+            <a:r>
+              <a:rPr lang="en-US" b="1" dirty="0"/>
+              <a:t>error-correcting codes</a:t>
+            </a:r>
+            <a:r>
+              <a:rPr lang="en-US" dirty="0"/>
+              <a:t>, not number theory — it's considered quantum-resistant.</a:t>
+            </a:r>
+          </a:p>
+          <a:p>
+            <a:pPr lvl="1">
+              <a:buFont typeface="Arial" panose="020B0604020202020204" pitchFamily="34" charset="0"/>
+              <a:buChar char="•"/>
             </a:pPr>
             <a:r>
               <a:rPr lang="en-US" dirty="0"/>
-              <a:t>Encryption is done using a </a:t>
+              <a:t>Used to </a:t>
             </a:r>
             <a:r>
               <a:rPr lang="en-US" b="1" dirty="0"/>
-              <a:t>randomly generated Blowfish key</a:t>
-            </a:r>
-            <a:r>
-              <a:rPr lang="en-US" dirty="0"/>
-              <a:t>, and the same key must later be used to decrypt the message. Since symmetric keys cannot be shared openly, the Blowfish key is encrypted using the </a:t>
+              <a:t>encrypt the symmetric Blowfish key</a:t>
+            </a:r>
+            <a:r>
+              <a:rPr lang="en-US" dirty="0"/>
+              <a:t>, so it can be sent securely.</a:t>
+            </a:r>
+          </a:p>
+          <a:p>
+            <a:pPr lvl="1">
+              <a:buFont typeface="Arial" panose="020B0604020202020204" pitchFamily="34" charset="0"/>
+              <a:buChar char="•"/>
+            </a:pPr>
+            <a:r>
+              <a:rPr lang="en-US" dirty="0"/>
+              <a:t>Only the recipient (Bob) can decrypt it using his private </a:t>
             </a:r>
             <a:r>
               <a:rPr lang="en-US" dirty="0" err="1"/>
@@ -1716,21 +1964,7 @@
             </a:r>
             <a:r>
               <a:rPr lang="en-US" dirty="0"/>
-              <a:t> public-key system.</a:t>
-            </a:r>
-          </a:p>
-          <a:p>
-            <a:r>
-              <a:rPr lang="en-US" dirty="0"/>
-              <a:t>This step ensures that even if someone intercepts the message, they cannot understand it without the Blowfish key — and they can't access the key unless they can break </a:t>
-            </a:r>
-            <a:r>
-              <a:rPr lang="en-US" dirty="0" err="1"/>
-              <a:t>McEliece</a:t>
-            </a:r>
-            <a:r>
-              <a:rPr lang="en-US" dirty="0"/>
-              <a:t> encryption (which is considered quantum-safe).</a:t>
+              <a:t> key.</a:t>
             </a:r>
           </a:p>
           <a:p>
@@ -1755,7 +1989,7 @@
           <a:p>
             <a:fld id="{0050DDF3-CFC3-40C0-B288-2F43B4469CD4}" type="slidenum">
               <a:rPr lang="en-US" smtClean="0"/>
-              <a:t>12</a:t>
+              <a:t>11</a:t>
             </a:fld>
             <a:endParaRPr lang="en-US"/>
           </a:p>
@@ -1764,7 +1998,7 @@
     </p:spTree>
     <p:extLst>
       <p:ext uri="{BB962C8B-B14F-4D97-AF65-F5344CB8AC3E}">
-        <p14:creationId xmlns:p14="http://schemas.microsoft.com/office/powerpoint/2010/main" val="550502804"/>
+        <p14:creationId xmlns:p14="http://schemas.microsoft.com/office/powerpoint/2010/main" val="1317345622"/>
       </p:ext>
     </p:extLst>
   </p:cSld>
@@ -1823,103 +2057,50 @@
             </a:pPr>
             <a:r>
               <a:rPr lang="en-US" dirty="0"/>
-              <a:t>To decipher the message, the receiver (Bob) performs three critical steps:</a:t>
-            </a:r>
-          </a:p>
-          <a:p>
-            <a:pPr>
-              <a:buFont typeface="+mj-lt"/>
-              <a:buAutoNum type="arabicPeriod"/>
-            </a:pPr>
+              <a:t>The original message is a plaintext string representing the content of an email. In real-world applications, this could be a subject line, a short paragraph, or any piece of text. For demonstration purposes, we use a simple text message to show how it is processed through encryption, key delivery, and digital signing.</a:t>
+            </a:r>
+          </a:p>
+          <a:p>
+            <a:r>
+              <a:rPr lang="en-US" dirty="0"/>
+              <a:t>The message must be encrypted to ensure </a:t>
+            </a:r>
             <a:r>
               <a:rPr lang="en-US" b="1" dirty="0"/>
-              <a:t>Recover the Blowfish key</a:t>
-            </a:r>
-            <a:br>
-              <a:rPr lang="en-US" dirty="0"/>
-            </a:br>
-            <a:r>
-              <a:rPr lang="en-US" dirty="0"/>
-              <a:t>Using his </a:t>
+              <a:t>confidentiality</a:t>
+            </a:r>
+            <a:r>
+              <a:rPr lang="en-US" dirty="0"/>
+              <a:t>, and should be </a:t>
             </a:r>
             <a:r>
               <a:rPr lang="en-US" b="1" dirty="0"/>
-              <a:t>private </a:t>
-            </a:r>
-            <a:r>
-              <a:rPr lang="en-US" b="1" dirty="0" err="1"/>
-              <a:t>McEliece</a:t>
+              <a:t>digitally signed</a:t>
+            </a:r>
+            <a:r>
+              <a:rPr lang="en-US" dirty="0"/>
+              <a:t> to guarantee </a:t>
             </a:r>
             <a:r>
               <a:rPr lang="en-US" b="1" dirty="0"/>
-              <a:t> key</a:t>
-            </a:r>
-            <a:r>
-              <a:rPr lang="en-US" dirty="0"/>
-              <a:t>, Bob decrypts the encrypted Blowfish key that was sent by Alice. Only Bob can perform this decryption, because only he possesses the correct private key.</a:t>
-            </a:r>
-          </a:p>
-          <a:p>
-            <a:pPr>
-              <a:buFont typeface="+mj-lt"/>
-              <a:buAutoNum type="arabicPeriod"/>
-            </a:pPr>
-            <a:r>
-              <a:rPr lang="en-US" b="1" dirty="0"/>
-              <a:t>Decrypt the message</a:t>
-            </a:r>
-            <a:br>
-              <a:rPr lang="en-US" dirty="0"/>
-            </a:br>
-            <a:r>
-              <a:rPr lang="en-US" dirty="0"/>
-              <a:t>With the recovered Blowfish key, Bob decrypts the ciphertext. Blowfish is symmetric, so the same key used for encryption is now used for decryption.</a:t>
-            </a:r>
-          </a:p>
-          <a:p>
-            <a:pPr>
-              <a:buFont typeface="+mj-lt"/>
-              <a:buAutoNum type="arabicPeriod"/>
-            </a:pPr>
-            <a:r>
-              <a:rPr lang="en-US" b="1" dirty="0"/>
-              <a:t>Verify the signature</a:t>
-            </a:r>
-            <a:br>
-              <a:rPr lang="en-US" dirty="0"/>
-            </a:br>
-            <a:r>
-              <a:rPr lang="en-US" dirty="0"/>
-              <a:t>Before trusting the decrypted content, Bob verifies the digital signature using Alice’s public ECDSA key. This ensures that:</a:t>
-            </a:r>
-          </a:p>
-          <a:p>
-            <a:pPr marL="742950" lvl="1" indent="-285750">
-              <a:buFont typeface="+mj-lt"/>
-              <a:buAutoNum type="arabicPeriod"/>
-            </a:pPr>
-            <a:r>
-              <a:rPr lang="en-US" dirty="0"/>
-              <a:t>The message truly came from Alice (authenticity)</a:t>
-            </a:r>
-          </a:p>
-          <a:p>
-            <a:pPr marL="742950" lvl="1" indent="-285750">
-              <a:buFont typeface="+mj-lt"/>
-              <a:buAutoNum type="arabicPeriod"/>
-            </a:pPr>
-            <a:r>
-              <a:rPr lang="en-US" dirty="0"/>
-              <a:t>The message has not been altered (integrity)</a:t>
-            </a:r>
-          </a:p>
-          <a:p>
-            <a:r>
-              <a:rPr lang="en-US" dirty="0"/>
-              <a:t>Only if the signature is valid does Bob consider the message trustworthy.</a:t>
-            </a:r>
-          </a:p>
-          <a:p>
+              <a:t>authenticity and integrity</a:t>
+            </a:r>
+            <a:r>
+              <a:rPr lang="en-US" dirty="0"/>
+              <a:t>.</a:t>
+            </a:r>
+          </a:p>
+          <a:p>
+            <a:endParaRPr lang="en-US" dirty="0"/>
+          </a:p>
+          <a:p>
+            <a:endParaRPr lang="en-US" dirty="0"/>
+          </a:p>
+          <a:p>
+            <a:r>
+              <a:rPr lang="en-US" dirty="0"/>
+              <a:t>Waiting for script</a:t>
+            </a:r>
             <a:endParaRPr lang="he-IL" dirty="0"/>
           </a:p>
         </p:txBody>
@@ -1941,7 +2122,7 @@
           <a:p>
             <a:fld id="{0050DDF3-CFC3-40C0-B288-2F43B4469CD4}" type="slidenum">
               <a:rPr lang="en-US" smtClean="0"/>
-              <a:t>13</a:t>
+              <a:t>12</a:t>
             </a:fld>
             <a:endParaRPr lang="en-US"/>
           </a:p>
@@ -1950,7 +2131,7 @@
     </p:spTree>
     <p:extLst>
       <p:ext uri="{BB962C8B-B14F-4D97-AF65-F5344CB8AC3E}">
-        <p14:creationId xmlns:p14="http://schemas.microsoft.com/office/powerpoint/2010/main" val="58447891"/>
+        <p14:creationId xmlns:p14="http://schemas.microsoft.com/office/powerpoint/2010/main" val="3116880650"/>
       </p:ext>
     </p:extLst>
   </p:cSld>
@@ -2009,46 +2190,58 @@
             </a:pPr>
             <a:r>
               <a:rPr lang="en-US" dirty="0"/>
-              <a:t>Digital signatures are used in our system to make sure that:</a:t>
+              <a:t>Once the plaintext message is encrypted using the Blowfish symmetric cipher, the result is a </a:t>
+            </a:r>
+            <a:r>
+              <a:rPr lang="en-US" b="1" dirty="0"/>
+              <a:t>non-readable block of ciphertext</a:t>
+            </a:r>
+            <a:r>
+              <a:rPr lang="en-US" dirty="0"/>
+              <a:t>. This ciphertext appears as a random string of characters and symbols — not meaningful to anyone without the key.</a:t>
             </a:r>
           </a:p>
           <a:p>
             <a:pPr>
-              <a:buFont typeface="Arial" panose="020B0604020202020204" pitchFamily="34" charset="0"/>
-              <a:buChar char="•"/>
+              <a:buNone/>
             </a:pPr>
             <a:r>
               <a:rPr lang="en-US" dirty="0"/>
-              <a:t>The message truly came from the sender (Alice)</a:t>
-            </a:r>
-          </a:p>
-          <a:p>
-            <a:pPr>
-              <a:buFont typeface="Arial" panose="020B0604020202020204" pitchFamily="34" charset="0"/>
-              <a:buChar char="•"/>
-            </a:pPr>
-            <a:r>
-              <a:rPr lang="en-US" dirty="0"/>
-              <a:t>The encrypted message has not been tampered with</a:t>
-            </a:r>
-          </a:p>
-          <a:p>
-            <a:r>
-              <a:rPr lang="en-US" dirty="0"/>
-              <a:t>The signature is added after encryption, and verified before decryption, using public-key cryptography.</a:t>
-            </a:r>
-            <a:br>
-              <a:rPr lang="en-US" dirty="0"/>
-            </a:br>
-            <a:r>
-              <a:rPr lang="en-US"/>
-              <a:t>Details of how the signing works will be covered in the next slide: </a:t>
-            </a:r>
-            <a:r>
-              <a:rPr lang="en-US" b="1"/>
-              <a:t>“How ECDSA Works.”</a:t>
-            </a:r>
-            <a:endParaRPr lang="en-US"/>
+              <a:t>Encryption is done using a </a:t>
+            </a:r>
+            <a:r>
+              <a:rPr lang="en-US" b="1" dirty="0"/>
+              <a:t>randomly generated Blowfish key</a:t>
+            </a:r>
+            <a:r>
+              <a:rPr lang="en-US" dirty="0"/>
+              <a:t>, and the same key must later be used to decrypt the message. Since symmetric keys cannot be shared openly, the Blowfish key is encrypted using the </a:t>
+            </a:r>
+            <a:r>
+              <a:rPr lang="en-US" dirty="0" err="1"/>
+              <a:t>McEliece</a:t>
+            </a:r>
+            <a:r>
+              <a:rPr lang="en-US" dirty="0"/>
+              <a:t> public-key system.</a:t>
+            </a:r>
+          </a:p>
+          <a:p>
+            <a:r>
+              <a:rPr lang="en-US" dirty="0"/>
+              <a:t>This step ensures that even if someone intercepts the message, they cannot understand it without the Blowfish key — and they can't access the key unless they can break </a:t>
+            </a:r>
+            <a:r>
+              <a:rPr lang="en-US" dirty="0" err="1"/>
+              <a:t>McEliece</a:t>
+            </a:r>
+            <a:r>
+              <a:rPr lang="en-US" dirty="0"/>
+              <a:t> encryption (which is considered quantum-safe).</a:t>
+            </a:r>
+          </a:p>
+          <a:p>
+            <a:endParaRPr lang="he-IL" dirty="0"/>
           </a:p>
         </p:txBody>
       </p:sp>
@@ -2069,7 +2262,7 @@
           <a:p>
             <a:fld id="{0050DDF3-CFC3-40C0-B288-2F43B4469CD4}" type="slidenum">
               <a:rPr lang="en-US" smtClean="0"/>
-              <a:t>14</a:t>
+              <a:t>13</a:t>
             </a:fld>
             <a:endParaRPr lang="en-US"/>
           </a:p>
@@ -2078,7 +2271,7 @@
     </p:spTree>
     <p:extLst>
       <p:ext uri="{BB962C8B-B14F-4D97-AF65-F5344CB8AC3E}">
-        <p14:creationId xmlns:p14="http://schemas.microsoft.com/office/powerpoint/2010/main" val="2598733232"/>
+        <p14:creationId xmlns:p14="http://schemas.microsoft.com/office/powerpoint/2010/main" val="550502804"/>
       </p:ext>
     </p:extLst>
   </p:cSld>
@@ -5922,6 +6115,827 @@
         <p:cNvPr id="1" name="">
           <a:extLst>
             <a:ext uri="{FF2B5EF4-FFF2-40B4-BE49-F238E27FC236}">
+              <a16:creationId xmlns:a16="http://schemas.microsoft.com/office/drawing/2014/main" id="{0EC96C23-8C80-2E01-2A09-8C5015B51CDA}"/>
+            </a:ext>
+          </a:extLst>
+        </p:cNvPr>
+        <p:cNvGrpSpPr/>
+        <p:nvPr/>
+      </p:nvGrpSpPr>
+      <p:grpSpPr>
+        <a:xfrm>
+          <a:off x="0" y="0"/>
+          <a:ext cx="0" cy="0"/>
+          <a:chOff x="0" y="0"/>
+          <a:chExt cx="0" cy="0"/>
+        </a:xfrm>
+      </p:grpSpPr>
+      <p:sp>
+        <p:nvSpPr>
+          <p:cNvPr id="2" name="Title 1">
+            <a:extLst>
+              <a:ext uri="{FF2B5EF4-FFF2-40B4-BE49-F238E27FC236}">
+                <a16:creationId xmlns:a16="http://schemas.microsoft.com/office/drawing/2014/main" id="{5B35E9C3-D292-D9AA-D3C8-69BFBDEE065C}"/>
+              </a:ext>
+            </a:extLst>
+          </p:cNvPr>
+          <p:cNvSpPr>
+            <a:spLocks noGrp="1"/>
+          </p:cNvSpPr>
+          <p:nvPr>
+            <p:ph type="title"/>
+          </p:nvPr>
+        </p:nvSpPr>
+        <p:spPr/>
+        <p:txBody>
+          <a:bodyPr/>
+          <a:lstStyle/>
+          <a:p>
+            <a:r>
+              <a:rPr lang="en-US" dirty="0"/>
+              <a:t>Attacks</a:t>
+            </a:r>
+          </a:p>
+        </p:txBody>
+      </p:sp>
+      <p:graphicFrame>
+        <p:nvGraphicFramePr>
+          <p:cNvPr id="11" name="מציין מיקום תוכן 10">
+            <a:extLst>
+              <a:ext uri="{FF2B5EF4-FFF2-40B4-BE49-F238E27FC236}">
+                <a16:creationId xmlns:a16="http://schemas.microsoft.com/office/drawing/2014/main" id="{7C7A4490-E626-2661-1997-3988C02728C3}"/>
+              </a:ext>
+            </a:extLst>
+          </p:cNvPr>
+          <p:cNvGraphicFramePr>
+            <a:graphicFrameLocks noGrp="1"/>
+          </p:cNvGraphicFramePr>
+          <p:nvPr>
+            <p:ph idx="1"/>
+            <p:extLst>
+              <p:ext uri="{D42A27DB-BD31-4B8C-83A1-F6EECF244321}">
+                <p14:modId xmlns:p14="http://schemas.microsoft.com/office/powerpoint/2010/main" val="4102207366"/>
+              </p:ext>
+            </p:extLst>
+          </p:nvPr>
+        </p:nvGraphicFramePr>
+        <p:xfrm>
+          <a:off x="719191" y="1887172"/>
+          <a:ext cx="10058400" cy="3788028"/>
+        </p:xfrm>
+        <a:graphic>
+          <a:graphicData uri="http://schemas.openxmlformats.org/drawingml/2006/table">
+            <a:tbl>
+              <a:tblPr/>
+              <a:tblGrid>
+                <a:gridCol w="2514600">
+                  <a:extLst>
+                    <a:ext uri="{9D8B030D-6E8A-4147-A177-3AD203B41FA5}">
+                      <a16:colId xmlns:a16="http://schemas.microsoft.com/office/drawing/2014/main" val="1759627091"/>
+                    </a:ext>
+                  </a:extLst>
+                </a:gridCol>
+                <a:gridCol w="2514600">
+                  <a:extLst>
+                    <a:ext uri="{9D8B030D-6E8A-4147-A177-3AD203B41FA5}">
+                      <a16:colId xmlns:a16="http://schemas.microsoft.com/office/drawing/2014/main" val="2654238947"/>
+                    </a:ext>
+                  </a:extLst>
+                </a:gridCol>
+                <a:gridCol w="2514600">
+                  <a:extLst>
+                    <a:ext uri="{9D8B030D-6E8A-4147-A177-3AD203B41FA5}">
+                      <a16:colId xmlns:a16="http://schemas.microsoft.com/office/drawing/2014/main" val="2792846738"/>
+                    </a:ext>
+                  </a:extLst>
+                </a:gridCol>
+                <a:gridCol w="2514600">
+                  <a:extLst>
+                    <a:ext uri="{9D8B030D-6E8A-4147-A177-3AD203B41FA5}">
+                      <a16:colId xmlns:a16="http://schemas.microsoft.com/office/drawing/2014/main" val="786761918"/>
+                    </a:ext>
+                  </a:extLst>
+                </a:gridCol>
+              </a:tblGrid>
+              <a:tr h="164187">
+                <a:tc>
+                  <a:txBody>
+                    <a:bodyPr/>
+                    <a:lstStyle/>
+                    <a:p>
+                      <a:r>
+                        <a:rPr lang="en-US" sz="1400" b="1"/>
+                        <a:t>Step</a:t>
+                      </a:r>
+                      <a:endParaRPr lang="en-US" sz="1400"/>
+                    </a:p>
+                  </a:txBody>
+                  <a:tcPr marL="26818" marR="26818" marT="13409" marB="13409" anchor="ctr">
+                    <a:lnL>
+                      <a:noFill/>
+                    </a:lnL>
+                    <a:lnR>
+                      <a:noFill/>
+                    </a:lnR>
+                    <a:lnT>
+                      <a:noFill/>
+                    </a:lnT>
+                    <a:lnB>
+                      <a:noFill/>
+                    </a:lnB>
+                    <a:noFill/>
+                  </a:tcPr>
+                </a:tc>
+                <a:tc>
+                  <a:txBody>
+                    <a:bodyPr/>
+                    <a:lstStyle/>
+                    <a:p>
+                      <a:r>
+                        <a:rPr lang="en-US" sz="1400" b="1"/>
+                        <a:t>Method Used</a:t>
+                      </a:r>
+                      <a:endParaRPr lang="en-US" sz="1400"/>
+                    </a:p>
+                  </a:txBody>
+                  <a:tcPr marL="26818" marR="26818" marT="13409" marB="13409" anchor="ctr">
+                    <a:lnL>
+                      <a:noFill/>
+                    </a:lnL>
+                    <a:lnR>
+                      <a:noFill/>
+                    </a:lnR>
+                    <a:lnT>
+                      <a:noFill/>
+                    </a:lnT>
+                    <a:lnB>
+                      <a:noFill/>
+                    </a:lnB>
+                    <a:noFill/>
+                  </a:tcPr>
+                </a:tc>
+                <a:tc>
+                  <a:txBody>
+                    <a:bodyPr/>
+                    <a:lstStyle/>
+                    <a:p>
+                      <a:r>
+                        <a:rPr lang="en-US" sz="1400" b="1"/>
+                        <a:t>Potential Attacks</a:t>
+                      </a:r>
+                      <a:endParaRPr lang="en-US" sz="1400"/>
+                    </a:p>
+                  </a:txBody>
+                  <a:tcPr marL="26818" marR="26818" marT="13409" marB="13409" anchor="ctr">
+                    <a:lnL>
+                      <a:noFill/>
+                    </a:lnL>
+                    <a:lnR>
+                      <a:noFill/>
+                    </a:lnR>
+                    <a:lnT>
+                      <a:noFill/>
+                    </a:lnT>
+                    <a:lnB>
+                      <a:noFill/>
+                    </a:lnB>
+                    <a:noFill/>
+                  </a:tcPr>
+                </a:tc>
+                <a:tc>
+                  <a:txBody>
+                    <a:bodyPr/>
+                    <a:lstStyle/>
+                    <a:p>
+                      <a:r>
+                        <a:rPr lang="en-US" sz="1400" b="1"/>
+                        <a:t>Mitigation Strategies</a:t>
+                      </a:r>
+                      <a:endParaRPr lang="en-US" sz="1400"/>
+                    </a:p>
+                  </a:txBody>
+                  <a:tcPr marL="26818" marR="26818" marT="13409" marB="13409" anchor="ctr">
+                    <a:lnL>
+                      <a:noFill/>
+                    </a:lnL>
+                    <a:lnR>
+                      <a:noFill/>
+                    </a:lnR>
+                    <a:lnT>
+                      <a:noFill/>
+                    </a:lnT>
+                    <a:lnB>
+                      <a:noFill/>
+                    </a:lnB>
+                    <a:noFill/>
+                  </a:tcPr>
+                </a:tc>
+                <a:extLst>
+                  <a:ext uri="{0D108BD9-81ED-4DB2-BD59-A6C34878D82A}">
+                    <a16:rowId xmlns:a16="http://schemas.microsoft.com/office/drawing/2014/main" val="4176346846"/>
+                  </a:ext>
+                </a:extLst>
+              </a:tr>
+              <a:tr h="450566">
+                <a:tc>
+                  <a:txBody>
+                    <a:bodyPr/>
+                    <a:lstStyle/>
+                    <a:p>
+                      <a:r>
+                        <a:rPr lang="he-IL" sz="1400" dirty="0"/>
+                        <a:t>7</a:t>
+                      </a:r>
+                    </a:p>
+                  </a:txBody>
+                  <a:tcPr marL="26818" marR="26818" marT="13409" marB="13409" anchor="ctr">
+                    <a:lnL>
+                      <a:noFill/>
+                    </a:lnL>
+                    <a:lnR>
+                      <a:noFill/>
+                    </a:lnR>
+                    <a:lnT>
+                      <a:noFill/>
+                    </a:lnT>
+                    <a:lnB>
+                      <a:noFill/>
+                    </a:lnB>
+                    <a:noFill/>
+                  </a:tcPr>
+                </a:tc>
+                <a:tc>
+                  <a:txBody>
+                    <a:bodyPr/>
+                    <a:lstStyle/>
+                    <a:p>
+                      <a:r>
+                        <a:rPr lang="en-US" sz="1400"/>
+                        <a:t>Email Transmission</a:t>
+                      </a:r>
+                    </a:p>
+                  </a:txBody>
+                  <a:tcPr marL="26818" marR="26818" marT="13409" marB="13409" anchor="ctr">
+                    <a:lnL>
+                      <a:noFill/>
+                    </a:lnL>
+                    <a:lnR>
+                      <a:noFill/>
+                    </a:lnR>
+                    <a:lnT>
+                      <a:noFill/>
+                    </a:lnT>
+                    <a:lnB>
+                      <a:noFill/>
+                    </a:lnB>
+                    <a:noFill/>
+                  </a:tcPr>
+                </a:tc>
+                <a:tc>
+                  <a:txBody>
+                    <a:bodyPr/>
+                    <a:lstStyle/>
+                    <a:p>
+                      <a:r>
+                        <a:rPr lang="en-US" sz="1400"/>
+                        <a:t>- Tampering in transit- Eavesdropping (metadata exposure)- Message dropping</a:t>
+                      </a:r>
+                    </a:p>
+                  </a:txBody>
+                  <a:tcPr marL="26818" marR="26818" marT="13409" marB="13409" anchor="ctr">
+                    <a:lnL>
+                      <a:noFill/>
+                    </a:lnL>
+                    <a:lnR>
+                      <a:noFill/>
+                    </a:lnR>
+                    <a:lnT>
+                      <a:noFill/>
+                    </a:lnT>
+                    <a:lnB>
+                      <a:noFill/>
+                    </a:lnB>
+                    <a:noFill/>
+                  </a:tcPr>
+                </a:tc>
+                <a:tc>
+                  <a:txBody>
+                    <a:bodyPr/>
+                    <a:lstStyle/>
+                    <a:p>
+                      <a:r>
+                        <a:rPr lang="en-US" sz="1400" dirty="0"/>
+                        <a:t>- Use TLS for email transport- Rely on message authentication via signature</a:t>
+                      </a:r>
+                    </a:p>
+                  </a:txBody>
+                  <a:tcPr marL="26818" marR="26818" marT="13409" marB="13409" anchor="ctr">
+                    <a:lnL>
+                      <a:noFill/>
+                    </a:lnL>
+                    <a:lnR>
+                      <a:noFill/>
+                    </a:lnR>
+                    <a:lnT>
+                      <a:noFill/>
+                    </a:lnT>
+                    <a:lnB>
+                      <a:noFill/>
+                    </a:lnB>
+                    <a:noFill/>
+                  </a:tcPr>
+                </a:tc>
+                <a:extLst>
+                  <a:ext uri="{0D108BD9-81ED-4DB2-BD59-A6C34878D82A}">
+                    <a16:rowId xmlns:a16="http://schemas.microsoft.com/office/drawing/2014/main" val="242909996"/>
+                  </a:ext>
+                </a:extLst>
+              </a:tr>
+              <a:tr h="450566">
+                <a:tc>
+                  <a:txBody>
+                    <a:bodyPr/>
+                    <a:lstStyle/>
+                    <a:p>
+                      <a:r>
+                        <a:rPr lang="he-IL" sz="1400"/>
+                        <a:t>8</a:t>
+                      </a:r>
+                    </a:p>
+                  </a:txBody>
+                  <a:tcPr marL="26818" marR="26818" marT="13409" marB="13409" anchor="ctr">
+                    <a:lnL>
+                      <a:noFill/>
+                    </a:lnL>
+                    <a:lnR>
+                      <a:noFill/>
+                    </a:lnR>
+                    <a:lnT>
+                      <a:noFill/>
+                    </a:lnT>
+                    <a:lnB>
+                      <a:noFill/>
+                    </a:lnB>
+                    <a:noFill/>
+                  </a:tcPr>
+                </a:tc>
+                <a:tc>
+                  <a:txBody>
+                    <a:bodyPr/>
+                    <a:lstStyle/>
+                    <a:p>
+                      <a:r>
+                        <a:rPr lang="en-US" sz="1400"/>
+                        <a:t>Public Key Extraction (ECDSA)</a:t>
+                      </a:r>
+                    </a:p>
+                  </a:txBody>
+                  <a:tcPr marL="26818" marR="26818" marT="13409" marB="13409" anchor="ctr">
+                    <a:lnL>
+                      <a:noFill/>
+                    </a:lnL>
+                    <a:lnR>
+                      <a:noFill/>
+                    </a:lnR>
+                    <a:lnT>
+                      <a:noFill/>
+                    </a:lnT>
+                    <a:lnB>
+                      <a:noFill/>
+                    </a:lnB>
+                    <a:noFill/>
+                  </a:tcPr>
+                </a:tc>
+                <a:tc>
+                  <a:txBody>
+                    <a:bodyPr/>
+                    <a:lstStyle/>
+                    <a:p>
+                      <a:r>
+                        <a:rPr lang="en-US" sz="1400" dirty="0"/>
+                        <a:t>- Key spoofing- Trust on first use (TOFU) issues- Replay of outdated keys</a:t>
+                      </a:r>
+                    </a:p>
+                  </a:txBody>
+                  <a:tcPr marL="26818" marR="26818" marT="13409" marB="13409" anchor="ctr">
+                    <a:lnL>
+                      <a:noFill/>
+                    </a:lnL>
+                    <a:lnR>
+                      <a:noFill/>
+                    </a:lnR>
+                    <a:lnT>
+                      <a:noFill/>
+                    </a:lnT>
+                    <a:lnB>
+                      <a:noFill/>
+                    </a:lnB>
+                    <a:noFill/>
+                  </a:tcPr>
+                </a:tc>
+                <a:tc>
+                  <a:txBody>
+                    <a:bodyPr/>
+                    <a:lstStyle/>
+                    <a:p>
+                      <a:r>
+                        <a:rPr lang="en-US" sz="1400"/>
+                        <a:t>- Validate key from known/trusted directory or fingerprint- Include key versioning</a:t>
+                      </a:r>
+                    </a:p>
+                  </a:txBody>
+                  <a:tcPr marL="26818" marR="26818" marT="13409" marB="13409" anchor="ctr">
+                    <a:lnL>
+                      <a:noFill/>
+                    </a:lnL>
+                    <a:lnR>
+                      <a:noFill/>
+                    </a:lnR>
+                    <a:lnT>
+                      <a:noFill/>
+                    </a:lnT>
+                    <a:lnB>
+                      <a:noFill/>
+                    </a:lnB>
+                    <a:noFill/>
+                  </a:tcPr>
+                </a:tc>
+                <a:extLst>
+                  <a:ext uri="{0D108BD9-81ED-4DB2-BD59-A6C34878D82A}">
+                    <a16:rowId xmlns:a16="http://schemas.microsoft.com/office/drawing/2014/main" val="1469629901"/>
+                  </a:ext>
+                </a:extLst>
+              </a:tr>
+              <a:tr h="450566">
+                <a:tc>
+                  <a:txBody>
+                    <a:bodyPr/>
+                    <a:lstStyle/>
+                    <a:p>
+                      <a:r>
+                        <a:rPr lang="he-IL" sz="1400"/>
+                        <a:t>9</a:t>
+                      </a:r>
+                    </a:p>
+                  </a:txBody>
+                  <a:tcPr marL="26818" marR="26818" marT="13409" marB="13409" anchor="ctr">
+                    <a:lnL>
+                      <a:noFill/>
+                    </a:lnL>
+                    <a:lnR>
+                      <a:noFill/>
+                    </a:lnR>
+                    <a:lnT>
+                      <a:noFill/>
+                    </a:lnT>
+                    <a:lnB>
+                      <a:noFill/>
+                    </a:lnB>
+                    <a:noFill/>
+                  </a:tcPr>
+                </a:tc>
+                <a:tc>
+                  <a:txBody>
+                    <a:bodyPr/>
+                    <a:lstStyle/>
+                    <a:p>
+                      <a:r>
+                        <a:rPr lang="en-US" sz="1400"/>
+                        <a:t>Signature Verification</a:t>
+                      </a:r>
+                    </a:p>
+                  </a:txBody>
+                  <a:tcPr marL="26818" marR="26818" marT="13409" marB="13409" anchor="ctr">
+                    <a:lnL>
+                      <a:noFill/>
+                    </a:lnL>
+                    <a:lnR>
+                      <a:noFill/>
+                    </a:lnR>
+                    <a:lnT>
+                      <a:noFill/>
+                    </a:lnT>
+                    <a:lnB>
+                      <a:noFill/>
+                    </a:lnB>
+                    <a:noFill/>
+                  </a:tcPr>
+                </a:tc>
+                <a:tc>
+                  <a:txBody>
+                    <a:bodyPr/>
+                    <a:lstStyle/>
+                    <a:p>
+                      <a:r>
+                        <a:rPr lang="en-US" sz="1400"/>
+                        <a:t>- Accepting forged signatures- Skipping verification- Signature mismatch not detected</a:t>
+                      </a:r>
+                    </a:p>
+                  </a:txBody>
+                  <a:tcPr marL="26818" marR="26818" marT="13409" marB="13409" anchor="ctr">
+                    <a:lnL>
+                      <a:noFill/>
+                    </a:lnL>
+                    <a:lnR>
+                      <a:noFill/>
+                    </a:lnR>
+                    <a:lnT>
+                      <a:noFill/>
+                    </a:lnT>
+                    <a:lnB>
+                      <a:noFill/>
+                    </a:lnB>
+                    <a:noFill/>
+                  </a:tcPr>
+                </a:tc>
+                <a:tc>
+                  <a:txBody>
+                    <a:bodyPr/>
+                    <a:lstStyle/>
+                    <a:p>
+                      <a:r>
+                        <a:rPr lang="en-US" sz="1400"/>
+                        <a:t>- Always verify against a trusted public key- Validate signature over complete data</a:t>
+                      </a:r>
+                    </a:p>
+                  </a:txBody>
+                  <a:tcPr marL="26818" marR="26818" marT="13409" marB="13409" anchor="ctr">
+                    <a:lnL>
+                      <a:noFill/>
+                    </a:lnL>
+                    <a:lnR>
+                      <a:noFill/>
+                    </a:lnR>
+                    <a:lnT>
+                      <a:noFill/>
+                    </a:lnT>
+                    <a:lnB>
+                      <a:noFill/>
+                    </a:lnB>
+                    <a:noFill/>
+                  </a:tcPr>
+                </a:tc>
+                <a:extLst>
+                  <a:ext uri="{0D108BD9-81ED-4DB2-BD59-A6C34878D82A}">
+                    <a16:rowId xmlns:a16="http://schemas.microsoft.com/office/drawing/2014/main" val="1663464630"/>
+                  </a:ext>
+                </a:extLst>
+              </a:tr>
+              <a:tr h="450566">
+                <a:tc>
+                  <a:txBody>
+                    <a:bodyPr/>
+                    <a:lstStyle/>
+                    <a:p>
+                      <a:r>
+                        <a:rPr lang="he-IL" sz="1400"/>
+                        <a:t>10</a:t>
+                      </a:r>
+                    </a:p>
+                  </a:txBody>
+                  <a:tcPr marL="26818" marR="26818" marT="13409" marB="13409" anchor="ctr">
+                    <a:lnL>
+                      <a:noFill/>
+                    </a:lnL>
+                    <a:lnR>
+                      <a:noFill/>
+                    </a:lnR>
+                    <a:lnT>
+                      <a:noFill/>
+                    </a:lnT>
+                    <a:lnB>
+                      <a:noFill/>
+                    </a:lnB>
+                    <a:noFill/>
+                  </a:tcPr>
+                </a:tc>
+                <a:tc>
+                  <a:txBody>
+                    <a:bodyPr/>
+                    <a:lstStyle/>
+                    <a:p>
+                      <a:r>
+                        <a:rPr lang="en-US" sz="1400"/>
+                        <a:t>McEliece Decryption</a:t>
+                      </a:r>
+                    </a:p>
+                  </a:txBody>
+                  <a:tcPr marL="26818" marR="26818" marT="13409" marB="13409" anchor="ctr">
+                    <a:lnL>
+                      <a:noFill/>
+                    </a:lnL>
+                    <a:lnR>
+                      <a:noFill/>
+                    </a:lnR>
+                    <a:lnT>
+                      <a:noFill/>
+                    </a:lnT>
+                    <a:lnB>
+                      <a:noFill/>
+                    </a:lnB>
+                    <a:noFill/>
+                  </a:tcPr>
+                </a:tc>
+                <a:tc>
+                  <a:txBody>
+                    <a:bodyPr/>
+                    <a:lstStyle/>
+                    <a:p>
+                      <a:r>
+                        <a:rPr lang="en-US" sz="1400"/>
+                        <a:t>- Side-channel attacks- Key compromise- Invalid ciphertext causing failure</a:t>
+                      </a:r>
+                    </a:p>
+                  </a:txBody>
+                  <a:tcPr marL="26818" marR="26818" marT="13409" marB="13409" anchor="ctr">
+                    <a:lnL>
+                      <a:noFill/>
+                    </a:lnL>
+                    <a:lnR>
+                      <a:noFill/>
+                    </a:lnR>
+                    <a:lnT>
+                      <a:noFill/>
+                    </a:lnT>
+                    <a:lnB>
+                      <a:noFill/>
+                    </a:lnB>
+                    <a:noFill/>
+                  </a:tcPr>
+                </a:tc>
+                <a:tc>
+                  <a:txBody>
+                    <a:bodyPr/>
+                    <a:lstStyle/>
+                    <a:p>
+                      <a:r>
+                        <a:rPr lang="en-US" sz="1400"/>
+                        <a:t>- Use constant-time decryption- Secure key storage- Validate inputs before decrypting</a:t>
+                      </a:r>
+                    </a:p>
+                  </a:txBody>
+                  <a:tcPr marL="26818" marR="26818" marT="13409" marB="13409" anchor="ctr">
+                    <a:lnL>
+                      <a:noFill/>
+                    </a:lnL>
+                    <a:lnR>
+                      <a:noFill/>
+                    </a:lnR>
+                    <a:lnT>
+                      <a:noFill/>
+                    </a:lnT>
+                    <a:lnB>
+                      <a:noFill/>
+                    </a:lnB>
+                    <a:noFill/>
+                  </a:tcPr>
+                </a:tc>
+                <a:extLst>
+                  <a:ext uri="{0D108BD9-81ED-4DB2-BD59-A6C34878D82A}">
+                    <a16:rowId xmlns:a16="http://schemas.microsoft.com/office/drawing/2014/main" val="1018329389"/>
+                  </a:ext>
+                </a:extLst>
+              </a:tr>
+              <a:tr h="307377">
+                <a:tc>
+                  <a:txBody>
+                    <a:bodyPr/>
+                    <a:lstStyle/>
+                    <a:p>
+                      <a:r>
+                        <a:rPr lang="he-IL" sz="1400"/>
+                        <a:t>11</a:t>
+                      </a:r>
+                    </a:p>
+                  </a:txBody>
+                  <a:tcPr marL="26818" marR="26818" marT="13409" marB="13409" anchor="ctr">
+                    <a:lnL>
+                      <a:noFill/>
+                    </a:lnL>
+                    <a:lnR>
+                      <a:noFill/>
+                    </a:lnR>
+                    <a:lnT>
+                      <a:noFill/>
+                    </a:lnT>
+                    <a:lnB>
+                      <a:noFill/>
+                    </a:lnB>
+                    <a:noFill/>
+                  </a:tcPr>
+                </a:tc>
+                <a:tc>
+                  <a:txBody>
+                    <a:bodyPr/>
+                    <a:lstStyle/>
+                    <a:p>
+                      <a:r>
+                        <a:rPr lang="en-US" sz="1400" dirty="0"/>
+                        <a:t>Blowfish Decryption</a:t>
+                      </a:r>
+                    </a:p>
+                  </a:txBody>
+                  <a:tcPr marL="26818" marR="26818" marT="13409" marB="13409" anchor="ctr">
+                    <a:lnL>
+                      <a:noFill/>
+                    </a:lnL>
+                    <a:lnR>
+                      <a:noFill/>
+                    </a:lnR>
+                    <a:lnT>
+                      <a:noFill/>
+                    </a:lnT>
+                    <a:lnB>
+                      <a:noFill/>
+                    </a:lnB>
+                    <a:noFill/>
+                  </a:tcPr>
+                </a:tc>
+                <a:tc>
+                  <a:txBody>
+                    <a:bodyPr/>
+                    <a:lstStyle/>
+                    <a:p>
+                      <a:r>
+                        <a:rPr lang="en-US" sz="1400"/>
+                        <a:t>- Padding oracle attack- Ciphertext tampering- Side-channel attack</a:t>
+                      </a:r>
+                    </a:p>
+                  </a:txBody>
+                  <a:tcPr marL="26818" marR="26818" marT="13409" marB="13409" anchor="ctr">
+                    <a:lnL>
+                      <a:noFill/>
+                    </a:lnL>
+                    <a:lnR>
+                      <a:noFill/>
+                    </a:lnR>
+                    <a:lnT>
+                      <a:noFill/>
+                    </a:lnT>
+                    <a:lnB>
+                      <a:noFill/>
+                    </a:lnB>
+                    <a:noFill/>
+                  </a:tcPr>
+                </a:tc>
+                <a:tc>
+                  <a:txBody>
+                    <a:bodyPr/>
+                    <a:lstStyle/>
+                    <a:p>
+                      <a:r>
+                        <a:rPr lang="en-US" sz="1400" dirty="0"/>
+                        <a:t>- Use authenticated encryption (e.g., HMAC + encrypt)- Input validation</a:t>
+                      </a:r>
+                    </a:p>
+                  </a:txBody>
+                  <a:tcPr marL="26818" marR="26818" marT="13409" marB="13409" anchor="ctr">
+                    <a:lnL>
+                      <a:noFill/>
+                    </a:lnL>
+                    <a:lnR>
+                      <a:noFill/>
+                    </a:lnR>
+                    <a:lnT>
+                      <a:noFill/>
+                    </a:lnT>
+                    <a:lnB>
+                      <a:noFill/>
+                    </a:lnB>
+                    <a:noFill/>
+                  </a:tcPr>
+                </a:tc>
+                <a:extLst>
+                  <a:ext uri="{0D108BD9-81ED-4DB2-BD59-A6C34878D82A}">
+                    <a16:rowId xmlns:a16="http://schemas.microsoft.com/office/drawing/2014/main" val="44453291"/>
+                  </a:ext>
+                </a:extLst>
+              </a:tr>
+            </a:tbl>
+          </a:graphicData>
+        </a:graphic>
+      </p:graphicFrame>
+    </p:spTree>
+    <p:extLst>
+      <p:ext uri="{BB962C8B-B14F-4D97-AF65-F5344CB8AC3E}">
+        <p14:creationId xmlns:p14="http://schemas.microsoft.com/office/powerpoint/2010/main" val="2829197592"/>
+      </p:ext>
+    </p:extLst>
+  </p:cSld>
+  <p:clrMapOvr>
+    <a:masterClrMapping/>
+  </p:clrMapOvr>
+</p:sld>
+</file>
+
+<file path=ppt/slides/slide11.xml><?xml version="1.0" encoding="utf-8"?>
+<p:sld xmlns:a="http://schemas.openxmlformats.org/drawingml/2006/main" xmlns:r="http://schemas.openxmlformats.org/officeDocument/2006/relationships" xmlns:p="http://schemas.openxmlformats.org/presentationml/2006/main">
+  <p:cSld>
+    <p:spTree>
+      <p:nvGrpSpPr>
+        <p:cNvPr id="1" name="">
+          <a:extLst>
+            <a:ext uri="{FF2B5EF4-FFF2-40B4-BE49-F238E27FC236}">
               <a16:creationId xmlns:a16="http://schemas.microsoft.com/office/drawing/2014/main" id="{3FBB8747-A118-41C8-62FD-D99BBF41F767}"/>
             </a:ext>
           </a:extLst>
@@ -6068,161 +7082,6 @@
     <p:extLst>
       <p:ext uri="{BB962C8B-B14F-4D97-AF65-F5344CB8AC3E}">
         <p14:creationId xmlns:p14="http://schemas.microsoft.com/office/powerpoint/2010/main" val="3395196265"/>
-      </p:ext>
-    </p:extLst>
-  </p:cSld>
-  <p:clrMapOvr>
-    <a:masterClrMapping/>
-  </p:clrMapOvr>
-</p:sld>
-</file>
-
-<file path=ppt/slides/slide11.xml><?xml version="1.0" encoding="utf-8"?>
-<p:sld xmlns:a="http://schemas.openxmlformats.org/drawingml/2006/main" xmlns:r="http://schemas.openxmlformats.org/officeDocument/2006/relationships" xmlns:p="http://schemas.openxmlformats.org/presentationml/2006/main">
-  <p:cSld>
-    <p:spTree>
-      <p:nvGrpSpPr>
-        <p:cNvPr id="1" name=""/>
-        <p:cNvGrpSpPr/>
-        <p:nvPr/>
-      </p:nvGrpSpPr>
-      <p:grpSpPr>
-        <a:xfrm>
-          <a:off x="0" y="0"/>
-          <a:ext cx="0" cy="0"/>
-          <a:chOff x="0" y="0"/>
-          <a:chExt cx="0" cy="0"/>
-        </a:xfrm>
-      </p:grpSpPr>
-      <p:sp>
-        <p:nvSpPr>
-          <p:cNvPr id="2" name="Title 1">
-            <a:extLst>
-              <a:ext uri="{FF2B5EF4-FFF2-40B4-BE49-F238E27FC236}">
-                <a16:creationId xmlns:a16="http://schemas.microsoft.com/office/drawing/2014/main" id="{EBBF5FAD-5B93-F5FE-6EC3-B373A4031E21}"/>
-              </a:ext>
-            </a:extLst>
-          </p:cNvPr>
-          <p:cNvSpPr>
-            <a:spLocks noGrp="1"/>
-          </p:cNvSpPr>
-          <p:nvPr>
-            <p:ph type="title"/>
-          </p:nvPr>
-        </p:nvSpPr>
-        <p:spPr/>
-        <p:txBody>
-          <a:bodyPr/>
-          <a:lstStyle/>
-          <a:p>
-            <a:r>
-              <a:rPr lang="en-US" dirty="0"/>
-              <a:t>Original Text</a:t>
-            </a:r>
-          </a:p>
-        </p:txBody>
-      </p:sp>
-      <p:sp>
-        <p:nvSpPr>
-          <p:cNvPr id="3" name="Content Placeholder 2">
-            <a:extLst>
-              <a:ext uri="{FF2B5EF4-FFF2-40B4-BE49-F238E27FC236}">
-                <a16:creationId xmlns:a16="http://schemas.microsoft.com/office/drawing/2014/main" id="{B3718846-F08B-00DF-068D-154D8B377D9A}"/>
-              </a:ext>
-            </a:extLst>
-          </p:cNvPr>
-          <p:cNvSpPr>
-            <a:spLocks noGrp="1"/>
-          </p:cNvSpPr>
-          <p:nvPr>
-            <p:ph idx="1"/>
-          </p:nvPr>
-        </p:nvSpPr>
-        <p:spPr/>
-        <p:txBody>
-          <a:bodyPr/>
-          <a:lstStyle/>
-          <a:p>
-            <a:pPr>
-              <a:buFont typeface="Arial" panose="020B0604020202020204" pitchFamily="34" charset="0"/>
-              <a:buChar char="•"/>
-            </a:pPr>
-            <a:r>
-              <a:rPr lang="en-US" dirty="0"/>
-              <a:t>Example plaintext message:</a:t>
-            </a:r>
-            <a:br>
-              <a:rPr lang="en-US" dirty="0"/>
-            </a:br>
-            <a:r>
-              <a:rPr lang="en-US" dirty="0"/>
-              <a:t>	“Project X status: Launch delayed until Q3.”</a:t>
-            </a:r>
-          </a:p>
-          <a:p>
-            <a:pPr>
-              <a:buFont typeface="Arial" panose="020B0604020202020204" pitchFamily="34" charset="0"/>
-              <a:buChar char="•"/>
-            </a:pPr>
-            <a:r>
-              <a:rPr lang="en-US" dirty="0"/>
-              <a:t>Message is unprotected in its current form</a:t>
-            </a:r>
-            <a:br>
-              <a:rPr lang="en-US" dirty="0"/>
-            </a:br>
-            <a:r>
-              <a:rPr lang="en-US" dirty="0"/>
-              <a:t>Needs:</a:t>
-            </a:r>
-          </a:p>
-          <a:p>
-            <a:pPr lvl="1">
-              <a:buFont typeface="Arial" panose="020B0604020202020204" pitchFamily="34" charset="0"/>
-              <a:buChar char="•"/>
-            </a:pPr>
-            <a:r>
-              <a:rPr lang="en-US" dirty="0"/>
-              <a:t> Encryption for confidentiality</a:t>
-            </a:r>
-          </a:p>
-          <a:p>
-            <a:pPr lvl="1">
-              <a:buFont typeface="Arial" panose="020B0604020202020204" pitchFamily="34" charset="0"/>
-              <a:buChar char="•"/>
-            </a:pPr>
-            <a:r>
-              <a:rPr lang="en-US" dirty="0"/>
-              <a:t> Digital signature for authenticity</a:t>
-            </a:r>
-          </a:p>
-          <a:p>
-            <a:pPr>
-              <a:buFont typeface="Arial" panose="020B0604020202020204" pitchFamily="34" charset="0"/>
-              <a:buChar char="•"/>
-            </a:pPr>
-            <a:r>
-              <a:rPr lang="en-US" dirty="0"/>
-              <a:t>Processed next using Blowfish, </a:t>
-            </a:r>
-            <a:r>
-              <a:rPr lang="en-US" dirty="0" err="1"/>
-              <a:t>McEliece</a:t>
-            </a:r>
-            <a:r>
-              <a:rPr lang="en-US" dirty="0"/>
-              <a:t>, and ECDSA</a:t>
-            </a:r>
-          </a:p>
-          <a:p>
-            <a:endParaRPr lang="en-US" dirty="0"/>
-          </a:p>
-        </p:txBody>
-      </p:sp>
-    </p:spTree>
-    <p:extLst>
-      <p:ext uri="{BB962C8B-B14F-4D97-AF65-F5344CB8AC3E}">
-        <p14:creationId xmlns:p14="http://schemas.microsoft.com/office/powerpoint/2010/main" val="324050415"/>
       </p:ext>
     </p:extLst>
   </p:cSld>
@@ -6254,7 +7113,7 @@
           <p:cNvPr id="2" name="Title 1">
             <a:extLst>
               <a:ext uri="{FF2B5EF4-FFF2-40B4-BE49-F238E27FC236}">
-                <a16:creationId xmlns:a16="http://schemas.microsoft.com/office/drawing/2014/main" id="{064E537F-7CAC-9F01-3D6A-9B05421839AF}"/>
+                <a16:creationId xmlns:a16="http://schemas.microsoft.com/office/drawing/2014/main" id="{EBBF5FAD-5B93-F5FE-6EC3-B373A4031E21}"/>
               </a:ext>
             </a:extLst>
           </p:cNvPr>
@@ -6272,7 +7131,7 @@
           <a:p>
             <a:r>
               <a:rPr lang="en-US" dirty="0"/>
-              <a:t>Encrypted Text</a:t>
+              <a:t>Original Text</a:t>
             </a:r>
           </a:p>
         </p:txBody>
@@ -6282,7 +7141,7 @@
           <p:cNvPr id="3" name="Content Placeholder 2">
             <a:extLst>
               <a:ext uri="{FF2B5EF4-FFF2-40B4-BE49-F238E27FC236}">
-                <a16:creationId xmlns:a16="http://schemas.microsoft.com/office/drawing/2014/main" id="{9C346764-401B-5F17-A636-63CA8110CCBC}"/>
+                <a16:creationId xmlns:a16="http://schemas.microsoft.com/office/drawing/2014/main" id="{B3718846-F08B-00DF-068D-154D8B377D9A}"/>
               </a:ext>
             </a:extLst>
           </p:cNvPr>
@@ -6303,14 +7162,16 @@
               <a:buChar char="•"/>
             </a:pPr>
             <a:r>
-              <a:rPr lang="he-IL" dirty="0"/>
-              <a:t> </a:t>
-            </a:r>
-            <a:r>
-              <a:rPr lang="en-US" b="1" dirty="0"/>
-              <a:t>Message encrypted using Blowfish cipher</a:t>
-            </a:r>
-            <a:endParaRPr lang="en-US" dirty="0"/>
+              <a:rPr lang="en-US" dirty="0"/>
+              <a:t>Example plaintext message:</a:t>
+            </a:r>
+            <a:br>
+              <a:rPr lang="en-US" dirty="0"/>
+            </a:br>
+            <a:r>
+              <a:rPr lang="en-US" dirty="0"/>
+              <a:t>	“Project X status: Launch delayed until Q3.”</a:t>
+            </a:r>
           </a:p>
           <a:p>
             <a:pPr>
@@ -6318,18 +7179,36 @@
               <a:buChar char="•"/>
             </a:pPr>
             <a:r>
-              <a:rPr lang="he-IL" dirty="0"/>
-              <a:t> </a:t>
-            </a:r>
-            <a:r>
-              <a:rPr lang="en-US" dirty="0"/>
-              <a:t>Uses a </a:t>
-            </a:r>
-            <a:r>
-              <a:rPr lang="en-US" b="1" dirty="0"/>
-              <a:t>randomly generated symmetric key</a:t>
-            </a:r>
-            <a:endParaRPr lang="en-US" dirty="0"/>
+              <a:rPr lang="en-US" dirty="0"/>
+              <a:t>Message is unprotected in its current form</a:t>
+            </a:r>
+            <a:br>
+              <a:rPr lang="en-US" dirty="0"/>
+            </a:br>
+            <a:r>
+              <a:rPr lang="en-US" dirty="0"/>
+              <a:t>Needs:</a:t>
+            </a:r>
+          </a:p>
+          <a:p>
+            <a:pPr lvl="1">
+              <a:buFont typeface="Arial" panose="020B0604020202020204" pitchFamily="34" charset="0"/>
+              <a:buChar char="•"/>
+            </a:pPr>
+            <a:r>
+              <a:rPr lang="en-US" dirty="0"/>
+              <a:t> Encryption for confidentiality</a:t>
+            </a:r>
+          </a:p>
+          <a:p>
+            <a:pPr lvl="1">
+              <a:buFont typeface="Arial" panose="020B0604020202020204" pitchFamily="34" charset="0"/>
+              <a:buChar char="•"/>
+            </a:pPr>
+            <a:r>
+              <a:rPr lang="en-US" dirty="0"/>
+              <a:t> Digital signature for authenticity</a:t>
+            </a:r>
           </a:p>
           <a:p>
             <a:pPr>
@@ -6337,63 +7216,16 @@
               <a:buChar char="•"/>
             </a:pPr>
             <a:r>
-              <a:rPr lang="he-IL" dirty="0"/>
-              <a:t> </a:t>
-            </a:r>
-            <a:r>
-              <a:rPr lang="en-US" b="1" dirty="0"/>
-              <a:t>Output is ciphertext</a:t>
-            </a:r>
-            <a:r>
-              <a:rPr lang="en-US" dirty="0"/>
-              <a:t>: unreadable without the correct key</a:t>
-            </a:r>
-          </a:p>
-          <a:p>
-            <a:pPr>
-              <a:buFont typeface="Arial" panose="020B0604020202020204" pitchFamily="34" charset="0"/>
-              <a:buChar char="•"/>
-            </a:pPr>
-            <a:r>
-              <a:rPr lang="he-IL" dirty="0"/>
-              <a:t> </a:t>
-            </a:r>
-            <a:r>
-              <a:rPr lang="en-US" dirty="0"/>
-              <a:t>Appears as random data (e.g., hexadecimal or base64)</a:t>
-            </a:r>
-          </a:p>
-          <a:p>
-            <a:pPr>
-              <a:buFont typeface="Arial" panose="020B0604020202020204" pitchFamily="34" charset="0"/>
-              <a:buChar char="•"/>
-            </a:pPr>
-            <a:r>
-              <a:rPr lang="he-IL" dirty="0"/>
-              <a:t> </a:t>
-            </a:r>
-            <a:r>
-              <a:rPr lang="en-US" dirty="0"/>
-              <a:t>Blowfish key will be securely sent using </a:t>
-            </a:r>
-            <a:r>
-              <a:rPr lang="en-US" b="1" dirty="0" err="1"/>
+              <a:rPr lang="en-US" dirty="0"/>
+              <a:t>Processed next using Blowfish, </a:t>
+            </a:r>
+            <a:r>
+              <a:rPr lang="en-US" dirty="0" err="1"/>
               <a:t>McEliece</a:t>
             </a:r>
-            <a:endParaRPr lang="en-US" dirty="0"/>
-          </a:p>
-          <a:p>
-            <a:pPr>
-              <a:buFont typeface="Arial" panose="020B0604020202020204" pitchFamily="34" charset="0"/>
-              <a:buChar char="•"/>
-            </a:pPr>
-            <a:r>
-              <a:rPr lang="he-IL" dirty="0"/>
-              <a:t> </a:t>
-            </a:r>
-            <a:r>
-              <a:rPr lang="en-US" dirty="0"/>
-              <a:t>Protects message confidentiality in transit</a:t>
+            <a:r>
+              <a:rPr lang="en-US" dirty="0"/>
+              <a:t>, and ECDSA</a:t>
             </a:r>
           </a:p>
           <a:p>
@@ -6404,7 +7236,7 @@
     </p:spTree>
     <p:extLst>
       <p:ext uri="{BB962C8B-B14F-4D97-AF65-F5344CB8AC3E}">
-        <p14:creationId xmlns:p14="http://schemas.microsoft.com/office/powerpoint/2010/main" val="3549070684"/>
+        <p14:creationId xmlns:p14="http://schemas.microsoft.com/office/powerpoint/2010/main" val="324050415"/>
       </p:ext>
     </p:extLst>
   </p:cSld>
@@ -6436,7 +7268,7 @@
           <p:cNvPr id="2" name="Title 1">
             <a:extLst>
               <a:ext uri="{FF2B5EF4-FFF2-40B4-BE49-F238E27FC236}">
-                <a16:creationId xmlns:a16="http://schemas.microsoft.com/office/drawing/2014/main" id="{7C313ABA-0CD1-864A-C658-376BE54E099A}"/>
+                <a16:creationId xmlns:a16="http://schemas.microsoft.com/office/drawing/2014/main" id="{064E537F-7CAC-9F01-3D6A-9B05421839AF}"/>
               </a:ext>
             </a:extLst>
           </p:cNvPr>
@@ -6454,7 +7286,7 @@
           <a:p>
             <a:r>
               <a:rPr lang="en-US" dirty="0"/>
-              <a:t>How to decipher with the key</a:t>
+              <a:t>Encrypted Text</a:t>
             </a:r>
           </a:p>
         </p:txBody>
@@ -6464,7 +7296,7 @@
           <p:cNvPr id="3" name="Content Placeholder 2">
             <a:extLst>
               <a:ext uri="{FF2B5EF4-FFF2-40B4-BE49-F238E27FC236}">
-                <a16:creationId xmlns:a16="http://schemas.microsoft.com/office/drawing/2014/main" id="{4441DE8B-3BFF-25A7-C22F-17EA37DCE609}"/>
+                <a16:creationId xmlns:a16="http://schemas.microsoft.com/office/drawing/2014/main" id="{9C346764-401B-5F17-A636-63CA8110CCBC}"/>
               </a:ext>
             </a:extLst>
           </p:cNvPr>
@@ -6477,9 +7309,7 @@
         </p:nvSpPr>
         <p:spPr/>
         <p:txBody>
-          <a:bodyPr>
-            <a:normAutofit fontScale="92500" lnSpcReduction="10000"/>
-          </a:bodyPr>
+          <a:bodyPr/>
           <a:lstStyle/>
           <a:p>
             <a:pPr>
@@ -6491,49 +7321,10 @@
               <a:t> </a:t>
             </a:r>
             <a:r>
-              <a:rPr lang="en-US" dirty="0"/>
-              <a:t>Receiver (Bob) receives:</a:t>
-            </a:r>
-          </a:p>
-          <a:p>
-            <a:pPr marL="742950" lvl="1" indent="-285750">
-              <a:buFont typeface="Arial" panose="020B0604020202020204" pitchFamily="34" charset="0"/>
-              <a:buChar char="•"/>
-            </a:pPr>
-            <a:r>
-              <a:rPr lang="en-US" dirty="0"/>
-              <a:t>Encrypted message (ciphertext)</a:t>
-            </a:r>
-          </a:p>
-          <a:p>
-            <a:pPr marL="742950" lvl="1" indent="-285750">
-              <a:buFont typeface="Arial" panose="020B0604020202020204" pitchFamily="34" charset="0"/>
-              <a:buChar char="•"/>
-            </a:pPr>
-            <a:r>
-              <a:rPr lang="en-US" dirty="0"/>
-              <a:t>Encrypted Blowfish key</a:t>
-            </a:r>
-          </a:p>
-          <a:p>
-            <a:pPr marL="742950" lvl="1" indent="-285750">
-              <a:buFont typeface="Arial" panose="020B0604020202020204" pitchFamily="34" charset="0"/>
-              <a:buChar char="•"/>
-            </a:pPr>
-            <a:r>
-              <a:rPr lang="en-US" dirty="0"/>
-              <a:t>Digital signature</a:t>
-            </a:r>
-          </a:p>
-          <a:p>
-            <a:pPr marL="742950" lvl="1" indent="-285750">
-              <a:buFont typeface="Arial" panose="020B0604020202020204" pitchFamily="34" charset="0"/>
-              <a:buChar char="•"/>
-            </a:pPr>
-            <a:r>
-              <a:rPr lang="en-US" dirty="0"/>
-              <a:t>Sender’s public ECDSA key</a:t>
-            </a:r>
+              <a:rPr lang="en-US" b="1" dirty="0"/>
+              <a:t>Message encrypted using Blowfish cipher</a:t>
+            </a:r>
+            <a:endParaRPr lang="en-US" dirty="0"/>
           </a:p>
           <a:p>
             <a:pPr>
@@ -6545,36 +7336,14 @@
               <a:t> </a:t>
             </a:r>
             <a:r>
+              <a:rPr lang="en-US" dirty="0"/>
+              <a:t>Uses a </a:t>
+            </a:r>
+            <a:r>
               <a:rPr lang="en-US" b="1" dirty="0"/>
-              <a:t>Step 1: Decrypt Blowfish key</a:t>
+              <a:t>randomly generated symmetric key</a:t>
             </a:r>
             <a:endParaRPr lang="en-US" dirty="0"/>
-          </a:p>
-          <a:p>
-            <a:pPr marL="742950" lvl="1" indent="-285750">
-              <a:buFont typeface="Arial" panose="020B0604020202020204" pitchFamily="34" charset="0"/>
-              <a:buChar char="•"/>
-            </a:pPr>
-            <a:r>
-              <a:rPr lang="en-US" dirty="0"/>
-              <a:t>Use </a:t>
-            </a:r>
-            <a:r>
-              <a:rPr lang="en-US" dirty="0" err="1"/>
-              <a:t>McEliece</a:t>
-            </a:r>
-            <a:r>
-              <a:rPr lang="en-US" dirty="0"/>
-              <a:t> </a:t>
-            </a:r>
-            <a:r>
-              <a:rPr lang="en-US" b="1" dirty="0"/>
-              <a:t>private key</a:t>
-            </a:r>
-            <a:r>
-              <a:rPr lang="en-US" dirty="0"/>
-              <a:t> to recover the symmetric Blowfish key</a:t>
-            </a:r>
           </a:p>
           <a:p>
             <a:pPr>
@@ -6587,18 +7356,11 @@
             </a:r>
             <a:r>
               <a:rPr lang="en-US" b="1" dirty="0"/>
-              <a:t>Step 2: Decrypt the message</a:t>
-            </a:r>
-            <a:endParaRPr lang="en-US" dirty="0"/>
-          </a:p>
-          <a:p>
-            <a:pPr marL="742950" lvl="1" indent="-285750">
-              <a:buFont typeface="Arial" panose="020B0604020202020204" pitchFamily="34" charset="0"/>
-              <a:buChar char="•"/>
-            </a:pPr>
-            <a:r>
-              <a:rPr lang="en-US" dirty="0"/>
-              <a:t>Use the recovered Blowfish key to decrypt the message</a:t>
+              <a:t>Output is ciphertext</a:t>
+            </a:r>
+            <a:r>
+              <a:rPr lang="en-US" dirty="0"/>
+              <a:t>: unreadable without the correct key</a:t>
             </a:r>
           </a:p>
           <a:p>
@@ -6611,19 +7373,8 @@
               <a:t> </a:t>
             </a:r>
             <a:r>
-              <a:rPr lang="en-US" b="1" dirty="0"/>
-              <a:t>Step 3: Verify the signature</a:t>
-            </a:r>
-            <a:endParaRPr lang="en-US" dirty="0"/>
-          </a:p>
-          <a:p>
-            <a:pPr marL="742950" lvl="1" indent="-285750">
-              <a:buFont typeface="Arial" panose="020B0604020202020204" pitchFamily="34" charset="0"/>
-              <a:buChar char="•"/>
-            </a:pPr>
-            <a:r>
-              <a:rPr lang="en-US" dirty="0"/>
-              <a:t>Use sender’s public ECDSA key to confirm message authenticity</a:t>
+              <a:rPr lang="en-US" dirty="0"/>
+              <a:t>Appears as random data (e.g., hexadecimal or base64)</a:t>
             </a:r>
           </a:p>
           <a:p>
@@ -6637,7 +7388,26 @@
             </a:r>
             <a:r>
               <a:rPr lang="en-US" dirty="0"/>
-              <a:t>Message is only accepted if signature is valid</a:t>
+              <a:t>Blowfish key will be securely sent using </a:t>
+            </a:r>
+            <a:r>
+              <a:rPr lang="en-US" b="1" dirty="0" err="1"/>
+              <a:t>McEliece</a:t>
+            </a:r>
+            <a:endParaRPr lang="en-US" dirty="0"/>
+          </a:p>
+          <a:p>
+            <a:pPr>
+              <a:buFont typeface="Arial" panose="020B0604020202020204" pitchFamily="34" charset="0"/>
+              <a:buChar char="•"/>
+            </a:pPr>
+            <a:r>
+              <a:rPr lang="he-IL" dirty="0"/>
+              <a:t> </a:t>
+            </a:r>
+            <a:r>
+              <a:rPr lang="en-US" dirty="0"/>
+              <a:t>Protects message confidentiality in transit</a:t>
             </a:r>
           </a:p>
           <a:p>
@@ -6648,7 +7418,7 @@
     </p:spTree>
     <p:extLst>
       <p:ext uri="{BB962C8B-B14F-4D97-AF65-F5344CB8AC3E}">
-        <p14:creationId xmlns:p14="http://schemas.microsoft.com/office/powerpoint/2010/main" val="351153011"/>
+        <p14:creationId xmlns:p14="http://schemas.microsoft.com/office/powerpoint/2010/main" val="3549070684"/>
       </p:ext>
     </p:extLst>
   </p:cSld>
@@ -6680,6 +7450,250 @@
           <p:cNvPr id="2" name="Title 1">
             <a:extLst>
               <a:ext uri="{FF2B5EF4-FFF2-40B4-BE49-F238E27FC236}">
+                <a16:creationId xmlns:a16="http://schemas.microsoft.com/office/drawing/2014/main" id="{7C313ABA-0CD1-864A-C658-376BE54E099A}"/>
+              </a:ext>
+            </a:extLst>
+          </p:cNvPr>
+          <p:cNvSpPr>
+            <a:spLocks noGrp="1"/>
+          </p:cNvSpPr>
+          <p:nvPr>
+            <p:ph type="title"/>
+          </p:nvPr>
+        </p:nvSpPr>
+        <p:spPr/>
+        <p:txBody>
+          <a:bodyPr/>
+          <a:lstStyle/>
+          <a:p>
+            <a:r>
+              <a:rPr lang="en-US" dirty="0"/>
+              <a:t>How to decipher with the key</a:t>
+            </a:r>
+          </a:p>
+        </p:txBody>
+      </p:sp>
+      <p:sp>
+        <p:nvSpPr>
+          <p:cNvPr id="3" name="Content Placeholder 2">
+            <a:extLst>
+              <a:ext uri="{FF2B5EF4-FFF2-40B4-BE49-F238E27FC236}">
+                <a16:creationId xmlns:a16="http://schemas.microsoft.com/office/drawing/2014/main" id="{4441DE8B-3BFF-25A7-C22F-17EA37DCE609}"/>
+              </a:ext>
+            </a:extLst>
+          </p:cNvPr>
+          <p:cNvSpPr>
+            <a:spLocks noGrp="1"/>
+          </p:cNvSpPr>
+          <p:nvPr>
+            <p:ph idx="1"/>
+          </p:nvPr>
+        </p:nvSpPr>
+        <p:spPr/>
+        <p:txBody>
+          <a:bodyPr>
+            <a:normAutofit fontScale="92500" lnSpcReduction="10000"/>
+          </a:bodyPr>
+          <a:lstStyle/>
+          <a:p>
+            <a:pPr>
+              <a:buFont typeface="Arial" panose="020B0604020202020204" pitchFamily="34" charset="0"/>
+              <a:buChar char="•"/>
+            </a:pPr>
+            <a:r>
+              <a:rPr lang="he-IL" dirty="0"/>
+              <a:t> </a:t>
+            </a:r>
+            <a:r>
+              <a:rPr lang="en-US" dirty="0"/>
+              <a:t>Receiver (Bob) receives:</a:t>
+            </a:r>
+          </a:p>
+          <a:p>
+            <a:pPr marL="742950" lvl="1" indent="-285750">
+              <a:buFont typeface="Arial" panose="020B0604020202020204" pitchFamily="34" charset="0"/>
+              <a:buChar char="•"/>
+            </a:pPr>
+            <a:r>
+              <a:rPr lang="en-US" dirty="0"/>
+              <a:t>Encrypted message (ciphertext)</a:t>
+            </a:r>
+          </a:p>
+          <a:p>
+            <a:pPr marL="742950" lvl="1" indent="-285750">
+              <a:buFont typeface="Arial" panose="020B0604020202020204" pitchFamily="34" charset="0"/>
+              <a:buChar char="•"/>
+            </a:pPr>
+            <a:r>
+              <a:rPr lang="en-US" dirty="0"/>
+              <a:t>Encrypted Blowfish key</a:t>
+            </a:r>
+          </a:p>
+          <a:p>
+            <a:pPr marL="742950" lvl="1" indent="-285750">
+              <a:buFont typeface="Arial" panose="020B0604020202020204" pitchFamily="34" charset="0"/>
+              <a:buChar char="•"/>
+            </a:pPr>
+            <a:r>
+              <a:rPr lang="en-US" dirty="0"/>
+              <a:t>Digital signature</a:t>
+            </a:r>
+          </a:p>
+          <a:p>
+            <a:pPr marL="742950" lvl="1" indent="-285750">
+              <a:buFont typeface="Arial" panose="020B0604020202020204" pitchFamily="34" charset="0"/>
+              <a:buChar char="•"/>
+            </a:pPr>
+            <a:r>
+              <a:rPr lang="en-US" dirty="0"/>
+              <a:t>Sender’s public ECDSA key</a:t>
+            </a:r>
+          </a:p>
+          <a:p>
+            <a:pPr>
+              <a:buFont typeface="Arial" panose="020B0604020202020204" pitchFamily="34" charset="0"/>
+              <a:buChar char="•"/>
+            </a:pPr>
+            <a:r>
+              <a:rPr lang="he-IL" dirty="0"/>
+              <a:t> </a:t>
+            </a:r>
+            <a:r>
+              <a:rPr lang="en-US" b="1" dirty="0"/>
+              <a:t>Step 1: Decrypt Blowfish key</a:t>
+            </a:r>
+            <a:endParaRPr lang="en-US" dirty="0"/>
+          </a:p>
+          <a:p>
+            <a:pPr marL="742950" lvl="1" indent="-285750">
+              <a:buFont typeface="Arial" panose="020B0604020202020204" pitchFamily="34" charset="0"/>
+              <a:buChar char="•"/>
+            </a:pPr>
+            <a:r>
+              <a:rPr lang="en-US" dirty="0"/>
+              <a:t>Use </a:t>
+            </a:r>
+            <a:r>
+              <a:rPr lang="en-US" dirty="0" err="1"/>
+              <a:t>McEliece</a:t>
+            </a:r>
+            <a:r>
+              <a:rPr lang="en-US" dirty="0"/>
+              <a:t> </a:t>
+            </a:r>
+            <a:r>
+              <a:rPr lang="en-US" b="1" dirty="0"/>
+              <a:t>private key</a:t>
+            </a:r>
+            <a:r>
+              <a:rPr lang="en-US" dirty="0"/>
+              <a:t> to recover the symmetric Blowfish key</a:t>
+            </a:r>
+          </a:p>
+          <a:p>
+            <a:pPr>
+              <a:buFont typeface="Arial" panose="020B0604020202020204" pitchFamily="34" charset="0"/>
+              <a:buChar char="•"/>
+            </a:pPr>
+            <a:r>
+              <a:rPr lang="he-IL" dirty="0"/>
+              <a:t> </a:t>
+            </a:r>
+            <a:r>
+              <a:rPr lang="en-US" b="1" dirty="0"/>
+              <a:t>Step 2: Decrypt the message</a:t>
+            </a:r>
+            <a:endParaRPr lang="en-US" dirty="0"/>
+          </a:p>
+          <a:p>
+            <a:pPr marL="742950" lvl="1" indent="-285750">
+              <a:buFont typeface="Arial" panose="020B0604020202020204" pitchFamily="34" charset="0"/>
+              <a:buChar char="•"/>
+            </a:pPr>
+            <a:r>
+              <a:rPr lang="en-US" dirty="0"/>
+              <a:t>Use the recovered Blowfish key to decrypt the message</a:t>
+            </a:r>
+          </a:p>
+          <a:p>
+            <a:pPr>
+              <a:buFont typeface="Arial" panose="020B0604020202020204" pitchFamily="34" charset="0"/>
+              <a:buChar char="•"/>
+            </a:pPr>
+            <a:r>
+              <a:rPr lang="he-IL" dirty="0"/>
+              <a:t> </a:t>
+            </a:r>
+            <a:r>
+              <a:rPr lang="en-US" b="1" dirty="0"/>
+              <a:t>Step 3: Verify the signature</a:t>
+            </a:r>
+            <a:endParaRPr lang="en-US" dirty="0"/>
+          </a:p>
+          <a:p>
+            <a:pPr marL="742950" lvl="1" indent="-285750">
+              <a:buFont typeface="Arial" panose="020B0604020202020204" pitchFamily="34" charset="0"/>
+              <a:buChar char="•"/>
+            </a:pPr>
+            <a:r>
+              <a:rPr lang="en-US" dirty="0"/>
+              <a:t>Use sender’s public ECDSA key to confirm message authenticity</a:t>
+            </a:r>
+          </a:p>
+          <a:p>
+            <a:pPr>
+              <a:buFont typeface="Arial" panose="020B0604020202020204" pitchFamily="34" charset="0"/>
+              <a:buChar char="•"/>
+            </a:pPr>
+            <a:r>
+              <a:rPr lang="he-IL" dirty="0"/>
+              <a:t> </a:t>
+            </a:r>
+            <a:r>
+              <a:rPr lang="en-US" dirty="0"/>
+              <a:t>Message is only accepted if signature is valid</a:t>
+            </a:r>
+          </a:p>
+          <a:p>
+            <a:endParaRPr lang="en-US" dirty="0"/>
+          </a:p>
+        </p:txBody>
+      </p:sp>
+    </p:spTree>
+    <p:extLst>
+      <p:ext uri="{BB962C8B-B14F-4D97-AF65-F5344CB8AC3E}">
+        <p14:creationId xmlns:p14="http://schemas.microsoft.com/office/powerpoint/2010/main" val="351153011"/>
+      </p:ext>
+    </p:extLst>
+  </p:cSld>
+  <p:clrMapOvr>
+    <a:masterClrMapping/>
+  </p:clrMapOvr>
+</p:sld>
+</file>
+
+<file path=ppt/slides/slide15.xml><?xml version="1.0" encoding="utf-8"?>
+<p:sld xmlns:a="http://schemas.openxmlformats.org/drawingml/2006/main" xmlns:r="http://schemas.openxmlformats.org/officeDocument/2006/relationships" xmlns:p="http://schemas.openxmlformats.org/presentationml/2006/main">
+  <p:cSld>
+    <p:spTree>
+      <p:nvGrpSpPr>
+        <p:cNvPr id="1" name=""/>
+        <p:cNvGrpSpPr/>
+        <p:nvPr/>
+      </p:nvGrpSpPr>
+      <p:grpSpPr>
+        <a:xfrm>
+          <a:off x="0" y="0"/>
+          <a:ext cx="0" cy="0"/>
+          <a:chOff x="0" y="0"/>
+          <a:chExt cx="0" cy="0"/>
+        </a:xfrm>
+      </p:grpSpPr>
+      <p:sp>
+        <p:nvSpPr>
+          <p:cNvPr id="2" name="Title 1">
+            <a:extLst>
+              <a:ext uri="{FF2B5EF4-FFF2-40B4-BE49-F238E27FC236}">
                 <a16:creationId xmlns:a16="http://schemas.microsoft.com/office/drawing/2014/main" id="{0A8D517A-27A8-A120-4438-2C1E3CD6C6B4}"/>
               </a:ext>
             </a:extLst>
@@ -6805,7 +7819,7 @@
 </p:sld>
 </file>
 
-<file path=ppt/slides/slide15.xml><?xml version="1.0" encoding="utf-8"?>
+<file path=ppt/slides/slide16.xml><?xml version="1.0" encoding="utf-8"?>
 <p:sld xmlns:a="http://schemas.openxmlformats.org/drawingml/2006/main" xmlns:r="http://schemas.openxmlformats.org/officeDocument/2006/relationships" xmlns:p="http://schemas.openxmlformats.org/presentationml/2006/main">
   <p:cSld>
     <p:spTree>
@@ -7000,7 +8014,7 @@
 </p:sld>
 </file>
 
-<file path=ppt/slides/slide16.xml><?xml version="1.0" encoding="utf-8"?>
+<file path=ppt/slides/slide17.xml><?xml version="1.0" encoding="utf-8"?>
 <p:sld xmlns:a="http://schemas.openxmlformats.org/drawingml/2006/main" xmlns:r="http://schemas.openxmlformats.org/officeDocument/2006/relationships" xmlns:p="http://schemas.openxmlformats.org/presentationml/2006/main">
   <p:cSld>
     <p:spTree>
@@ -11115,10 +12129,10 @@
       </p:sp>
       <p:graphicFrame>
         <p:nvGraphicFramePr>
-          <p:cNvPr id="4" name="Content Placeholder 3">
+          <p:cNvPr id="11" name="מציין מיקום תוכן 10">
             <a:extLst>
               <a:ext uri="{FF2B5EF4-FFF2-40B4-BE49-F238E27FC236}">
-                <a16:creationId xmlns:a16="http://schemas.microsoft.com/office/drawing/2014/main" id="{827F8FEE-E64F-A733-278B-B3C7564050CD}"/>
+                <a16:creationId xmlns:a16="http://schemas.microsoft.com/office/drawing/2014/main" id="{DD6EE767-ABF1-2F36-6A95-F9F2038E315E}"/>
               </a:ext>
             </a:extLst>
           </p:cNvPr>
@@ -11127,59 +12141,65 @@
           </p:cNvGraphicFramePr>
           <p:nvPr>
             <p:ph idx="1"/>
+            <p:extLst>
+              <p:ext uri="{D42A27DB-BD31-4B8C-83A1-F6EECF244321}">
+                <p14:modId xmlns:p14="http://schemas.microsoft.com/office/powerpoint/2010/main" val="3359545456"/>
+              </p:ext>
+            </p:extLst>
           </p:nvPr>
         </p:nvGraphicFramePr>
         <p:xfrm>
-          <a:off x="1701165" y="1828930"/>
-          <a:ext cx="8849996" cy="4057392"/>
+          <a:off x="719191" y="1887172"/>
+          <a:ext cx="10058400" cy="4454926"/>
         </p:xfrm>
         <a:graphic>
           <a:graphicData uri="http://schemas.openxmlformats.org/drawingml/2006/table">
             <a:tbl>
               <a:tblPr/>
               <a:tblGrid>
-                <a:gridCol w="2212499">
+                <a:gridCol w="2514600">
                   <a:extLst>
                     <a:ext uri="{9D8B030D-6E8A-4147-A177-3AD203B41FA5}">
-                      <a16:colId xmlns:a16="http://schemas.microsoft.com/office/drawing/2014/main" val="1439736705"/>
+                      <a16:colId xmlns:a16="http://schemas.microsoft.com/office/drawing/2014/main" val="1759627091"/>
                     </a:ext>
                   </a:extLst>
                 </a:gridCol>
-                <a:gridCol w="2212499">
+                <a:gridCol w="2514600">
                   <a:extLst>
                     <a:ext uri="{9D8B030D-6E8A-4147-A177-3AD203B41FA5}">
-                      <a16:colId xmlns:a16="http://schemas.microsoft.com/office/drawing/2014/main" val="1772782167"/>
+                      <a16:colId xmlns:a16="http://schemas.microsoft.com/office/drawing/2014/main" val="2654238947"/>
                     </a:ext>
                   </a:extLst>
                 </a:gridCol>
-                <a:gridCol w="2212499">
+                <a:gridCol w="2514600">
                   <a:extLst>
                     <a:ext uri="{9D8B030D-6E8A-4147-A177-3AD203B41FA5}">
-                      <a16:colId xmlns:a16="http://schemas.microsoft.com/office/drawing/2014/main" val="1332331492"/>
+                      <a16:colId xmlns:a16="http://schemas.microsoft.com/office/drawing/2014/main" val="2792846738"/>
                     </a:ext>
                   </a:extLst>
                 </a:gridCol>
-                <a:gridCol w="2212499">
+                <a:gridCol w="2514600">
                   <a:extLst>
                     <a:ext uri="{9D8B030D-6E8A-4147-A177-3AD203B41FA5}">
-                      <a16:colId xmlns:a16="http://schemas.microsoft.com/office/drawing/2014/main" val="2080555878"/>
+                      <a16:colId xmlns:a16="http://schemas.microsoft.com/office/drawing/2014/main" val="786761918"/>
                     </a:ext>
                   </a:extLst>
                 </a:gridCol>
               </a:tblGrid>
-              <a:tr h="321818">
+              <a:tr h="164187">
                 <a:tc>
                   <a:txBody>
                     <a:bodyPr/>
                     <a:lstStyle/>
                     <a:p>
                       <a:r>
-                        <a:rPr lang="en-US" sz="1600"/>
-                        <a:t>Attack Type</a:t>
+                        <a:rPr lang="en-US" sz="1400" b="1" dirty="0"/>
+                        <a:t>Step</a:t>
                       </a:r>
+                      <a:endParaRPr lang="en-US" sz="1400" dirty="0"/>
                     </a:p>
                   </a:txBody>
-                  <a:tcPr marL="80455" marR="80455" marT="40227" marB="40227" anchor="ctr">
+                  <a:tcPr marL="26818" marR="26818" marT="13409" marB="13409" anchor="ctr">
                     <a:lnL>
                       <a:noFill/>
                     </a:lnL>
@@ -11201,12 +12221,13 @@
                     <a:lstStyle/>
                     <a:p>
                       <a:r>
-                        <a:rPr lang="en-US" sz="1600"/>
-                        <a:t>Target</a:t>
+                        <a:rPr lang="en-US" sz="1400" b="1"/>
+                        <a:t>Method Used</a:t>
                       </a:r>
+                      <a:endParaRPr lang="en-US" sz="1400"/>
                     </a:p>
                   </a:txBody>
-                  <a:tcPr marL="80455" marR="80455" marT="40227" marB="40227" anchor="ctr">
+                  <a:tcPr marL="26818" marR="26818" marT="13409" marB="13409" anchor="ctr">
                     <a:lnL>
                       <a:noFill/>
                     </a:lnL>
@@ -11228,12 +12249,13 @@
                     <a:lstStyle/>
                     <a:p>
                       <a:r>
-                        <a:rPr lang="en-US" sz="1600"/>
-                        <a:t>Prevented By</a:t>
+                        <a:rPr lang="en-US" sz="1400" b="1"/>
+                        <a:t>Potential Attacks</a:t>
                       </a:r>
+                      <a:endParaRPr lang="en-US" sz="1400"/>
                     </a:p>
                   </a:txBody>
-                  <a:tcPr marL="80455" marR="80455" marT="40227" marB="40227" anchor="ctr">
+                  <a:tcPr marL="26818" marR="26818" marT="13409" marB="13409" anchor="ctr">
                     <a:lnL>
                       <a:noFill/>
                     </a:lnL>
@@ -11255,12 +12277,13 @@
                     <a:lstStyle/>
                     <a:p>
                       <a:r>
-                        <a:rPr lang="en-US" sz="1600"/>
-                        <a:t>Risk Level</a:t>
+                        <a:rPr lang="en-US" sz="1400" b="1"/>
+                        <a:t>Mitigation Strategies</a:t>
                       </a:r>
+                      <a:endParaRPr lang="en-US" sz="1400"/>
                     </a:p>
                   </a:txBody>
-                  <a:tcPr marL="80455" marR="80455" marT="40227" marB="40227" anchor="ctr">
+                  <a:tcPr marL="26818" marR="26818" marT="13409" marB="13409" anchor="ctr">
                     <a:lnL>
                       <a:noFill/>
                     </a:lnL>
@@ -11278,23 +12301,23 @@
                 </a:tc>
                 <a:extLst>
                   <a:ext uri="{0D108BD9-81ED-4DB2-BD59-A6C34878D82A}">
-                    <a16:rowId xmlns:a16="http://schemas.microsoft.com/office/drawing/2014/main" val="3274537905"/>
+                    <a16:rowId xmlns:a16="http://schemas.microsoft.com/office/drawing/2014/main" val="4176346846"/>
                   </a:ext>
                 </a:extLst>
               </a:tr>
-              <a:tr h="563182">
+              <a:tr h="450566">
                 <a:tc>
                   <a:txBody>
                     <a:bodyPr/>
                     <a:lstStyle/>
                     <a:p>
                       <a:r>
-                        <a:rPr lang="en-US" sz="1600"/>
-                        <a:t>Ciphertext-only</a:t>
+                        <a:rPr lang="he-IL" sz="1400"/>
+                        <a:t>1</a:t>
                       </a:r>
                     </a:p>
                   </a:txBody>
-                  <a:tcPr marL="80455" marR="80455" marT="40227" marB="40227" anchor="ctr">
+                  <a:tcPr marL="26818" marR="26818" marT="13409" marB="13409" anchor="ctr">
                     <a:lnL>
                       <a:noFill/>
                     </a:lnL>
@@ -11316,12 +12339,12 @@
                     <a:lstStyle/>
                     <a:p>
                       <a:r>
-                        <a:rPr lang="en-US" sz="1600"/>
-                        <a:t>Encrypted message</a:t>
+                        <a:rPr lang="en-US" sz="1400"/>
+                        <a:t>Key Generation (ECDSA, McEliece)</a:t>
                       </a:r>
                     </a:p>
                   </a:txBody>
-                  <a:tcPr marL="80455" marR="80455" marT="40227" marB="40227" anchor="ctr">
+                  <a:tcPr marL="26818" marR="26818" marT="13409" marB="13409" anchor="ctr">
                     <a:lnL>
                       <a:noFill/>
                     </a:lnL>
@@ -11343,12 +12366,12 @@
                     <a:lstStyle/>
                     <a:p>
                       <a:r>
-                        <a:rPr lang="en-US" sz="1600"/>
-                        <a:t>Strong Blowfish key &amp; mode</a:t>
+                        <a:rPr lang="en-US" sz="1400"/>
+                        <a:t>- Predictable keys (poor RNG)- Compromised device- Reuse of keys</a:t>
                       </a:r>
                     </a:p>
                   </a:txBody>
-                  <a:tcPr marL="80455" marR="80455" marT="40227" marB="40227" anchor="ctr">
+                  <a:tcPr marL="26818" marR="26818" marT="13409" marB="13409" anchor="ctr">
                     <a:lnL>
                       <a:noFill/>
                     </a:lnL>
@@ -11370,12 +12393,12 @@
                     <a:lstStyle/>
                     <a:p>
                       <a:r>
-                        <a:rPr lang="en-US" sz="1600"/>
-                        <a:t>Low</a:t>
+                        <a:rPr lang="en-US" sz="1400"/>
+                        <a:t>- Use CSPRNG- Generate keys on secure, isolated devices- Rotate keys periodically</a:t>
                       </a:r>
                     </a:p>
                   </a:txBody>
-                  <a:tcPr marL="80455" marR="80455" marT="40227" marB="40227" anchor="ctr">
+                  <a:tcPr marL="26818" marR="26818" marT="13409" marB="13409" anchor="ctr">
                     <a:lnL>
                       <a:noFill/>
                     </a:lnL>
@@ -11393,23 +12416,23 @@
                 </a:tc>
                 <a:extLst>
                   <a:ext uri="{0D108BD9-81ED-4DB2-BD59-A6C34878D82A}">
-                    <a16:rowId xmlns:a16="http://schemas.microsoft.com/office/drawing/2014/main" val="3985584307"/>
+                    <a16:rowId xmlns:a16="http://schemas.microsoft.com/office/drawing/2014/main" val="1095917676"/>
                   </a:ext>
                 </a:extLst>
               </a:tr>
-              <a:tr h="563182">
+              <a:tr h="450566">
                 <a:tc>
                   <a:txBody>
                     <a:bodyPr/>
                     <a:lstStyle/>
                     <a:p>
                       <a:r>
-                        <a:rPr lang="en-US" sz="1600"/>
-                        <a:t>Key recovery</a:t>
+                        <a:rPr lang="he-IL" sz="1400"/>
+                        <a:t>2</a:t>
                       </a:r>
                     </a:p>
                   </a:txBody>
-                  <a:tcPr marL="80455" marR="80455" marT="40227" marB="40227" anchor="ctr">
+                  <a:tcPr marL="26818" marR="26818" marT="13409" marB="13409" anchor="ctr">
                     <a:lnL>
                       <a:noFill/>
                     </a:lnL>
@@ -11431,12 +12454,12 @@
                     <a:lstStyle/>
                     <a:p>
                       <a:r>
-                        <a:rPr lang="en-US" sz="1600"/>
-                        <a:t>Encrypted key</a:t>
+                        <a:rPr lang="en-US" sz="1400"/>
+                        <a:t>Public Key Distribution</a:t>
                       </a:r>
                     </a:p>
                   </a:txBody>
-                  <a:tcPr marL="80455" marR="80455" marT="40227" marB="40227" anchor="ctr">
+                  <a:tcPr marL="26818" marR="26818" marT="13409" marB="13409" anchor="ctr">
                     <a:lnL>
                       <a:noFill/>
                     </a:lnL>
@@ -11458,12 +12481,12 @@
                     <a:lstStyle/>
                     <a:p>
                       <a:r>
-                        <a:rPr lang="en-US" sz="1600"/>
-                        <a:t>Strong McEliece parameters</a:t>
+                        <a:rPr lang="en-US" sz="1400"/>
+                        <a:t>- Man-in-the-middle (key spoofing)- Fake key injection- Key tampering</a:t>
                       </a:r>
                     </a:p>
                   </a:txBody>
-                  <a:tcPr marL="80455" marR="80455" marT="40227" marB="40227" anchor="ctr">
+                  <a:tcPr marL="26818" marR="26818" marT="13409" marB="13409" anchor="ctr">
                     <a:lnL>
                       <a:noFill/>
                     </a:lnL>
@@ -11485,12 +12508,12 @@
                     <a:lstStyle/>
                     <a:p>
                       <a:r>
-                        <a:rPr lang="en-US" sz="1600"/>
-                        <a:t>Low</a:t>
+                        <a:rPr lang="en-US" sz="1400"/>
+                        <a:t>- Use digital certificates or fingerprint validation- Exchange keys via secure channels</a:t>
                       </a:r>
                     </a:p>
                   </a:txBody>
-                  <a:tcPr marL="80455" marR="80455" marT="40227" marB="40227" anchor="ctr">
+                  <a:tcPr marL="26818" marR="26818" marT="13409" marB="13409" anchor="ctr">
                     <a:lnL>
                       <a:noFill/>
                     </a:lnL>
@@ -11508,23 +12531,23 @@
                 </a:tc>
                 <a:extLst>
                   <a:ext uri="{0D108BD9-81ED-4DB2-BD59-A6C34878D82A}">
-                    <a16:rowId xmlns:a16="http://schemas.microsoft.com/office/drawing/2014/main" val="2608370432"/>
+                    <a16:rowId xmlns:a16="http://schemas.microsoft.com/office/drawing/2014/main" val="2767880717"/>
                   </a:ext>
                 </a:extLst>
               </a:tr>
-              <a:tr h="563182">
+              <a:tr h="450566">
                 <a:tc>
                   <a:txBody>
                     <a:bodyPr/>
                     <a:lstStyle/>
                     <a:p>
                       <a:r>
-                        <a:rPr lang="en-US" sz="1600"/>
-                        <a:t>Signature forgery</a:t>
+                        <a:rPr lang="he-IL" sz="1400"/>
+                        <a:t>3</a:t>
                       </a:r>
                     </a:p>
                   </a:txBody>
-                  <a:tcPr marL="80455" marR="80455" marT="40227" marB="40227" anchor="ctr">
+                  <a:tcPr marL="26818" marR="26818" marT="13409" marB="13409" anchor="ctr">
                     <a:lnL>
                       <a:noFill/>
                     </a:lnL>
@@ -11546,12 +12569,12 @@
                     <a:lstStyle/>
                     <a:p>
                       <a:r>
-                        <a:rPr lang="en-US" sz="1600"/>
-                        <a:t>Signature</a:t>
+                        <a:rPr lang="en-US" sz="1400"/>
+                        <a:t>Symmetric Key Generation (Blowfish key)</a:t>
                       </a:r>
                     </a:p>
                   </a:txBody>
-                  <a:tcPr marL="80455" marR="80455" marT="40227" marB="40227" anchor="ctr">
+                  <a:tcPr marL="26818" marR="26818" marT="13409" marB="13409" anchor="ctr">
                     <a:lnL>
                       <a:noFill/>
                     </a:lnL>
@@ -11573,12 +12596,12 @@
                     <a:lstStyle/>
                     <a:p>
                       <a:r>
-                        <a:rPr lang="en-US" sz="1600"/>
-                        <a:t>Secure EC-DSA implementation</a:t>
+                        <a:rPr lang="en-US" sz="1400" dirty="0"/>
+                        <a:t>- Predictable/randomly guessable key- Reuse of key across messages</a:t>
                       </a:r>
                     </a:p>
                   </a:txBody>
-                  <a:tcPr marL="80455" marR="80455" marT="40227" marB="40227" anchor="ctr">
+                  <a:tcPr marL="26818" marR="26818" marT="13409" marB="13409" anchor="ctr">
                     <a:lnL>
                       <a:noFill/>
                     </a:lnL>
@@ -11600,12 +12623,12 @@
                     <a:lstStyle/>
                     <a:p>
                       <a:r>
-                        <a:rPr lang="en-US" sz="1600"/>
-                        <a:t>Medium-High</a:t>
+                        <a:rPr lang="en-US" sz="1400" dirty="0"/>
+                        <a:t>- Use strong entropy source (CSPRNG)- Always generate a fresh key per session/message</a:t>
                       </a:r>
                     </a:p>
                   </a:txBody>
-                  <a:tcPr marL="80455" marR="80455" marT="40227" marB="40227" anchor="ctr">
+                  <a:tcPr marL="26818" marR="26818" marT="13409" marB="13409" anchor="ctr">
                     <a:lnL>
                       <a:noFill/>
                     </a:lnL>
@@ -11623,23 +12646,23 @@
                 </a:tc>
                 <a:extLst>
                   <a:ext uri="{0D108BD9-81ED-4DB2-BD59-A6C34878D82A}">
-                    <a16:rowId xmlns:a16="http://schemas.microsoft.com/office/drawing/2014/main" val="1768184132"/>
+                    <a16:rowId xmlns:a16="http://schemas.microsoft.com/office/drawing/2014/main" val="3776559096"/>
                   </a:ext>
                 </a:extLst>
               </a:tr>
-              <a:tr h="563182">
+              <a:tr h="450566">
                 <a:tc>
                   <a:txBody>
                     <a:bodyPr/>
                     <a:lstStyle/>
                     <a:p>
                       <a:r>
-                        <a:rPr lang="en-US" sz="1600"/>
-                        <a:t>MITM</a:t>
+                        <a:rPr lang="he-IL" sz="1400"/>
+                        <a:t>4</a:t>
                       </a:r>
                     </a:p>
                   </a:txBody>
-                  <a:tcPr marL="80455" marR="80455" marT="40227" marB="40227" anchor="ctr">
+                  <a:tcPr marL="26818" marR="26818" marT="13409" marB="13409" anchor="ctr">
                     <a:lnL>
                       <a:noFill/>
                     </a:lnL>
@@ -11661,12 +12684,12 @@
                     <a:lstStyle/>
                     <a:p>
                       <a:r>
-                        <a:rPr lang="en-US" sz="1600"/>
-                        <a:t>All communication</a:t>
+                        <a:rPr lang="en-US" sz="1400"/>
+                        <a:t>Symmetric Encryption (Blowfish)</a:t>
                       </a:r>
                     </a:p>
                   </a:txBody>
-                  <a:tcPr marL="80455" marR="80455" marT="40227" marB="40227" anchor="ctr">
+                  <a:tcPr marL="26818" marR="26818" marT="13409" marB="13409" anchor="ctr">
                     <a:lnL>
                       <a:noFill/>
                     </a:lnL>
@@ -11688,12 +12711,12 @@
                     <a:lstStyle/>
                     <a:p>
                       <a:r>
-                        <a:rPr lang="en-US" sz="1600"/>
-                        <a:t>Signature verification, PKI</a:t>
+                        <a:rPr lang="en-US" sz="1400"/>
+                        <a:t>- Chosen plaintext/ciphertext attack (if using ECB)- Key reuse- Padding oracle</a:t>
                       </a:r>
                     </a:p>
                   </a:txBody>
-                  <a:tcPr marL="80455" marR="80455" marT="40227" marB="40227" anchor="ctr">
+                  <a:tcPr marL="26818" marR="26818" marT="13409" marB="13409" anchor="ctr">
                     <a:lnL>
                       <a:noFill/>
                     </a:lnL>
@@ -11715,12 +12738,12 @@
                     <a:lstStyle/>
                     <a:p>
                       <a:r>
-                        <a:rPr lang="en-US" sz="1600"/>
-                        <a:t>Medium</a:t>
+                        <a:rPr lang="en-US" sz="1400" dirty="0"/>
+                        <a:t>- Use CBC/CFB mode with IVs- Never reuse keys- Use authenticated encryption modes</a:t>
                       </a:r>
                     </a:p>
                   </a:txBody>
-                  <a:tcPr marL="80455" marR="80455" marT="40227" marB="40227" anchor="ctr">
+                  <a:tcPr marL="26818" marR="26818" marT="13409" marB="13409" anchor="ctr">
                     <a:lnL>
                       <a:noFill/>
                     </a:lnL>
@@ -11738,23 +12761,23 @@
                 </a:tc>
                 <a:extLst>
                   <a:ext uri="{0D108BD9-81ED-4DB2-BD59-A6C34878D82A}">
-                    <a16:rowId xmlns:a16="http://schemas.microsoft.com/office/drawing/2014/main" val="1103511852"/>
+                    <a16:rowId xmlns:a16="http://schemas.microsoft.com/office/drawing/2014/main" val="1985945517"/>
                   </a:ext>
                 </a:extLst>
               </a:tr>
-              <a:tr h="321818">
+              <a:tr h="307377">
                 <a:tc>
                   <a:txBody>
                     <a:bodyPr/>
                     <a:lstStyle/>
                     <a:p>
                       <a:r>
-                        <a:rPr lang="en-US" sz="1600"/>
-                        <a:t>Replay attack</a:t>
+                        <a:rPr lang="he-IL" sz="1400"/>
+                        <a:t>5</a:t>
                       </a:r>
                     </a:p>
                   </a:txBody>
-                  <a:tcPr marL="80455" marR="80455" marT="40227" marB="40227" anchor="ctr">
+                  <a:tcPr marL="26818" marR="26818" marT="13409" marB="13409" anchor="ctr">
                     <a:lnL>
                       <a:noFill/>
                     </a:lnL>
@@ -11776,12 +12799,16 @@
                     <a:lstStyle/>
                     <a:p>
                       <a:r>
-                        <a:rPr lang="en-US" sz="1600"/>
-                        <a:t>Message freshness</a:t>
+                        <a:rPr lang="en-US" sz="1400" dirty="0" err="1"/>
+                        <a:t>McEliece</a:t>
+                      </a:r>
+                      <a:r>
+                        <a:rPr lang="en-US" sz="1400" dirty="0"/>
+                        <a:t> Encryption (for symmetric key)</a:t>
                       </a:r>
                     </a:p>
                   </a:txBody>
-                  <a:tcPr marL="80455" marR="80455" marT="40227" marB="40227" anchor="ctr">
+                  <a:tcPr marL="26818" marR="26818" marT="13409" marB="13409" anchor="ctr">
                     <a:lnL>
                       <a:noFill/>
                     </a:lnL>
@@ -11803,12 +12830,12 @@
                     <a:lstStyle/>
                     <a:p>
                       <a:r>
-                        <a:rPr lang="en-US" sz="1600"/>
-                        <a:t>Timestamps, nonces</a:t>
+                        <a:rPr lang="en-US" sz="1400" dirty="0"/>
+                        <a:t>- Public key spoofing- Weak parameters- Ciphertext manipulation</a:t>
                       </a:r>
                     </a:p>
                   </a:txBody>
-                  <a:tcPr marL="80455" marR="80455" marT="40227" marB="40227" anchor="ctr">
+                  <a:tcPr marL="26818" marR="26818" marT="13409" marB="13409" anchor="ctr">
                     <a:lnL>
                       <a:noFill/>
                     </a:lnL>
@@ -11830,12 +12857,12 @@
                     <a:lstStyle/>
                     <a:p>
                       <a:r>
-                        <a:rPr lang="en-US" sz="1600"/>
-                        <a:t>Medium</a:t>
+                        <a:rPr lang="en-US" sz="1400" dirty="0"/>
+                        <a:t>- Verify public key authenticity- Use strong, NIST-approved parameters</a:t>
                       </a:r>
                     </a:p>
                   </a:txBody>
-                  <a:tcPr marL="80455" marR="80455" marT="40227" marB="40227" anchor="ctr">
+                  <a:tcPr marL="26818" marR="26818" marT="13409" marB="13409" anchor="ctr">
                     <a:lnL>
                       <a:noFill/>
                     </a:lnL>
@@ -11853,23 +12880,23 @@
                 </a:tc>
                 <a:extLst>
                   <a:ext uri="{0D108BD9-81ED-4DB2-BD59-A6C34878D82A}">
-                    <a16:rowId xmlns:a16="http://schemas.microsoft.com/office/drawing/2014/main" val="1603516657"/>
+                    <a16:rowId xmlns:a16="http://schemas.microsoft.com/office/drawing/2014/main" val="756755967"/>
                   </a:ext>
                 </a:extLst>
               </a:tr>
-              <a:tr h="563182">
+              <a:tr h="450566">
                 <a:tc>
                   <a:txBody>
                     <a:bodyPr/>
                     <a:lstStyle/>
                     <a:p>
                       <a:r>
-                        <a:rPr lang="en-US" sz="1600"/>
-                        <a:t>Side-channel</a:t>
+                        <a:rPr lang="he-IL" sz="1400"/>
+                        <a:t>6</a:t>
                       </a:r>
                     </a:p>
                   </a:txBody>
-                  <a:tcPr marL="80455" marR="80455" marT="40227" marB="40227" anchor="ctr">
+                  <a:tcPr marL="26818" marR="26818" marT="13409" marB="13409" anchor="ctr">
                     <a:lnL>
                       <a:noFill/>
                     </a:lnL>
@@ -11891,12 +12918,12 @@
                     <a:lstStyle/>
                     <a:p>
                       <a:r>
-                        <a:rPr lang="en-US" sz="1600"/>
-                        <a:t>Crypto operations</a:t>
+                        <a:rPr lang="en-US" sz="1400"/>
+                        <a:t>ECDSA Signature</a:t>
                       </a:r>
                     </a:p>
                   </a:txBody>
-                  <a:tcPr marL="80455" marR="80455" marT="40227" marB="40227" anchor="ctr">
+                  <a:tcPr marL="26818" marR="26818" marT="13409" marB="13409" anchor="ctr">
                     <a:lnL>
                       <a:noFill/>
                     </a:lnL>
@@ -11918,12 +12945,12 @@
                     <a:lstStyle/>
                     <a:p>
                       <a:r>
-                        <a:rPr lang="en-US" sz="1600"/>
-                        <a:t>Constant-time/hardened libraries</a:t>
+                        <a:rPr lang="en-US" sz="1400" dirty="0"/>
+                        <a:t>- Signature forgery (ECDSA nonce reuse)- Private key leakage- Replay attacks</a:t>
                       </a:r>
                     </a:p>
                   </a:txBody>
-                  <a:tcPr marL="80455" marR="80455" marT="40227" marB="40227" anchor="ctr">
+                  <a:tcPr marL="26818" marR="26818" marT="13409" marB="13409" anchor="ctr">
                     <a:lnL>
                       <a:noFill/>
                     </a:lnL>
@@ -11945,12 +12972,12 @@
                     <a:lstStyle/>
                     <a:p>
                       <a:r>
-                        <a:rPr lang="en-US" sz="1600"/>
-                        <a:t>Medium</a:t>
+                        <a:rPr lang="en-US" sz="1400" dirty="0"/>
+                        <a:t>- Use unique nonces per signature (secure library)- Protect private keys- Timestamp messages</a:t>
                       </a:r>
                     </a:p>
                   </a:txBody>
-                  <a:tcPr marL="80455" marR="80455" marT="40227" marB="40227" anchor="ctr">
+                  <a:tcPr marL="26818" marR="26818" marT="13409" marB="13409" anchor="ctr">
                     <a:lnL>
                       <a:noFill/>
                     </a:lnL>
@@ -11968,122 +12995,7 @@
                 </a:tc>
                 <a:extLst>
                   <a:ext uri="{0D108BD9-81ED-4DB2-BD59-A6C34878D82A}">
-                    <a16:rowId xmlns:a16="http://schemas.microsoft.com/office/drawing/2014/main" val="708274247"/>
-                  </a:ext>
-                </a:extLst>
-              </a:tr>
-              <a:tr h="563182">
-                <a:tc>
-                  <a:txBody>
-                    <a:bodyPr/>
-                    <a:lstStyle/>
-                    <a:p>
-                      <a:r>
-                        <a:rPr lang="en-US" sz="1600"/>
-                        <a:t>Public key spoofing</a:t>
-                      </a:r>
-                    </a:p>
-                  </a:txBody>
-                  <a:tcPr marL="80455" marR="80455" marT="40227" marB="40227" anchor="ctr">
-                    <a:lnL>
-                      <a:noFill/>
-                    </a:lnL>
-                    <a:lnR>
-                      <a:noFill/>
-                    </a:lnR>
-                    <a:lnT>
-                      <a:noFill/>
-                    </a:lnT>
-                    <a:lnB>
-                      <a:noFill/>
-                    </a:lnB>
-                    <a:noFill/>
-                  </a:tcPr>
-                </a:tc>
-                <a:tc>
-                  <a:txBody>
-                    <a:bodyPr/>
-                    <a:lstStyle/>
-                    <a:p>
-                      <a:r>
-                        <a:rPr lang="en-US" sz="1600"/>
-                        <a:t>Trust model</a:t>
-                      </a:r>
-                    </a:p>
-                  </a:txBody>
-                  <a:tcPr marL="80455" marR="80455" marT="40227" marB="40227" anchor="ctr">
-                    <a:lnL>
-                      <a:noFill/>
-                    </a:lnL>
-                    <a:lnR>
-                      <a:noFill/>
-                    </a:lnR>
-                    <a:lnT>
-                      <a:noFill/>
-                    </a:lnT>
-                    <a:lnB>
-                      <a:noFill/>
-                    </a:lnB>
-                    <a:noFill/>
-                  </a:tcPr>
-                </a:tc>
-                <a:tc>
-                  <a:txBody>
-                    <a:bodyPr/>
-                    <a:lstStyle/>
-                    <a:p>
-                      <a:r>
-                        <a:rPr lang="en-US" sz="1600"/>
-                        <a:t>PKI / fingerprint verification</a:t>
-                      </a:r>
-                    </a:p>
-                  </a:txBody>
-                  <a:tcPr marL="80455" marR="80455" marT="40227" marB="40227" anchor="ctr">
-                    <a:lnL>
-                      <a:noFill/>
-                    </a:lnL>
-                    <a:lnR>
-                      <a:noFill/>
-                    </a:lnR>
-                    <a:lnT>
-                      <a:noFill/>
-                    </a:lnT>
-                    <a:lnB>
-                      <a:noFill/>
-                    </a:lnB>
-                    <a:noFill/>
-                  </a:tcPr>
-                </a:tc>
-                <a:tc>
-                  <a:txBody>
-                    <a:bodyPr/>
-                    <a:lstStyle/>
-                    <a:p>
-                      <a:r>
-                        <a:rPr lang="en-US" sz="1600" dirty="0"/>
-                        <a:t>High</a:t>
-                      </a:r>
-                    </a:p>
-                  </a:txBody>
-                  <a:tcPr marL="80455" marR="80455" marT="40227" marB="40227" anchor="ctr">
-                    <a:lnL>
-                      <a:noFill/>
-                    </a:lnL>
-                    <a:lnR>
-                      <a:noFill/>
-                    </a:lnR>
-                    <a:lnT>
-                      <a:noFill/>
-                    </a:lnT>
-                    <a:lnB>
-                      <a:noFill/>
-                    </a:lnB>
-                    <a:noFill/>
-                  </a:tcPr>
-                </a:tc>
-                <a:extLst>
-                  <a:ext uri="{0D108BD9-81ED-4DB2-BD59-A6C34878D82A}">
-                    <a16:rowId xmlns:a16="http://schemas.microsoft.com/office/drawing/2014/main" val="3884129112"/>
+                    <a16:rowId xmlns:a16="http://schemas.microsoft.com/office/drawing/2014/main" val="3493590706"/>
                   </a:ext>
                 </a:extLst>
               </a:tr>
@@ -12703,23 +13615,6 @@
 </file>
 
 <file path=customXml/item1.xml><?xml version="1.0" encoding="utf-8"?>
-<p:properties xmlns:p="http://schemas.microsoft.com/office/2006/metadata/properties" xmlns:xsi="http://www.w3.org/2001/XMLSchema-instance" xmlns:pc="http://schemas.microsoft.com/office/infopath/2007/PartnerControls">
-  <documentManagement>
-    <_activity xmlns="7480d4d1-d0c4-4454-afbf-f8adc94c61a9" xsi:nil="true"/>
-  </documentManagement>
-</p:properties>
-</file>
-
-<file path=customXml/item2.xml><?xml version="1.0" encoding="utf-8"?>
-<?mso-contentType ?>
-<FormTemplates xmlns="http://schemas.microsoft.com/sharepoint/v3/contenttype/forms">
-  <Display>DocumentLibraryForm</Display>
-  <Edit>DocumentLibraryForm</Edit>
-  <New>DocumentLibraryForm</New>
-</FormTemplates>
-</file>
-
-<file path=customXml/item3.xml><?xml version="1.0" encoding="utf-8"?>
 <ct:contentTypeSchema xmlns:ct="http://schemas.microsoft.com/office/2006/metadata/contentType" xmlns:ma="http://schemas.microsoft.com/office/2006/metadata/properties/metaAttributes" ct:_="" ma:_="" ma:contentTypeName="Document" ma:contentTypeID="0x0101001E533B1092E7D145A9BA91CDD86ED454" ma:contentTypeVersion="15" ma:contentTypeDescription="Create a new document." ma:contentTypeScope="" ma:versionID="a69725e3e5755fe7ea146dd1394aca70">
   <xsd:schema xmlns:xsd="http://www.w3.org/2001/XMLSchema" xmlns:xs="http://www.w3.org/2001/XMLSchema" xmlns:p="http://schemas.microsoft.com/office/2006/metadata/properties" xmlns:ns3="7480d4d1-d0c4-4454-afbf-f8adc94c61a9" xmlns:ns4="5ee8e921-8df8-4dab-b498-9cbdafab85af" targetNamespace="http://schemas.microsoft.com/office/2006/metadata/properties" ma:root="true" ma:fieldsID="5848f545f59b5a6de7572048428bffca" ns3:_="" ns4:_="">
     <xsd:import namespace="7480d4d1-d0c4-4454-afbf-f8adc94c61a9"/>
@@ -12952,32 +13847,24 @@
 </ct:contentTypeSchema>
 </file>
 
-<file path=customXml/itemProps1.xml><?xml version="1.0" encoding="utf-8"?>
-<ds:datastoreItem xmlns:ds="http://schemas.openxmlformats.org/officeDocument/2006/customXml" ds:itemID="{F4408F56-9A13-4A87-A165-FA692790BA4D}">
-  <ds:schemaRefs>
-    <ds:schemaRef ds:uri="http://schemas.microsoft.com/office/2006/documentManagement/types"/>
-    <ds:schemaRef ds:uri="http://schemas.microsoft.com/office/infopath/2007/PartnerControls"/>
-    <ds:schemaRef ds:uri="7480d4d1-d0c4-4454-afbf-f8adc94c61a9"/>
-    <ds:schemaRef ds:uri="http://schemas.microsoft.com/office/2006/metadata/properties"/>
-    <ds:schemaRef ds:uri="http://purl.org/dc/terms/"/>
-    <ds:schemaRef ds:uri="http://purl.org/dc/dcmitype/"/>
-    <ds:schemaRef ds:uri="http://purl.org/dc/elements/1.1/"/>
-    <ds:schemaRef ds:uri="http://schemas.openxmlformats.org/package/2006/metadata/core-properties"/>
-    <ds:schemaRef ds:uri="http://www.w3.org/XML/1998/namespace"/>
-    <ds:schemaRef ds:uri="5ee8e921-8df8-4dab-b498-9cbdafab85af"/>
-  </ds:schemaRefs>
-</ds:datastoreItem>
+<file path=customXml/item2.xml><?xml version="1.0" encoding="utf-8"?>
+<?mso-contentType ?>
+<FormTemplates xmlns="http://schemas.microsoft.com/sharepoint/v3/contenttype/forms">
+  <Display>DocumentLibraryForm</Display>
+  <Edit>DocumentLibraryForm</Edit>
+  <New>DocumentLibraryForm</New>
+</FormTemplates>
 </file>
 
-<file path=customXml/itemProps2.xml><?xml version="1.0" encoding="utf-8"?>
-<ds:datastoreItem xmlns:ds="http://schemas.openxmlformats.org/officeDocument/2006/customXml" ds:itemID="{499C5EEE-F1A0-4304-BAD3-4B1A75818CCE}">
-  <ds:schemaRefs>
-    <ds:schemaRef ds:uri="http://schemas.microsoft.com/sharepoint/v3/contenttype/forms"/>
-  </ds:schemaRefs>
-</ds:datastoreItem>
+<file path=customXml/item3.xml><?xml version="1.0" encoding="utf-8"?>
+<p:properties xmlns:p="http://schemas.microsoft.com/office/2006/metadata/properties" xmlns:xsi="http://www.w3.org/2001/XMLSchema-instance" xmlns:pc="http://schemas.microsoft.com/office/infopath/2007/PartnerControls">
+  <documentManagement>
+    <_activity xmlns="7480d4d1-d0c4-4454-afbf-f8adc94c61a9" xsi:nil="true"/>
+  </documentManagement>
+</p:properties>
 </file>
 
-<file path=customXml/itemProps3.xml><?xml version="1.0" encoding="utf-8"?>
+<file path=customXml/itemProps1.xml><?xml version="1.0" encoding="utf-8"?>
 <ds:datastoreItem xmlns:ds="http://schemas.openxmlformats.org/officeDocument/2006/customXml" ds:itemID="{28FE47B3-7630-4512-B3F8-B1A8CE5E500C}">
   <ds:schemaRefs>
     <ds:schemaRef ds:uri="http://schemas.microsoft.com/office/2006/metadata/contentType"/>
@@ -12994,4 +13881,29 @@
     <ds:schemaRef ds:uri="http://schemas.microsoft.com/internal/obd"/>
   </ds:schemaRefs>
 </ds:datastoreItem>
+</file>
+
+<file path=customXml/itemProps2.xml><?xml version="1.0" encoding="utf-8"?>
+<ds:datastoreItem xmlns:ds="http://schemas.openxmlformats.org/officeDocument/2006/customXml" ds:itemID="{499C5EEE-F1A0-4304-BAD3-4B1A75818CCE}">
+  <ds:schemaRefs>
+    <ds:schemaRef ds:uri="http://schemas.microsoft.com/sharepoint/v3/contenttype/forms"/>
+  </ds:schemaRefs>
+</ds:datastoreItem>
+</file>
+
+<file path=customXml/itemProps3.xml><?xml version="1.0" encoding="utf-8"?>
+<ds:datastoreItem xmlns:ds="http://schemas.openxmlformats.org/officeDocument/2006/customXml" ds:itemID="{F4408F56-9A13-4A87-A165-FA692790BA4D}">
+  <ds:schemaRefs>
+    <ds:schemaRef ds:uri="http://schemas.microsoft.com/office/2006/documentManagement/types"/>
+    <ds:schemaRef ds:uri="http://schemas.microsoft.com/office/infopath/2007/PartnerControls"/>
+    <ds:schemaRef ds:uri="7480d4d1-d0c4-4454-afbf-f8adc94c61a9"/>
+    <ds:schemaRef ds:uri="http://schemas.microsoft.com/office/2006/metadata/properties"/>
+    <ds:schemaRef ds:uri="http://purl.org/dc/terms/"/>
+    <ds:schemaRef ds:uri="http://purl.org/dc/dcmitype/"/>
+    <ds:schemaRef ds:uri="http://purl.org/dc/elements/1.1/"/>
+    <ds:schemaRef ds:uri="http://schemas.openxmlformats.org/package/2006/metadata/core-properties"/>
+    <ds:schemaRef ds:uri="http://www.w3.org/XML/1998/namespace"/>
+    <ds:schemaRef ds:uri="5ee8e921-8df8-4dab-b498-9cbdafab85af"/>
+  </ds:schemaRefs>
+</ds:datastoreItem>
 </file>
--- a/CryptoPresentation_Omer.pptx
+++ b/CryptoPresentation_Omer.pptx
@@ -6174,42 +6174,44 @@
             <p:ph idx="1"/>
             <p:extLst>
               <p:ext uri="{D42A27DB-BD31-4B8C-83A1-F6EECF244321}">
-                <p14:modId xmlns:p14="http://schemas.microsoft.com/office/powerpoint/2010/main" val="4102207366"/>
+                <p14:modId xmlns:p14="http://schemas.microsoft.com/office/powerpoint/2010/main" val="658062070"/>
               </p:ext>
             </p:extLst>
           </p:nvPr>
         </p:nvGraphicFramePr>
         <p:xfrm>
           <a:off x="719191" y="1887172"/>
-          <a:ext cx="10058400" cy="3788028"/>
+          <a:ext cx="10058400" cy="3361308"/>
         </p:xfrm>
         <a:graphic>
           <a:graphicData uri="http://schemas.openxmlformats.org/drawingml/2006/table">
             <a:tbl>
-              <a:tblPr/>
+              <a:tblPr>
+                <a:tableStyleId>{8A107856-5554-42FB-B03E-39F5DBC370BA}</a:tableStyleId>
+              </a:tblPr>
               <a:tblGrid>
-                <a:gridCol w="2514600">
+                <a:gridCol w="688369">
                   <a:extLst>
                     <a:ext uri="{9D8B030D-6E8A-4147-A177-3AD203B41FA5}">
                       <a16:colId xmlns:a16="http://schemas.microsoft.com/office/drawing/2014/main" val="1759627091"/>
                     </a:ext>
                   </a:extLst>
                 </a:gridCol>
-                <a:gridCol w="2514600">
+                <a:gridCol w="2404152">
                   <a:extLst>
                     <a:ext uri="{9D8B030D-6E8A-4147-A177-3AD203B41FA5}">
                       <a16:colId xmlns:a16="http://schemas.microsoft.com/office/drawing/2014/main" val="2654238947"/>
                     </a:ext>
                   </a:extLst>
                 </a:gridCol>
-                <a:gridCol w="2514600">
+                <a:gridCol w="2763749">
                   <a:extLst>
                     <a:ext uri="{9D8B030D-6E8A-4147-A177-3AD203B41FA5}">
                       <a16:colId xmlns:a16="http://schemas.microsoft.com/office/drawing/2014/main" val="2792846738"/>
                     </a:ext>
                   </a:extLst>
                 </a:gridCol>
-                <a:gridCol w="2514600">
+                <a:gridCol w="4202130">
                   <a:extLst>
                     <a:ext uri="{9D8B030D-6E8A-4147-A177-3AD203B41FA5}">
                       <a16:colId xmlns:a16="http://schemas.microsoft.com/office/drawing/2014/main" val="786761918"/>
@@ -6224,27 +6226,13 @@
                     <a:lstStyle/>
                     <a:p>
                       <a:r>
-                        <a:rPr lang="en-US" sz="1400" b="1"/>
+                        <a:rPr lang="en-US" sz="1400" b="1" dirty="0"/>
                         <a:t>Step</a:t>
                       </a:r>
-                      <a:endParaRPr lang="en-US" sz="1400"/>
+                      <a:endParaRPr lang="en-US" sz="1400" dirty="0"/>
                     </a:p>
                   </a:txBody>
-                  <a:tcPr marL="26818" marR="26818" marT="13409" marB="13409" anchor="ctr">
-                    <a:lnL>
-                      <a:noFill/>
-                    </a:lnL>
-                    <a:lnR>
-                      <a:noFill/>
-                    </a:lnR>
-                    <a:lnT>
-                      <a:noFill/>
-                    </a:lnT>
-                    <a:lnB>
-                      <a:noFill/>
-                    </a:lnB>
-                    <a:noFill/>
-                  </a:tcPr>
+                  <a:tcPr marL="26818" marR="26818" marT="13409" marB="13409" anchor="ctr"/>
                 </a:tc>
                 <a:tc>
                   <a:txBody>
@@ -6258,21 +6246,7 @@
                       <a:endParaRPr lang="en-US" sz="1400"/>
                     </a:p>
                   </a:txBody>
-                  <a:tcPr marL="26818" marR="26818" marT="13409" marB="13409" anchor="ctr">
-                    <a:lnL>
-                      <a:noFill/>
-                    </a:lnL>
-                    <a:lnR>
-                      <a:noFill/>
-                    </a:lnR>
-                    <a:lnT>
-                      <a:noFill/>
-                    </a:lnT>
-                    <a:lnB>
-                      <a:noFill/>
-                    </a:lnB>
-                    <a:noFill/>
-                  </a:tcPr>
+                  <a:tcPr marL="26818" marR="26818" marT="13409" marB="13409" anchor="ctr"/>
                 </a:tc>
                 <a:tc>
                   <a:txBody>
@@ -6286,21 +6260,7 @@
                       <a:endParaRPr lang="en-US" sz="1400"/>
                     </a:p>
                   </a:txBody>
-                  <a:tcPr marL="26818" marR="26818" marT="13409" marB="13409" anchor="ctr">
-                    <a:lnL>
-                      <a:noFill/>
-                    </a:lnL>
-                    <a:lnR>
-                      <a:noFill/>
-                    </a:lnR>
-                    <a:lnT>
-                      <a:noFill/>
-                    </a:lnT>
-                    <a:lnB>
-                      <a:noFill/>
-                    </a:lnB>
-                    <a:noFill/>
-                  </a:tcPr>
+                  <a:tcPr marL="26818" marR="26818" marT="13409" marB="13409" anchor="ctr"/>
                 </a:tc>
                 <a:tc>
                   <a:txBody>
@@ -6314,21 +6274,7 @@
                       <a:endParaRPr lang="en-US" sz="1400"/>
                     </a:p>
                   </a:txBody>
-                  <a:tcPr marL="26818" marR="26818" marT="13409" marB="13409" anchor="ctr">
-                    <a:lnL>
-                      <a:noFill/>
-                    </a:lnL>
-                    <a:lnR>
-                      <a:noFill/>
-                    </a:lnR>
-                    <a:lnT>
-                      <a:noFill/>
-                    </a:lnT>
-                    <a:lnB>
-                      <a:noFill/>
-                    </a:lnB>
-                    <a:noFill/>
-                  </a:tcPr>
+                  <a:tcPr marL="26818" marR="26818" marT="13409" marB="13409" anchor="ctr"/>
                 </a:tc>
                 <a:extLst>
                   <a:ext uri="{0D108BD9-81ED-4DB2-BD59-A6C34878D82A}">
@@ -6348,21 +6294,7 @@
                       </a:r>
                     </a:p>
                   </a:txBody>
-                  <a:tcPr marL="26818" marR="26818" marT="13409" marB="13409" anchor="ctr">
-                    <a:lnL>
-                      <a:noFill/>
-                    </a:lnL>
-                    <a:lnR>
-                      <a:noFill/>
-                    </a:lnR>
-                    <a:lnT>
-                      <a:noFill/>
-                    </a:lnT>
-                    <a:lnB>
-                      <a:noFill/>
-                    </a:lnB>
-                    <a:noFill/>
-                  </a:tcPr>
+                  <a:tcPr marL="26818" marR="26818" marT="13409" marB="13409" anchor="ctr"/>
                 </a:tc>
                 <a:tc>
                   <a:txBody>
@@ -6375,21 +6307,7 @@
                       </a:r>
                     </a:p>
                   </a:txBody>
-                  <a:tcPr marL="26818" marR="26818" marT="13409" marB="13409" anchor="ctr">
-                    <a:lnL>
-                      <a:noFill/>
-                    </a:lnL>
-                    <a:lnR>
-                      <a:noFill/>
-                    </a:lnR>
-                    <a:lnT>
-                      <a:noFill/>
-                    </a:lnT>
-                    <a:lnB>
-                      <a:noFill/>
-                    </a:lnB>
-                    <a:noFill/>
-                  </a:tcPr>
+                  <a:tcPr marL="26818" marR="26818" marT="13409" marB="13409" anchor="ctr"/>
                 </a:tc>
                 <a:tc>
                   <a:txBody>
@@ -6397,26 +6315,12 @@
                     <a:lstStyle/>
                     <a:p>
                       <a:r>
-                        <a:rPr lang="en-US" sz="1400"/>
+                        <a:rPr lang="en-US" sz="1400" dirty="0"/>
                         <a:t>- Tampering in transit- Eavesdropping (metadata exposure)- Message dropping</a:t>
                       </a:r>
                     </a:p>
                   </a:txBody>
-                  <a:tcPr marL="26818" marR="26818" marT="13409" marB="13409" anchor="ctr">
-                    <a:lnL>
-                      <a:noFill/>
-                    </a:lnL>
-                    <a:lnR>
-                      <a:noFill/>
-                    </a:lnR>
-                    <a:lnT>
-                      <a:noFill/>
-                    </a:lnT>
-                    <a:lnB>
-                      <a:noFill/>
-                    </a:lnB>
-                    <a:noFill/>
-                  </a:tcPr>
+                  <a:tcPr marL="26818" marR="26818" marT="13409" marB="13409" anchor="ctr"/>
                 </a:tc>
                 <a:tc>
                   <a:txBody>
@@ -6429,21 +6333,7 @@
                       </a:r>
                     </a:p>
                   </a:txBody>
-                  <a:tcPr marL="26818" marR="26818" marT="13409" marB="13409" anchor="ctr">
-                    <a:lnL>
-                      <a:noFill/>
-                    </a:lnL>
-                    <a:lnR>
-                      <a:noFill/>
-                    </a:lnR>
-                    <a:lnT>
-                      <a:noFill/>
-                    </a:lnT>
-                    <a:lnB>
-                      <a:noFill/>
-                    </a:lnB>
-                    <a:noFill/>
-                  </a:tcPr>
+                  <a:tcPr marL="26818" marR="26818" marT="13409" marB="13409" anchor="ctr"/>
                 </a:tc>
                 <a:extLst>
                   <a:ext uri="{0D108BD9-81ED-4DB2-BD59-A6C34878D82A}">
@@ -6458,26 +6348,12 @@
                     <a:lstStyle/>
                     <a:p>
                       <a:r>
-                        <a:rPr lang="he-IL" sz="1400"/>
+                        <a:rPr lang="he-IL" sz="1400" dirty="0"/>
                         <a:t>8</a:t>
                       </a:r>
                     </a:p>
                   </a:txBody>
-                  <a:tcPr marL="26818" marR="26818" marT="13409" marB="13409" anchor="ctr">
-                    <a:lnL>
-                      <a:noFill/>
-                    </a:lnL>
-                    <a:lnR>
-                      <a:noFill/>
-                    </a:lnR>
-                    <a:lnT>
-                      <a:noFill/>
-                    </a:lnT>
-                    <a:lnB>
-                      <a:noFill/>
-                    </a:lnB>
-                    <a:noFill/>
-                  </a:tcPr>
+                  <a:tcPr marL="26818" marR="26818" marT="13409" marB="13409" anchor="ctr"/>
                 </a:tc>
                 <a:tc>
                   <a:txBody>
@@ -6485,26 +6361,12 @@
                     <a:lstStyle/>
                     <a:p>
                       <a:r>
-                        <a:rPr lang="en-US" sz="1400"/>
+                        <a:rPr lang="en-US" sz="1400" dirty="0"/>
                         <a:t>Public Key Extraction (ECDSA)</a:t>
                       </a:r>
                     </a:p>
                   </a:txBody>
-                  <a:tcPr marL="26818" marR="26818" marT="13409" marB="13409" anchor="ctr">
-                    <a:lnL>
-                      <a:noFill/>
-                    </a:lnL>
-                    <a:lnR>
-                      <a:noFill/>
-                    </a:lnR>
-                    <a:lnT>
-                      <a:noFill/>
-                    </a:lnT>
-                    <a:lnB>
-                      <a:noFill/>
-                    </a:lnB>
-                    <a:noFill/>
-                  </a:tcPr>
+                  <a:tcPr marL="26818" marR="26818" marT="13409" marB="13409" anchor="ctr"/>
                 </a:tc>
                 <a:tc>
                   <a:txBody>
@@ -6517,21 +6379,7 @@
                       </a:r>
                     </a:p>
                   </a:txBody>
-                  <a:tcPr marL="26818" marR="26818" marT="13409" marB="13409" anchor="ctr">
-                    <a:lnL>
-                      <a:noFill/>
-                    </a:lnL>
-                    <a:lnR>
-                      <a:noFill/>
-                    </a:lnR>
-                    <a:lnT>
-                      <a:noFill/>
-                    </a:lnT>
-                    <a:lnB>
-                      <a:noFill/>
-                    </a:lnB>
-                    <a:noFill/>
-                  </a:tcPr>
+                  <a:tcPr marL="26818" marR="26818" marT="13409" marB="13409" anchor="ctr"/>
                 </a:tc>
                 <a:tc>
                   <a:txBody>
@@ -6544,21 +6392,7 @@
                       </a:r>
                     </a:p>
                   </a:txBody>
-                  <a:tcPr marL="26818" marR="26818" marT="13409" marB="13409" anchor="ctr">
-                    <a:lnL>
-                      <a:noFill/>
-                    </a:lnL>
-                    <a:lnR>
-                      <a:noFill/>
-                    </a:lnR>
-                    <a:lnT>
-                      <a:noFill/>
-                    </a:lnT>
-                    <a:lnB>
-                      <a:noFill/>
-                    </a:lnB>
-                    <a:noFill/>
-                  </a:tcPr>
+                  <a:tcPr marL="26818" marR="26818" marT="13409" marB="13409" anchor="ctr"/>
                 </a:tc>
                 <a:extLst>
                   <a:ext uri="{0D108BD9-81ED-4DB2-BD59-A6C34878D82A}">
@@ -6578,21 +6412,7 @@
                       </a:r>
                     </a:p>
                   </a:txBody>
-                  <a:tcPr marL="26818" marR="26818" marT="13409" marB="13409" anchor="ctr">
-                    <a:lnL>
-                      <a:noFill/>
-                    </a:lnL>
-                    <a:lnR>
-                      <a:noFill/>
-                    </a:lnR>
-                    <a:lnT>
-                      <a:noFill/>
-                    </a:lnT>
-                    <a:lnB>
-                      <a:noFill/>
-                    </a:lnB>
-                    <a:noFill/>
-                  </a:tcPr>
+                  <a:tcPr marL="26818" marR="26818" marT="13409" marB="13409" anchor="ctr"/>
                 </a:tc>
                 <a:tc>
                   <a:txBody>
@@ -6605,21 +6425,7 @@
                       </a:r>
                     </a:p>
                   </a:txBody>
-                  <a:tcPr marL="26818" marR="26818" marT="13409" marB="13409" anchor="ctr">
-                    <a:lnL>
-                      <a:noFill/>
-                    </a:lnL>
-                    <a:lnR>
-                      <a:noFill/>
-                    </a:lnR>
-                    <a:lnT>
-                      <a:noFill/>
-                    </a:lnT>
-                    <a:lnB>
-                      <a:noFill/>
-                    </a:lnB>
-                    <a:noFill/>
-                  </a:tcPr>
+                  <a:tcPr marL="26818" marR="26818" marT="13409" marB="13409" anchor="ctr"/>
                 </a:tc>
                 <a:tc>
                   <a:txBody>
@@ -6632,21 +6438,7 @@
                       </a:r>
                     </a:p>
                   </a:txBody>
-                  <a:tcPr marL="26818" marR="26818" marT="13409" marB="13409" anchor="ctr">
-                    <a:lnL>
-                      <a:noFill/>
-                    </a:lnL>
-                    <a:lnR>
-                      <a:noFill/>
-                    </a:lnR>
-                    <a:lnT>
-                      <a:noFill/>
-                    </a:lnT>
-                    <a:lnB>
-                      <a:noFill/>
-                    </a:lnB>
-                    <a:noFill/>
-                  </a:tcPr>
+                  <a:tcPr marL="26818" marR="26818" marT="13409" marB="13409" anchor="ctr"/>
                 </a:tc>
                 <a:tc>
                   <a:txBody>
@@ -6654,26 +6446,12 @@
                     <a:lstStyle/>
                     <a:p>
                       <a:r>
-                        <a:rPr lang="en-US" sz="1400"/>
+                        <a:rPr lang="en-US" sz="1400" dirty="0"/>
                         <a:t>- Always verify against a trusted public key- Validate signature over complete data</a:t>
                       </a:r>
                     </a:p>
                   </a:txBody>
-                  <a:tcPr marL="26818" marR="26818" marT="13409" marB="13409" anchor="ctr">
-                    <a:lnL>
-                      <a:noFill/>
-                    </a:lnL>
-                    <a:lnR>
-                      <a:noFill/>
-                    </a:lnR>
-                    <a:lnT>
-                      <a:noFill/>
-                    </a:lnT>
-                    <a:lnB>
-                      <a:noFill/>
-                    </a:lnB>
-                    <a:noFill/>
-                  </a:tcPr>
+                  <a:tcPr marL="26818" marR="26818" marT="13409" marB="13409" anchor="ctr"/>
                 </a:tc>
                 <a:extLst>
                   <a:ext uri="{0D108BD9-81ED-4DB2-BD59-A6C34878D82A}">
@@ -6693,21 +6471,7 @@
                       </a:r>
                     </a:p>
                   </a:txBody>
-                  <a:tcPr marL="26818" marR="26818" marT="13409" marB="13409" anchor="ctr">
-                    <a:lnL>
-                      <a:noFill/>
-                    </a:lnL>
-                    <a:lnR>
-                      <a:noFill/>
-                    </a:lnR>
-                    <a:lnT>
-                      <a:noFill/>
-                    </a:lnT>
-                    <a:lnB>
-                      <a:noFill/>
-                    </a:lnB>
-                    <a:noFill/>
-                  </a:tcPr>
+                  <a:tcPr marL="26818" marR="26818" marT="13409" marB="13409" anchor="ctr"/>
                 </a:tc>
                 <a:tc>
                   <a:txBody>
@@ -6720,21 +6484,7 @@
                       </a:r>
                     </a:p>
                   </a:txBody>
-                  <a:tcPr marL="26818" marR="26818" marT="13409" marB="13409" anchor="ctr">
-                    <a:lnL>
-                      <a:noFill/>
-                    </a:lnL>
-                    <a:lnR>
-                      <a:noFill/>
-                    </a:lnR>
-                    <a:lnT>
-                      <a:noFill/>
-                    </a:lnT>
-                    <a:lnB>
-                      <a:noFill/>
-                    </a:lnB>
-                    <a:noFill/>
-                  </a:tcPr>
+                  <a:tcPr marL="26818" marR="26818" marT="13409" marB="13409" anchor="ctr"/>
                 </a:tc>
                 <a:tc>
                   <a:txBody>
@@ -6747,21 +6497,7 @@
                       </a:r>
                     </a:p>
                   </a:txBody>
-                  <a:tcPr marL="26818" marR="26818" marT="13409" marB="13409" anchor="ctr">
-                    <a:lnL>
-                      <a:noFill/>
-                    </a:lnL>
-                    <a:lnR>
-                      <a:noFill/>
-                    </a:lnR>
-                    <a:lnT>
-                      <a:noFill/>
-                    </a:lnT>
-                    <a:lnB>
-                      <a:noFill/>
-                    </a:lnB>
-                    <a:noFill/>
-                  </a:tcPr>
+                  <a:tcPr marL="26818" marR="26818" marT="13409" marB="13409" anchor="ctr"/>
                 </a:tc>
                 <a:tc>
                   <a:txBody>
@@ -6774,21 +6510,7 @@
                       </a:r>
                     </a:p>
                   </a:txBody>
-                  <a:tcPr marL="26818" marR="26818" marT="13409" marB="13409" anchor="ctr">
-                    <a:lnL>
-                      <a:noFill/>
-                    </a:lnL>
-                    <a:lnR>
-                      <a:noFill/>
-                    </a:lnR>
-                    <a:lnT>
-                      <a:noFill/>
-                    </a:lnT>
-                    <a:lnB>
-                      <a:noFill/>
-                    </a:lnB>
-                    <a:noFill/>
-                  </a:tcPr>
+                  <a:tcPr marL="26818" marR="26818" marT="13409" marB="13409" anchor="ctr"/>
                 </a:tc>
                 <a:extLst>
                   <a:ext uri="{0D108BD9-81ED-4DB2-BD59-A6C34878D82A}">
@@ -6808,21 +6530,7 @@
                       </a:r>
                     </a:p>
                   </a:txBody>
-                  <a:tcPr marL="26818" marR="26818" marT="13409" marB="13409" anchor="ctr">
-                    <a:lnL>
-                      <a:noFill/>
-                    </a:lnL>
-                    <a:lnR>
-                      <a:noFill/>
-                    </a:lnR>
-                    <a:lnT>
-                      <a:noFill/>
-                    </a:lnT>
-                    <a:lnB>
-                      <a:noFill/>
-                    </a:lnB>
-                    <a:noFill/>
-                  </a:tcPr>
+                  <a:tcPr marL="26818" marR="26818" marT="13409" marB="13409" anchor="ctr"/>
                 </a:tc>
                 <a:tc>
                   <a:txBody>
@@ -6835,21 +6543,7 @@
                       </a:r>
                     </a:p>
                   </a:txBody>
-                  <a:tcPr marL="26818" marR="26818" marT="13409" marB="13409" anchor="ctr">
-                    <a:lnL>
-                      <a:noFill/>
-                    </a:lnL>
-                    <a:lnR>
-                      <a:noFill/>
-                    </a:lnR>
-                    <a:lnT>
-                      <a:noFill/>
-                    </a:lnT>
-                    <a:lnB>
-                      <a:noFill/>
-                    </a:lnB>
-                    <a:noFill/>
-                  </a:tcPr>
+                  <a:tcPr marL="26818" marR="26818" marT="13409" marB="13409" anchor="ctr"/>
                 </a:tc>
                 <a:tc>
                   <a:txBody>
@@ -6862,21 +6556,7 @@
                       </a:r>
                     </a:p>
                   </a:txBody>
-                  <a:tcPr marL="26818" marR="26818" marT="13409" marB="13409" anchor="ctr">
-                    <a:lnL>
-                      <a:noFill/>
-                    </a:lnL>
-                    <a:lnR>
-                      <a:noFill/>
-                    </a:lnR>
-                    <a:lnT>
-                      <a:noFill/>
-                    </a:lnT>
-                    <a:lnB>
-                      <a:noFill/>
-                    </a:lnB>
-                    <a:noFill/>
-                  </a:tcPr>
+                  <a:tcPr marL="26818" marR="26818" marT="13409" marB="13409" anchor="ctr"/>
                 </a:tc>
                 <a:tc>
                   <a:txBody>
@@ -6889,21 +6569,7 @@
                       </a:r>
                     </a:p>
                   </a:txBody>
-                  <a:tcPr marL="26818" marR="26818" marT="13409" marB="13409" anchor="ctr">
-                    <a:lnL>
-                      <a:noFill/>
-                    </a:lnL>
-                    <a:lnR>
-                      <a:noFill/>
-                    </a:lnR>
-                    <a:lnT>
-                      <a:noFill/>
-                    </a:lnT>
-                    <a:lnB>
-                      <a:noFill/>
-                    </a:lnB>
-                    <a:noFill/>
-                  </a:tcPr>
+                  <a:tcPr marL="26818" marR="26818" marT="13409" marB="13409" anchor="ctr"/>
                 </a:tc>
                 <a:extLst>
                   <a:ext uri="{0D108BD9-81ED-4DB2-BD59-A6C34878D82A}">
@@ -12143,42 +11809,44 @@
             <p:ph idx="1"/>
             <p:extLst>
               <p:ext uri="{D42A27DB-BD31-4B8C-83A1-F6EECF244321}">
-                <p14:modId xmlns:p14="http://schemas.microsoft.com/office/powerpoint/2010/main" val="3359545456"/>
+                <p14:modId xmlns:p14="http://schemas.microsoft.com/office/powerpoint/2010/main" val="3187783241"/>
               </p:ext>
             </p:extLst>
           </p:nvPr>
         </p:nvGraphicFramePr>
         <p:xfrm>
           <a:off x="719191" y="1887172"/>
-          <a:ext cx="10058400" cy="4454926"/>
+          <a:ext cx="10058400" cy="3388126"/>
         </p:xfrm>
         <a:graphic>
           <a:graphicData uri="http://schemas.openxmlformats.org/drawingml/2006/table">
             <a:tbl>
-              <a:tblPr/>
+              <a:tblPr>
+                <a:tableStyleId>{8A107856-5554-42FB-B03E-39F5DBC370BA}</a:tableStyleId>
+              </a:tblPr>
               <a:tblGrid>
-                <a:gridCol w="2514600">
+                <a:gridCol w="657546">
                   <a:extLst>
                     <a:ext uri="{9D8B030D-6E8A-4147-A177-3AD203B41FA5}">
                       <a16:colId xmlns:a16="http://schemas.microsoft.com/office/drawing/2014/main" val="1759627091"/>
                     </a:ext>
                   </a:extLst>
                 </a:gridCol>
-                <a:gridCol w="2514600">
+                <a:gridCol w="3071973">
                   <a:extLst>
                     <a:ext uri="{9D8B030D-6E8A-4147-A177-3AD203B41FA5}">
                       <a16:colId xmlns:a16="http://schemas.microsoft.com/office/drawing/2014/main" val="2654238947"/>
                     </a:ext>
                   </a:extLst>
                 </a:gridCol>
-                <a:gridCol w="2514600">
+                <a:gridCol w="2989780">
                   <a:extLst>
                     <a:ext uri="{9D8B030D-6E8A-4147-A177-3AD203B41FA5}">
                       <a16:colId xmlns:a16="http://schemas.microsoft.com/office/drawing/2014/main" val="2792846738"/>
                     </a:ext>
                   </a:extLst>
                 </a:gridCol>
-                <a:gridCol w="2514600">
+                <a:gridCol w="3339101">
                   <a:extLst>
                     <a:ext uri="{9D8B030D-6E8A-4147-A177-3AD203B41FA5}">
                       <a16:colId xmlns:a16="http://schemas.microsoft.com/office/drawing/2014/main" val="786761918"/>
@@ -12199,21 +11867,7 @@
                       <a:endParaRPr lang="en-US" sz="1400" dirty="0"/>
                     </a:p>
                   </a:txBody>
-                  <a:tcPr marL="26818" marR="26818" marT="13409" marB="13409" anchor="ctr">
-                    <a:lnL>
-                      <a:noFill/>
-                    </a:lnL>
-                    <a:lnR>
-                      <a:noFill/>
-                    </a:lnR>
-                    <a:lnT>
-                      <a:noFill/>
-                    </a:lnT>
-                    <a:lnB>
-                      <a:noFill/>
-                    </a:lnB>
-                    <a:noFill/>
-                  </a:tcPr>
+                  <a:tcPr marL="26818" marR="26818" marT="13409" marB="13409" anchor="ctr"/>
                 </a:tc>
                 <a:tc>
                   <a:txBody>
@@ -12227,21 +11881,7 @@
                       <a:endParaRPr lang="en-US" sz="1400"/>
                     </a:p>
                   </a:txBody>
-                  <a:tcPr marL="26818" marR="26818" marT="13409" marB="13409" anchor="ctr">
-                    <a:lnL>
-                      <a:noFill/>
-                    </a:lnL>
-                    <a:lnR>
-                      <a:noFill/>
-                    </a:lnR>
-                    <a:lnT>
-                      <a:noFill/>
-                    </a:lnT>
-                    <a:lnB>
-                      <a:noFill/>
-                    </a:lnB>
-                    <a:noFill/>
-                  </a:tcPr>
+                  <a:tcPr marL="26818" marR="26818" marT="13409" marB="13409" anchor="ctr"/>
                 </a:tc>
                 <a:tc>
                   <a:txBody>
@@ -12255,21 +11895,7 @@
                       <a:endParaRPr lang="en-US" sz="1400"/>
                     </a:p>
                   </a:txBody>
-                  <a:tcPr marL="26818" marR="26818" marT="13409" marB="13409" anchor="ctr">
-                    <a:lnL>
-                      <a:noFill/>
-                    </a:lnL>
-                    <a:lnR>
-                      <a:noFill/>
-                    </a:lnR>
-                    <a:lnT>
-                      <a:noFill/>
-                    </a:lnT>
-                    <a:lnB>
-                      <a:noFill/>
-                    </a:lnB>
-                    <a:noFill/>
-                  </a:tcPr>
+                  <a:tcPr marL="26818" marR="26818" marT="13409" marB="13409" anchor="ctr"/>
                 </a:tc>
                 <a:tc>
                   <a:txBody>
@@ -12283,21 +11909,7 @@
                       <a:endParaRPr lang="en-US" sz="1400"/>
                     </a:p>
                   </a:txBody>
-                  <a:tcPr marL="26818" marR="26818" marT="13409" marB="13409" anchor="ctr">
-                    <a:lnL>
-                      <a:noFill/>
-                    </a:lnL>
-                    <a:lnR>
-                      <a:noFill/>
-                    </a:lnR>
-                    <a:lnT>
-                      <a:noFill/>
-                    </a:lnT>
-                    <a:lnB>
-                      <a:noFill/>
-                    </a:lnB>
-                    <a:noFill/>
-                  </a:tcPr>
+                  <a:tcPr marL="26818" marR="26818" marT="13409" marB="13409" anchor="ctr"/>
                 </a:tc>
                 <a:extLst>
                   <a:ext uri="{0D108BD9-81ED-4DB2-BD59-A6C34878D82A}">
@@ -12317,21 +11929,7 @@
                       </a:r>
                     </a:p>
                   </a:txBody>
-                  <a:tcPr marL="26818" marR="26818" marT="13409" marB="13409" anchor="ctr">
-                    <a:lnL>
-                      <a:noFill/>
-                    </a:lnL>
-                    <a:lnR>
-                      <a:noFill/>
-                    </a:lnR>
-                    <a:lnT>
-                      <a:noFill/>
-                    </a:lnT>
-                    <a:lnB>
-                      <a:noFill/>
-                    </a:lnB>
-                    <a:noFill/>
-                  </a:tcPr>
+                  <a:tcPr marL="26818" marR="26818" marT="13409" marB="13409" anchor="ctr"/>
                 </a:tc>
                 <a:tc>
                   <a:txBody>
@@ -12344,21 +11942,7 @@
                       </a:r>
                     </a:p>
                   </a:txBody>
-                  <a:tcPr marL="26818" marR="26818" marT="13409" marB="13409" anchor="ctr">
-                    <a:lnL>
-                      <a:noFill/>
-                    </a:lnL>
-                    <a:lnR>
-                      <a:noFill/>
-                    </a:lnR>
-                    <a:lnT>
-                      <a:noFill/>
-                    </a:lnT>
-                    <a:lnB>
-                      <a:noFill/>
-                    </a:lnB>
-                    <a:noFill/>
-                  </a:tcPr>
+                  <a:tcPr marL="26818" marR="26818" marT="13409" marB="13409" anchor="ctr"/>
                 </a:tc>
                 <a:tc>
                   <a:txBody>
@@ -12371,21 +11955,7 @@
                       </a:r>
                     </a:p>
                   </a:txBody>
-                  <a:tcPr marL="26818" marR="26818" marT="13409" marB="13409" anchor="ctr">
-                    <a:lnL>
-                      <a:noFill/>
-                    </a:lnL>
-                    <a:lnR>
-                      <a:noFill/>
-                    </a:lnR>
-                    <a:lnT>
-                      <a:noFill/>
-                    </a:lnT>
-                    <a:lnB>
-                      <a:noFill/>
-                    </a:lnB>
-                    <a:noFill/>
-                  </a:tcPr>
+                  <a:tcPr marL="26818" marR="26818" marT="13409" marB="13409" anchor="ctr"/>
                 </a:tc>
                 <a:tc>
                   <a:txBody>
@@ -12398,21 +11968,7 @@
                       </a:r>
                     </a:p>
                   </a:txBody>
-                  <a:tcPr marL="26818" marR="26818" marT="13409" marB="13409" anchor="ctr">
-                    <a:lnL>
-                      <a:noFill/>
-                    </a:lnL>
-                    <a:lnR>
-                      <a:noFill/>
-                    </a:lnR>
-                    <a:lnT>
-                      <a:noFill/>
-                    </a:lnT>
-                    <a:lnB>
-                      <a:noFill/>
-                    </a:lnB>
-                    <a:noFill/>
-                  </a:tcPr>
+                  <a:tcPr marL="26818" marR="26818" marT="13409" marB="13409" anchor="ctr"/>
                 </a:tc>
                 <a:extLst>
                   <a:ext uri="{0D108BD9-81ED-4DB2-BD59-A6C34878D82A}">
@@ -12432,21 +11988,7 @@
                       </a:r>
                     </a:p>
                   </a:txBody>
-                  <a:tcPr marL="26818" marR="26818" marT="13409" marB="13409" anchor="ctr">
-                    <a:lnL>
-                      <a:noFill/>
-                    </a:lnL>
-                    <a:lnR>
-                      <a:noFill/>
-                    </a:lnR>
-                    <a:lnT>
-                      <a:noFill/>
-                    </a:lnT>
-                    <a:lnB>
-                      <a:noFill/>
-                    </a:lnB>
-                    <a:noFill/>
-                  </a:tcPr>
+                  <a:tcPr marL="26818" marR="26818" marT="13409" marB="13409" anchor="ctr"/>
                 </a:tc>
                 <a:tc>
                   <a:txBody>
@@ -12459,21 +12001,7 @@
                       </a:r>
                     </a:p>
                   </a:txBody>
-                  <a:tcPr marL="26818" marR="26818" marT="13409" marB="13409" anchor="ctr">
-                    <a:lnL>
-                      <a:noFill/>
-                    </a:lnL>
-                    <a:lnR>
-                      <a:noFill/>
-                    </a:lnR>
-                    <a:lnT>
-                      <a:noFill/>
-                    </a:lnT>
-                    <a:lnB>
-                      <a:noFill/>
-                    </a:lnB>
-                    <a:noFill/>
-                  </a:tcPr>
+                  <a:tcPr marL="26818" marR="26818" marT="13409" marB="13409" anchor="ctr"/>
                 </a:tc>
                 <a:tc>
                   <a:txBody>
@@ -12486,21 +12014,7 @@
                       </a:r>
                     </a:p>
                   </a:txBody>
-                  <a:tcPr marL="26818" marR="26818" marT="13409" marB="13409" anchor="ctr">
-                    <a:lnL>
-                      <a:noFill/>
-                    </a:lnL>
-                    <a:lnR>
-                      <a:noFill/>
-                    </a:lnR>
-                    <a:lnT>
-                      <a:noFill/>
-                    </a:lnT>
-                    <a:lnB>
-                      <a:noFill/>
-                    </a:lnB>
-                    <a:noFill/>
-                  </a:tcPr>
+                  <a:tcPr marL="26818" marR="26818" marT="13409" marB="13409" anchor="ctr"/>
                 </a:tc>
                 <a:tc>
                   <a:txBody>
@@ -12513,21 +12027,7 @@
                       </a:r>
                     </a:p>
                   </a:txBody>
-                  <a:tcPr marL="26818" marR="26818" marT="13409" marB="13409" anchor="ctr">
-                    <a:lnL>
-                      <a:noFill/>
-                    </a:lnL>
-                    <a:lnR>
-                      <a:noFill/>
-                    </a:lnR>
-                    <a:lnT>
-                      <a:noFill/>
-                    </a:lnT>
-                    <a:lnB>
-                      <a:noFill/>
-                    </a:lnB>
-                    <a:noFill/>
-                  </a:tcPr>
+                  <a:tcPr marL="26818" marR="26818" marT="13409" marB="13409" anchor="ctr"/>
                 </a:tc>
                 <a:extLst>
                   <a:ext uri="{0D108BD9-81ED-4DB2-BD59-A6C34878D82A}">
@@ -12547,21 +12047,7 @@
                       </a:r>
                     </a:p>
                   </a:txBody>
-                  <a:tcPr marL="26818" marR="26818" marT="13409" marB="13409" anchor="ctr">
-                    <a:lnL>
-                      <a:noFill/>
-                    </a:lnL>
-                    <a:lnR>
-                      <a:noFill/>
-                    </a:lnR>
-                    <a:lnT>
-                      <a:noFill/>
-                    </a:lnT>
-                    <a:lnB>
-                      <a:noFill/>
-                    </a:lnB>
-                    <a:noFill/>
-                  </a:tcPr>
+                  <a:tcPr marL="26818" marR="26818" marT="13409" marB="13409" anchor="ctr"/>
                 </a:tc>
                 <a:tc>
                   <a:txBody>
@@ -12569,26 +12055,12 @@
                     <a:lstStyle/>
                     <a:p>
                       <a:r>
-                        <a:rPr lang="en-US" sz="1400"/>
+                        <a:rPr lang="en-US" sz="1400" dirty="0"/>
                         <a:t>Symmetric Key Generation (Blowfish key)</a:t>
                       </a:r>
                     </a:p>
                   </a:txBody>
-                  <a:tcPr marL="26818" marR="26818" marT="13409" marB="13409" anchor="ctr">
-                    <a:lnL>
-                      <a:noFill/>
-                    </a:lnL>
-                    <a:lnR>
-                      <a:noFill/>
-                    </a:lnR>
-                    <a:lnT>
-                      <a:noFill/>
-                    </a:lnT>
-                    <a:lnB>
-                      <a:noFill/>
-                    </a:lnB>
-                    <a:noFill/>
-                  </a:tcPr>
+                  <a:tcPr marL="26818" marR="26818" marT="13409" marB="13409" anchor="ctr"/>
                 </a:tc>
                 <a:tc>
                   <a:txBody>
@@ -12601,21 +12073,7 @@
                       </a:r>
                     </a:p>
                   </a:txBody>
-                  <a:tcPr marL="26818" marR="26818" marT="13409" marB="13409" anchor="ctr">
-                    <a:lnL>
-                      <a:noFill/>
-                    </a:lnL>
-                    <a:lnR>
-                      <a:noFill/>
-                    </a:lnR>
-                    <a:lnT>
-                      <a:noFill/>
-                    </a:lnT>
-                    <a:lnB>
-                      <a:noFill/>
-                    </a:lnB>
-                    <a:noFill/>
-                  </a:tcPr>
+                  <a:tcPr marL="26818" marR="26818" marT="13409" marB="13409" anchor="ctr"/>
                 </a:tc>
                 <a:tc>
                   <a:txBody>
@@ -12628,21 +12086,7 @@
                       </a:r>
                     </a:p>
                   </a:txBody>
-                  <a:tcPr marL="26818" marR="26818" marT="13409" marB="13409" anchor="ctr">
-                    <a:lnL>
-                      <a:noFill/>
-                    </a:lnL>
-                    <a:lnR>
-                      <a:noFill/>
-                    </a:lnR>
-                    <a:lnT>
-                      <a:noFill/>
-                    </a:lnT>
-                    <a:lnB>
-                      <a:noFill/>
-                    </a:lnB>
-                    <a:noFill/>
-                  </a:tcPr>
+                  <a:tcPr marL="26818" marR="26818" marT="13409" marB="13409" anchor="ctr"/>
                 </a:tc>
                 <a:extLst>
                   <a:ext uri="{0D108BD9-81ED-4DB2-BD59-A6C34878D82A}">
@@ -12662,21 +12106,7 @@
                       </a:r>
                     </a:p>
                   </a:txBody>
-                  <a:tcPr marL="26818" marR="26818" marT="13409" marB="13409" anchor="ctr">
-                    <a:lnL>
-                      <a:noFill/>
-                    </a:lnL>
-                    <a:lnR>
-                      <a:noFill/>
-                    </a:lnR>
-                    <a:lnT>
-                      <a:noFill/>
-                    </a:lnT>
-                    <a:lnB>
-                      <a:noFill/>
-                    </a:lnB>
-                    <a:noFill/>
-                  </a:tcPr>
+                  <a:tcPr marL="26818" marR="26818" marT="13409" marB="13409" anchor="ctr"/>
                 </a:tc>
                 <a:tc>
                   <a:txBody>
@@ -12689,21 +12119,7 @@
                       </a:r>
                     </a:p>
                   </a:txBody>
-                  <a:tcPr marL="26818" marR="26818" marT="13409" marB="13409" anchor="ctr">
-                    <a:lnL>
-                      <a:noFill/>
-                    </a:lnL>
-                    <a:lnR>
-                      <a:noFill/>
-                    </a:lnR>
-                    <a:lnT>
-                      <a:noFill/>
-                    </a:lnT>
-                    <a:lnB>
-                      <a:noFill/>
-                    </a:lnB>
-                    <a:noFill/>
-                  </a:tcPr>
+                  <a:tcPr marL="26818" marR="26818" marT="13409" marB="13409" anchor="ctr"/>
                 </a:tc>
                 <a:tc>
                   <a:txBody>
@@ -12711,26 +12127,12 @@
                     <a:lstStyle/>
                     <a:p>
                       <a:r>
-                        <a:rPr lang="en-US" sz="1400"/>
+                        <a:rPr lang="en-US" sz="1400" dirty="0"/>
                         <a:t>- Chosen plaintext/ciphertext attack (if using ECB)- Key reuse- Padding oracle</a:t>
                       </a:r>
                     </a:p>
                   </a:txBody>
-                  <a:tcPr marL="26818" marR="26818" marT="13409" marB="13409" anchor="ctr">
-                    <a:lnL>
-                      <a:noFill/>
-                    </a:lnL>
-                    <a:lnR>
-                      <a:noFill/>
-                    </a:lnR>
-                    <a:lnT>
-                      <a:noFill/>
-                    </a:lnT>
-                    <a:lnB>
-                      <a:noFill/>
-                    </a:lnB>
-                    <a:noFill/>
-                  </a:tcPr>
+                  <a:tcPr marL="26818" marR="26818" marT="13409" marB="13409" anchor="ctr"/>
                 </a:tc>
                 <a:tc>
                   <a:txBody>
@@ -12743,21 +12145,7 @@
                       </a:r>
                     </a:p>
                   </a:txBody>
-                  <a:tcPr marL="26818" marR="26818" marT="13409" marB="13409" anchor="ctr">
-                    <a:lnL>
-                      <a:noFill/>
-                    </a:lnL>
-                    <a:lnR>
-                      <a:noFill/>
-                    </a:lnR>
-                    <a:lnT>
-                      <a:noFill/>
-                    </a:lnT>
-                    <a:lnB>
-                      <a:noFill/>
-                    </a:lnB>
-                    <a:noFill/>
-                  </a:tcPr>
+                  <a:tcPr marL="26818" marR="26818" marT="13409" marB="13409" anchor="ctr"/>
                 </a:tc>
                 <a:extLst>
                   <a:ext uri="{0D108BD9-81ED-4DB2-BD59-A6C34878D82A}">
@@ -12777,21 +12165,7 @@
                       </a:r>
                     </a:p>
                   </a:txBody>
-                  <a:tcPr marL="26818" marR="26818" marT="13409" marB="13409" anchor="ctr">
-                    <a:lnL>
-                      <a:noFill/>
-                    </a:lnL>
-                    <a:lnR>
-                      <a:noFill/>
-                    </a:lnR>
-                    <a:lnT>
-                      <a:noFill/>
-                    </a:lnT>
-                    <a:lnB>
-                      <a:noFill/>
-                    </a:lnB>
-                    <a:noFill/>
-                  </a:tcPr>
+                  <a:tcPr marL="26818" marR="26818" marT="13409" marB="13409" anchor="ctr"/>
                 </a:tc>
                 <a:tc>
                   <a:txBody>
@@ -12808,21 +12182,7 @@
                       </a:r>
                     </a:p>
                   </a:txBody>
-                  <a:tcPr marL="26818" marR="26818" marT="13409" marB="13409" anchor="ctr">
-                    <a:lnL>
-                      <a:noFill/>
-                    </a:lnL>
-                    <a:lnR>
-                      <a:noFill/>
-                    </a:lnR>
-                    <a:lnT>
-                      <a:noFill/>
-                    </a:lnT>
-                    <a:lnB>
-                      <a:noFill/>
-                    </a:lnB>
-                    <a:noFill/>
-                  </a:tcPr>
+                  <a:tcPr marL="26818" marR="26818" marT="13409" marB="13409" anchor="ctr"/>
                 </a:tc>
                 <a:tc>
                   <a:txBody>
@@ -12835,21 +12195,7 @@
                       </a:r>
                     </a:p>
                   </a:txBody>
-                  <a:tcPr marL="26818" marR="26818" marT="13409" marB="13409" anchor="ctr">
-                    <a:lnL>
-                      <a:noFill/>
-                    </a:lnL>
-                    <a:lnR>
-                      <a:noFill/>
-                    </a:lnR>
-                    <a:lnT>
-                      <a:noFill/>
-                    </a:lnT>
-                    <a:lnB>
-                      <a:noFill/>
-                    </a:lnB>
-                    <a:noFill/>
-                  </a:tcPr>
+                  <a:tcPr marL="26818" marR="26818" marT="13409" marB="13409" anchor="ctr"/>
                 </a:tc>
                 <a:tc>
                   <a:txBody>
@@ -12862,21 +12208,7 @@
                       </a:r>
                     </a:p>
                   </a:txBody>
-                  <a:tcPr marL="26818" marR="26818" marT="13409" marB="13409" anchor="ctr">
-                    <a:lnL>
-                      <a:noFill/>
-                    </a:lnL>
-                    <a:lnR>
-                      <a:noFill/>
-                    </a:lnR>
-                    <a:lnT>
-                      <a:noFill/>
-                    </a:lnT>
-                    <a:lnB>
-                      <a:noFill/>
-                    </a:lnB>
-                    <a:noFill/>
-                  </a:tcPr>
+                  <a:tcPr marL="26818" marR="26818" marT="13409" marB="13409" anchor="ctr"/>
                 </a:tc>
                 <a:extLst>
                   <a:ext uri="{0D108BD9-81ED-4DB2-BD59-A6C34878D82A}">
@@ -12896,21 +12228,7 @@
                       </a:r>
                     </a:p>
                   </a:txBody>
-                  <a:tcPr marL="26818" marR="26818" marT="13409" marB="13409" anchor="ctr">
-                    <a:lnL>
-                      <a:noFill/>
-                    </a:lnL>
-                    <a:lnR>
-                      <a:noFill/>
-                    </a:lnR>
-                    <a:lnT>
-                      <a:noFill/>
-                    </a:lnT>
-                    <a:lnB>
-                      <a:noFill/>
-                    </a:lnB>
-                    <a:noFill/>
-                  </a:tcPr>
+                  <a:tcPr marL="26818" marR="26818" marT="13409" marB="13409" anchor="ctr"/>
                 </a:tc>
                 <a:tc>
                   <a:txBody>
@@ -12923,21 +12241,7 @@
                       </a:r>
                     </a:p>
                   </a:txBody>
-                  <a:tcPr marL="26818" marR="26818" marT="13409" marB="13409" anchor="ctr">
-                    <a:lnL>
-                      <a:noFill/>
-                    </a:lnL>
-                    <a:lnR>
-                      <a:noFill/>
-                    </a:lnR>
-                    <a:lnT>
-                      <a:noFill/>
-                    </a:lnT>
-                    <a:lnB>
-                      <a:noFill/>
-                    </a:lnB>
-                    <a:noFill/>
-                  </a:tcPr>
+                  <a:tcPr marL="26818" marR="26818" marT="13409" marB="13409" anchor="ctr"/>
                 </a:tc>
                 <a:tc>
                   <a:txBody>
@@ -12950,21 +12254,7 @@
                       </a:r>
                     </a:p>
                   </a:txBody>
-                  <a:tcPr marL="26818" marR="26818" marT="13409" marB="13409" anchor="ctr">
-                    <a:lnL>
-                      <a:noFill/>
-                    </a:lnL>
-                    <a:lnR>
-                      <a:noFill/>
-                    </a:lnR>
-                    <a:lnT>
-                      <a:noFill/>
-                    </a:lnT>
-                    <a:lnB>
-                      <a:noFill/>
-                    </a:lnB>
-                    <a:noFill/>
-                  </a:tcPr>
+                  <a:tcPr marL="26818" marR="26818" marT="13409" marB="13409" anchor="ctr"/>
                 </a:tc>
                 <a:tc>
                   <a:txBody>
@@ -12977,21 +12267,7 @@
                       </a:r>
                     </a:p>
                   </a:txBody>
-                  <a:tcPr marL="26818" marR="26818" marT="13409" marB="13409" anchor="ctr">
-                    <a:lnL>
-                      <a:noFill/>
-                    </a:lnL>
-                    <a:lnR>
-                      <a:noFill/>
-                    </a:lnR>
-                    <a:lnT>
-                      <a:noFill/>
-                    </a:lnT>
-                    <a:lnB>
-                      <a:noFill/>
-                    </a:lnB>
-                    <a:noFill/>
-                  </a:tcPr>
+                  <a:tcPr marL="26818" marR="26818" marT="13409" marB="13409" anchor="ctr"/>
                 </a:tc>
                 <a:extLst>
                   <a:ext uri="{0D108BD9-81ED-4DB2-BD59-A6C34878D82A}">

--- a/CryptoPresentation_Omer.pptx
+++ b/CryptoPresentation_Omer.pptx
@@ -5,27 +5,28 @@
     <p:sldMasterId id="2147483701" r:id="rId4"/>
   </p:sldMasterIdLst>
   <p:notesMasterIdLst>
-    <p:notesMasterId r:id="rId23"/>
+    <p:notesMasterId r:id="rId24"/>
   </p:notesMasterIdLst>
   <p:sldIdLst>
     <p:sldId id="257" r:id="rId5"/>
     <p:sldId id="277" r:id="rId6"/>
     <p:sldId id="293" r:id="rId7"/>
-    <p:sldId id="288" r:id="rId8"/>
-    <p:sldId id="289" r:id="rId9"/>
-    <p:sldId id="279" r:id="rId10"/>
-    <p:sldId id="287" r:id="rId11"/>
-    <p:sldId id="286" r:id="rId12"/>
-    <p:sldId id="290" r:id="rId13"/>
-    <p:sldId id="291" r:id="rId14"/>
-    <p:sldId id="292" r:id="rId15"/>
-    <p:sldId id="284" r:id="rId16"/>
-    <p:sldId id="278" r:id="rId17"/>
-    <p:sldId id="280" r:id="rId18"/>
-    <p:sldId id="281" r:id="rId19"/>
-    <p:sldId id="282" r:id="rId20"/>
-    <p:sldId id="285" r:id="rId21"/>
-    <p:sldId id="283" r:id="rId22"/>
+    <p:sldId id="294" r:id="rId8"/>
+    <p:sldId id="288" r:id="rId9"/>
+    <p:sldId id="289" r:id="rId10"/>
+    <p:sldId id="279" r:id="rId11"/>
+    <p:sldId id="287" r:id="rId12"/>
+    <p:sldId id="286" r:id="rId13"/>
+    <p:sldId id="290" r:id="rId14"/>
+    <p:sldId id="291" r:id="rId15"/>
+    <p:sldId id="292" r:id="rId16"/>
+    <p:sldId id="284" r:id="rId17"/>
+    <p:sldId id="278" r:id="rId18"/>
+    <p:sldId id="280" r:id="rId19"/>
+    <p:sldId id="281" r:id="rId20"/>
+    <p:sldId id="282" r:id="rId21"/>
+    <p:sldId id="285" r:id="rId22"/>
+    <p:sldId id="283" r:id="rId23"/>
   </p:sldIdLst>
   <p:sldSz cx="12192000" cy="6858000"/>
   <p:notesSz cx="6858000" cy="9144000"/>
@@ -222,7 +223,7 @@
           <a:p>
             <a:fld id="{5ADED4D3-2E32-4AE2-9355-559E747A8267}" type="datetimeFigureOut">
               <a:rPr lang="en-US" smtClean="0"/>
-              <a:t>5/16/2025</a:t>
+              <a:t>5/24/2025</a:t>
             </a:fld>
             <a:endParaRPr lang="en-US"/>
           </a:p>
@@ -630,57 +631,50 @@
             </a:pPr>
             <a:r>
               <a:rPr lang="en-US" dirty="0"/>
-              <a:t>Once the plaintext message is encrypted using the Blowfish symmetric cipher, the result is a </a:t>
+              <a:t>The original message is a plaintext string representing the content of an email. In real-world applications, this could be a subject line, a short paragraph, or any piece of text. For demonstration purposes, we use a simple text message to show how it is processed through encryption, key delivery, and digital signing.</a:t>
+            </a:r>
+          </a:p>
+          <a:p>
+            <a:r>
+              <a:rPr lang="en-US" dirty="0"/>
+              <a:t>The message must be encrypted to ensure </a:t>
             </a:r>
             <a:r>
               <a:rPr lang="en-US" b="1" dirty="0"/>
-              <a:t>non-readable block of ciphertext</a:t>
-            </a:r>
-            <a:r>
-              <a:rPr lang="en-US" dirty="0"/>
-              <a:t>. This ciphertext appears as a random string of characters and symbols — not meaningful to anyone without the key.</a:t>
-            </a:r>
-          </a:p>
-          <a:p>
-            <a:pPr>
-              <a:buNone/>
-            </a:pPr>
-            <a:r>
-              <a:rPr lang="en-US" dirty="0"/>
-              <a:t>Encryption is done using a </a:t>
+              <a:t>confidentiality</a:t>
+            </a:r>
+            <a:r>
+              <a:rPr lang="en-US" dirty="0"/>
+              <a:t>, and should be </a:t>
             </a:r>
             <a:r>
               <a:rPr lang="en-US" b="1" dirty="0"/>
-              <a:t>randomly generated Blowfish key</a:t>
-            </a:r>
-            <a:r>
-              <a:rPr lang="en-US" dirty="0"/>
-              <a:t>, and the same key must later be used to decrypt the message. Since symmetric keys cannot be shared openly, the Blowfish key is encrypted using the </a:t>
-            </a:r>
-            <a:r>
-              <a:rPr lang="en-US" dirty="0" err="1"/>
-              <a:t>McEliece</a:t>
-            </a:r>
-            <a:r>
-              <a:rPr lang="en-US" dirty="0"/>
-              <a:t> public-key system.</a:t>
-            </a:r>
-          </a:p>
-          <a:p>
-            <a:r>
-              <a:rPr lang="en-US" dirty="0"/>
-              <a:t>This step ensures that even if someone intercepts the message, they cannot understand it without the Blowfish key — and they can't access the key unless they can break </a:t>
-            </a:r>
-            <a:r>
-              <a:rPr lang="en-US" dirty="0" err="1"/>
-              <a:t>McEliece</a:t>
-            </a:r>
-            <a:r>
-              <a:rPr lang="en-US" dirty="0"/>
-              <a:t> encryption (which is considered quantum-safe).</a:t>
-            </a:r>
-          </a:p>
-          <a:p>
+              <a:t>digitally signed</a:t>
+            </a:r>
+            <a:r>
+              <a:rPr lang="en-US" dirty="0"/>
+              <a:t> to guarantee </a:t>
+            </a:r>
+            <a:r>
+              <a:rPr lang="en-US" b="1" dirty="0"/>
+              <a:t>authenticity and integrity</a:t>
+            </a:r>
+            <a:r>
+              <a:rPr lang="en-US" dirty="0"/>
+              <a:t>.</a:t>
+            </a:r>
+          </a:p>
+          <a:p>
+            <a:endParaRPr lang="en-US" dirty="0"/>
+          </a:p>
+          <a:p>
+            <a:endParaRPr lang="en-US" dirty="0"/>
+          </a:p>
+          <a:p>
+            <a:r>
+              <a:rPr lang="en-US" dirty="0"/>
+              <a:t>Waiting for script</a:t>
+            </a:r>
             <a:endParaRPr lang="he-IL" dirty="0"/>
           </a:p>
         </p:txBody>
@@ -711,7 +705,7 @@
     </p:spTree>
     <p:extLst>
       <p:ext uri="{BB962C8B-B14F-4D97-AF65-F5344CB8AC3E}">
-        <p14:creationId xmlns:p14="http://schemas.microsoft.com/office/powerpoint/2010/main" val="550502804"/>
+        <p14:creationId xmlns:p14="http://schemas.microsoft.com/office/powerpoint/2010/main" val="3116880650"/>
       </p:ext>
     </p:extLst>
   </p:cSld>
@@ -770,100 +764,54 @@
             </a:pPr>
             <a:r>
               <a:rPr lang="en-US" dirty="0"/>
-              <a:t>To decipher the message, the receiver (Bob) performs three critical steps:</a:t>
+              <a:t>Once the plaintext message is encrypted using the Blowfish symmetric cipher, the result is a </a:t>
+            </a:r>
+            <a:r>
+              <a:rPr lang="en-US" b="1" dirty="0"/>
+              <a:t>non-readable block of ciphertext</a:t>
+            </a:r>
+            <a:r>
+              <a:rPr lang="en-US" dirty="0"/>
+              <a:t>. This ciphertext appears as a random string of characters and symbols — not meaningful to anyone without the key.</a:t>
             </a:r>
           </a:p>
           <a:p>
             <a:pPr>
-              <a:buFont typeface="+mj-lt"/>
-              <a:buAutoNum type="arabicPeriod"/>
+              <a:buNone/>
             </a:pPr>
             <a:r>
+              <a:rPr lang="en-US" dirty="0"/>
+              <a:t>Encryption is done using a </a:t>
+            </a:r>
+            <a:r>
               <a:rPr lang="en-US" b="1" dirty="0"/>
-              <a:t>Recover the Blowfish key</a:t>
-            </a:r>
-            <a:br>
-              <a:rPr lang="en-US" dirty="0"/>
-            </a:br>
-            <a:r>
-              <a:rPr lang="en-US" dirty="0"/>
-              <a:t>Using his </a:t>
-            </a:r>
-            <a:r>
-              <a:rPr lang="en-US" b="1" dirty="0"/>
-              <a:t>private </a:t>
-            </a:r>
-            <a:r>
-              <a:rPr lang="en-US" b="1" dirty="0" err="1"/>
+              <a:t>randomly generated Blowfish key</a:t>
+            </a:r>
+            <a:r>
+              <a:rPr lang="en-US" dirty="0"/>
+              <a:t>, and the same key must later be used to decrypt the message. Since symmetric keys cannot be shared openly, the Blowfish key is encrypted using the </a:t>
+            </a:r>
+            <a:r>
+              <a:rPr lang="en-US" dirty="0" err="1"/>
               <a:t>McEliece</a:t>
             </a:r>
             <a:r>
-              <a:rPr lang="en-US" b="1" dirty="0"/>
-              <a:t> key</a:t>
-            </a:r>
-            <a:r>
-              <a:rPr lang="en-US" dirty="0"/>
-              <a:t>, Bob decrypts the encrypted Blowfish key that was sent by Alice. Only Bob can perform this decryption, because only he possesses the correct private key.</a:t>
-            </a:r>
-          </a:p>
-          <a:p>
-            <a:pPr>
-              <a:buFont typeface="+mj-lt"/>
-              <a:buAutoNum type="arabicPeriod"/>
-            </a:pPr>
-            <a:r>
-              <a:rPr lang="en-US" b="1" dirty="0"/>
-              <a:t>Decrypt the message</a:t>
-            </a:r>
-            <a:br>
-              <a:rPr lang="en-US" dirty="0"/>
-            </a:br>
-            <a:r>
-              <a:rPr lang="en-US" dirty="0"/>
-              <a:t>With the recovered Blowfish key, Bob decrypts the ciphertext. Blowfish is symmetric, so the same key used for encryption is now used for decryption.</a:t>
-            </a:r>
-          </a:p>
-          <a:p>
-            <a:pPr>
-              <a:buFont typeface="+mj-lt"/>
-              <a:buAutoNum type="arabicPeriod"/>
-            </a:pPr>
-            <a:r>
-              <a:rPr lang="en-US" b="1" dirty="0"/>
-              <a:t>Verify the signature</a:t>
-            </a:r>
-            <a:br>
-              <a:rPr lang="en-US" dirty="0"/>
-            </a:br>
-            <a:r>
-              <a:rPr lang="en-US" dirty="0"/>
-              <a:t>Before trusting the decrypted content, Bob verifies the digital signature using Alice’s public ECDSA key. This ensures that:</a:t>
-            </a:r>
-          </a:p>
-          <a:p>
-            <a:pPr marL="742950" lvl="1" indent="-285750">
-              <a:buFont typeface="+mj-lt"/>
-              <a:buAutoNum type="arabicPeriod"/>
-            </a:pPr>
-            <a:r>
-              <a:rPr lang="en-US" dirty="0"/>
-              <a:t>The message truly came from Alice (authenticity)</a:t>
-            </a:r>
-          </a:p>
-          <a:p>
-            <a:pPr marL="742950" lvl="1" indent="-285750">
-              <a:buFont typeface="+mj-lt"/>
-              <a:buAutoNum type="arabicPeriod"/>
-            </a:pPr>
-            <a:r>
-              <a:rPr lang="en-US" dirty="0"/>
-              <a:t>The message has not been altered (integrity)</a:t>
-            </a:r>
-          </a:p>
-          <a:p>
-            <a:r>
-              <a:rPr lang="en-US" dirty="0"/>
-              <a:t>Only if the signature is valid does Bob consider the message trustworthy.</a:t>
+              <a:rPr lang="en-US" dirty="0"/>
+              <a:t> public-key system.</a:t>
+            </a:r>
+          </a:p>
+          <a:p>
+            <a:r>
+              <a:rPr lang="en-US" dirty="0"/>
+              <a:t>This step ensures that even if someone intercepts the message, they cannot understand it without the Blowfish key — and they can't access the key unless they can break </a:t>
+            </a:r>
+            <a:r>
+              <a:rPr lang="en-US" dirty="0" err="1"/>
+              <a:t>McEliece</a:t>
+            </a:r>
+            <a:r>
+              <a:rPr lang="en-US" dirty="0"/>
+              <a:t> encryption (which is considered quantum-safe).</a:t>
             </a:r>
           </a:p>
           <a:p>
@@ -897,7 +845,7 @@
     </p:spTree>
     <p:extLst>
       <p:ext uri="{BB962C8B-B14F-4D97-AF65-F5344CB8AC3E}">
-        <p14:creationId xmlns:p14="http://schemas.microsoft.com/office/powerpoint/2010/main" val="58447891"/>
+        <p14:creationId xmlns:p14="http://schemas.microsoft.com/office/powerpoint/2010/main" val="550502804"/>
       </p:ext>
     </p:extLst>
   </p:cSld>
@@ -956,6 +904,192 @@
             </a:pPr>
             <a:r>
               <a:rPr lang="en-US" dirty="0"/>
+              <a:t>To decipher the message, the receiver (Bob) performs three critical steps:</a:t>
+            </a:r>
+          </a:p>
+          <a:p>
+            <a:pPr>
+              <a:buFont typeface="+mj-lt"/>
+              <a:buAutoNum type="arabicPeriod"/>
+            </a:pPr>
+            <a:r>
+              <a:rPr lang="en-US" b="1" dirty="0"/>
+              <a:t>Recover the Blowfish key</a:t>
+            </a:r>
+            <a:br>
+              <a:rPr lang="en-US" dirty="0"/>
+            </a:br>
+            <a:r>
+              <a:rPr lang="en-US" dirty="0"/>
+              <a:t>Using his </a:t>
+            </a:r>
+            <a:r>
+              <a:rPr lang="en-US" b="1" dirty="0"/>
+              <a:t>private </a:t>
+            </a:r>
+            <a:r>
+              <a:rPr lang="en-US" b="1" dirty="0" err="1"/>
+              <a:t>McEliece</a:t>
+            </a:r>
+            <a:r>
+              <a:rPr lang="en-US" b="1" dirty="0"/>
+              <a:t> key</a:t>
+            </a:r>
+            <a:r>
+              <a:rPr lang="en-US" dirty="0"/>
+              <a:t>, Bob decrypts the encrypted Blowfish key that was sent by Alice. Only Bob can perform this decryption, because only he possesses the correct private key.</a:t>
+            </a:r>
+          </a:p>
+          <a:p>
+            <a:pPr>
+              <a:buFont typeface="+mj-lt"/>
+              <a:buAutoNum type="arabicPeriod"/>
+            </a:pPr>
+            <a:r>
+              <a:rPr lang="en-US" b="1" dirty="0"/>
+              <a:t>Decrypt the message</a:t>
+            </a:r>
+            <a:br>
+              <a:rPr lang="en-US" dirty="0"/>
+            </a:br>
+            <a:r>
+              <a:rPr lang="en-US" dirty="0"/>
+              <a:t>With the recovered Blowfish key, Bob decrypts the ciphertext. Blowfish is symmetric, so the same key used for encryption is now used for decryption.</a:t>
+            </a:r>
+          </a:p>
+          <a:p>
+            <a:pPr>
+              <a:buFont typeface="+mj-lt"/>
+              <a:buAutoNum type="arabicPeriod"/>
+            </a:pPr>
+            <a:r>
+              <a:rPr lang="en-US" b="1" dirty="0"/>
+              <a:t>Verify the signature</a:t>
+            </a:r>
+            <a:br>
+              <a:rPr lang="en-US" dirty="0"/>
+            </a:br>
+            <a:r>
+              <a:rPr lang="en-US" dirty="0"/>
+              <a:t>Before trusting the decrypted content, Bob verifies the digital signature using Alice’s public ECDSA key. This ensures that:</a:t>
+            </a:r>
+          </a:p>
+          <a:p>
+            <a:pPr marL="742950" lvl="1" indent="-285750">
+              <a:buFont typeface="+mj-lt"/>
+              <a:buAutoNum type="arabicPeriod"/>
+            </a:pPr>
+            <a:r>
+              <a:rPr lang="en-US" dirty="0"/>
+              <a:t>The message truly came from Alice (authenticity)</a:t>
+            </a:r>
+          </a:p>
+          <a:p>
+            <a:pPr marL="742950" lvl="1" indent="-285750">
+              <a:buFont typeface="+mj-lt"/>
+              <a:buAutoNum type="arabicPeriod"/>
+            </a:pPr>
+            <a:r>
+              <a:rPr lang="en-US" dirty="0"/>
+              <a:t>The message has not been altered (integrity)</a:t>
+            </a:r>
+          </a:p>
+          <a:p>
+            <a:r>
+              <a:rPr lang="en-US" dirty="0"/>
+              <a:t>Only if the signature is valid does Bob consider the message trustworthy.</a:t>
+            </a:r>
+          </a:p>
+          <a:p>
+            <a:endParaRPr lang="he-IL" dirty="0"/>
+          </a:p>
+        </p:txBody>
+      </p:sp>
+      <p:sp>
+        <p:nvSpPr>
+          <p:cNvPr id="4" name="מציין מיקום של מספר שקופית 3"/>
+          <p:cNvSpPr>
+            <a:spLocks noGrp="1"/>
+          </p:cNvSpPr>
+          <p:nvPr>
+            <p:ph type="sldNum" sz="quarter" idx="5"/>
+          </p:nvPr>
+        </p:nvSpPr>
+        <p:spPr/>
+        <p:txBody>
+          <a:bodyPr/>
+          <a:lstStyle/>
+          <a:p>
+            <a:fld id="{0050DDF3-CFC3-40C0-B288-2F43B4469CD4}" type="slidenum">
+              <a:rPr lang="en-US" smtClean="0"/>
+              <a:t>16</a:t>
+            </a:fld>
+            <a:endParaRPr lang="en-US"/>
+          </a:p>
+        </p:txBody>
+      </p:sp>
+    </p:spTree>
+    <p:extLst>
+      <p:ext uri="{BB962C8B-B14F-4D97-AF65-F5344CB8AC3E}">
+        <p14:creationId xmlns:p14="http://schemas.microsoft.com/office/powerpoint/2010/main" val="58447891"/>
+      </p:ext>
+    </p:extLst>
+  </p:cSld>
+  <p:clrMapOvr>
+    <a:masterClrMapping/>
+  </p:clrMapOvr>
+</p:notes>
+</file>
+
+<file path=ppt/notesSlides/notesSlide13.xml><?xml version="1.0" encoding="utf-8"?>
+<p:notes xmlns:a="http://schemas.openxmlformats.org/drawingml/2006/main" xmlns:r="http://schemas.openxmlformats.org/officeDocument/2006/relationships" xmlns:p="http://schemas.openxmlformats.org/presentationml/2006/main">
+  <p:cSld>
+    <p:spTree>
+      <p:nvGrpSpPr>
+        <p:cNvPr id="1" name=""/>
+        <p:cNvGrpSpPr/>
+        <p:nvPr/>
+      </p:nvGrpSpPr>
+      <p:grpSpPr>
+        <a:xfrm>
+          <a:off x="0" y="0"/>
+          <a:ext cx="0" cy="0"/>
+          <a:chOff x="0" y="0"/>
+          <a:chExt cx="0" cy="0"/>
+        </a:xfrm>
+      </p:grpSpPr>
+      <p:sp>
+        <p:nvSpPr>
+          <p:cNvPr id="2" name="מציין מיקום של תמונת שקופית 1"/>
+          <p:cNvSpPr>
+            <a:spLocks noGrp="1" noRot="1" noChangeAspect="1"/>
+          </p:cNvSpPr>
+          <p:nvPr>
+            <p:ph type="sldImg"/>
+          </p:nvPr>
+        </p:nvSpPr>
+        <p:spPr/>
+      </p:sp>
+      <p:sp>
+        <p:nvSpPr>
+          <p:cNvPr id="3" name="מציין מיקום של הערות 2"/>
+          <p:cNvSpPr>
+            <a:spLocks noGrp="1"/>
+          </p:cNvSpPr>
+          <p:nvPr>
+            <p:ph type="body" idx="1"/>
+          </p:nvPr>
+        </p:nvSpPr>
+        <p:spPr/>
+        <p:txBody>
+          <a:bodyPr/>
+          <a:lstStyle/>
+          <a:p>
+            <a:pPr>
+              <a:buNone/>
+            </a:pPr>
+            <a:r>
+              <a:rPr lang="en-US" dirty="0"/>
               <a:t>Digital signatures are used in our system to make sure that:</a:t>
             </a:r>
           </a:p>
@@ -1016,7 +1150,7 @@
           <a:p>
             <a:fld id="{0050DDF3-CFC3-40C0-B288-2F43B4469CD4}" type="slidenum">
               <a:rPr lang="en-US" smtClean="0"/>
-              <a:t>16</a:t>
+              <a:t>17</a:t>
             </a:fld>
             <a:endParaRPr lang="en-US"/>
           </a:p>
@@ -1035,7 +1169,7 @@
 </p:notes>
 </file>
 
-<file path=ppt/notesSlides/notesSlide13.xml><?xml version="1.0" encoding="utf-8"?>
+<file path=ppt/notesSlides/notesSlide14.xml><?xml version="1.0" encoding="utf-8"?>
 <p:notes xmlns:a="http://schemas.openxmlformats.org/drawingml/2006/main" xmlns:r="http://schemas.openxmlformats.org/officeDocument/2006/relationships" xmlns:p="http://schemas.openxmlformats.org/presentationml/2006/main">
   <p:cSld>
     <p:spTree>
@@ -1284,7 +1418,7 @@
           <a:p>
             <a:fld id="{0050DDF3-CFC3-40C0-B288-2F43B4469CD4}" type="slidenum">
               <a:rPr lang="en-US" smtClean="0"/>
-              <a:t>17</a:t>
+              <a:t>18</a:t>
             </a:fld>
             <a:endParaRPr lang="en-US"/>
           </a:p>
@@ -1461,6 +1595,114 @@
   <p:cSld>
     <p:spTree>
       <p:nvGrpSpPr>
+        <p:cNvPr id="1" name="">
+          <a:extLst>
+            <a:ext uri="{FF2B5EF4-FFF2-40B4-BE49-F238E27FC236}">
+              <a16:creationId xmlns:a16="http://schemas.microsoft.com/office/drawing/2014/main" id="{E6F8110A-88B0-D74A-D296-4EF11559BD1C}"/>
+            </a:ext>
+          </a:extLst>
+        </p:cNvPr>
+        <p:cNvGrpSpPr/>
+        <p:nvPr/>
+      </p:nvGrpSpPr>
+      <p:grpSpPr>
+        <a:xfrm>
+          <a:off x="0" y="0"/>
+          <a:ext cx="0" cy="0"/>
+          <a:chOff x="0" y="0"/>
+          <a:chExt cx="0" cy="0"/>
+        </a:xfrm>
+      </p:grpSpPr>
+      <p:sp>
+        <p:nvSpPr>
+          <p:cNvPr id="2" name="מציין מיקום של תמונת שקופית 1">
+            <a:extLst>
+              <a:ext uri="{FF2B5EF4-FFF2-40B4-BE49-F238E27FC236}">
+                <a16:creationId xmlns:a16="http://schemas.microsoft.com/office/drawing/2014/main" id="{FC8992D3-1E79-067D-CC82-9F11A9CBA338}"/>
+              </a:ext>
+            </a:extLst>
+          </p:cNvPr>
+          <p:cNvSpPr>
+            <a:spLocks noGrp="1" noRot="1" noChangeAspect="1"/>
+          </p:cNvSpPr>
+          <p:nvPr>
+            <p:ph type="sldImg"/>
+          </p:nvPr>
+        </p:nvSpPr>
+        <p:spPr/>
+      </p:sp>
+      <p:sp>
+        <p:nvSpPr>
+          <p:cNvPr id="3" name="מציין מיקום של הערות 2">
+            <a:extLst>
+              <a:ext uri="{FF2B5EF4-FFF2-40B4-BE49-F238E27FC236}">
+                <a16:creationId xmlns:a16="http://schemas.microsoft.com/office/drawing/2014/main" id="{CCC3AEDA-3784-980D-E0F1-E28E960E01BD}"/>
+              </a:ext>
+            </a:extLst>
+          </p:cNvPr>
+          <p:cNvSpPr>
+            <a:spLocks noGrp="1"/>
+          </p:cNvSpPr>
+          <p:nvPr>
+            <p:ph type="body" idx="1"/>
+          </p:nvPr>
+        </p:nvSpPr>
+        <p:spPr/>
+        <p:txBody>
+          <a:bodyPr/>
+          <a:lstStyle/>
+          <a:p>
+            <a:endParaRPr lang="he-IL" dirty="0"/>
+          </a:p>
+        </p:txBody>
+      </p:sp>
+      <p:sp>
+        <p:nvSpPr>
+          <p:cNvPr id="4" name="מציין מיקום של מספר שקופית 3">
+            <a:extLst>
+              <a:ext uri="{FF2B5EF4-FFF2-40B4-BE49-F238E27FC236}">
+                <a16:creationId xmlns:a16="http://schemas.microsoft.com/office/drawing/2014/main" id="{E24A274C-A66B-8242-9302-BDE3E84CFA9F}"/>
+              </a:ext>
+            </a:extLst>
+          </p:cNvPr>
+          <p:cNvSpPr>
+            <a:spLocks noGrp="1"/>
+          </p:cNvSpPr>
+          <p:nvPr>
+            <p:ph type="sldNum" sz="quarter" idx="5"/>
+          </p:nvPr>
+        </p:nvSpPr>
+        <p:spPr/>
+        <p:txBody>
+          <a:bodyPr/>
+          <a:lstStyle/>
+          <a:p>
+            <a:fld id="{0050DDF3-CFC3-40C0-B288-2F43B4469CD4}" type="slidenum">
+              <a:rPr lang="en-US" smtClean="0"/>
+              <a:t>4</a:t>
+            </a:fld>
+            <a:endParaRPr lang="en-US"/>
+          </a:p>
+        </p:txBody>
+      </p:sp>
+    </p:spTree>
+    <p:extLst>
+      <p:ext uri="{BB962C8B-B14F-4D97-AF65-F5344CB8AC3E}">
+        <p14:creationId xmlns:p14="http://schemas.microsoft.com/office/powerpoint/2010/main" val="2777810814"/>
+      </p:ext>
+    </p:extLst>
+  </p:cSld>
+  <p:clrMapOvr>
+    <a:masterClrMapping/>
+  </p:clrMapOvr>
+</p:notes>
+</file>
+
+<file path=ppt/notesSlides/notesSlide4.xml><?xml version="1.0" encoding="utf-8"?>
+<p:notes xmlns:a="http://schemas.openxmlformats.org/drawingml/2006/main" xmlns:r="http://schemas.openxmlformats.org/officeDocument/2006/relationships" xmlns:p="http://schemas.openxmlformats.org/presentationml/2006/main">
+  <p:cSld>
+    <p:spTree>
+      <p:nvGrpSpPr>
         <p:cNvPr id="1" name=""/>
         <p:cNvGrpSpPr/>
         <p:nvPr/>
@@ -1589,7 +1831,7 @@
           <a:p>
             <a:fld id="{0050DDF3-CFC3-40C0-B288-2F43B4469CD4}" type="slidenum">
               <a:rPr lang="en-US" smtClean="0"/>
-              <a:t>6</a:t>
+              <a:t>7</a:t>
             </a:fld>
             <a:endParaRPr lang="en-US"/>
           </a:p>
@@ -1608,7 +1850,7 @@
 </p:notes>
 </file>
 
-<file path=ppt/notesSlides/notesSlide4.xml><?xml version="1.0" encoding="utf-8"?>
+<file path=ppt/notesSlides/notesSlide5.xml><?xml version="1.0" encoding="utf-8"?>
 <p:notes xmlns:a="http://schemas.openxmlformats.org/drawingml/2006/main" xmlns:r="http://schemas.openxmlformats.org/officeDocument/2006/relationships" xmlns:p="http://schemas.openxmlformats.org/presentationml/2006/main">
   <p:cSld>
     <p:spTree>
@@ -1765,7 +2007,7 @@
           <a:p>
             <a:fld id="{0050DDF3-CFC3-40C0-B288-2F43B4469CD4}" type="slidenum">
               <a:rPr lang="en-US" smtClean="0"/>
-              <a:t>7</a:t>
+              <a:t>8</a:t>
             </a:fld>
             <a:endParaRPr lang="en-US"/>
           </a:p>
@@ -1784,7 +2026,7 @@
 </p:notes>
 </file>
 
-<file path=ppt/notesSlides/notesSlide5.xml><?xml version="1.0" encoding="utf-8"?>
+<file path=ppt/notesSlides/notesSlide6.xml><?xml version="1.0" encoding="utf-8"?>
 <p:notes xmlns:a="http://schemas.openxmlformats.org/drawingml/2006/main" xmlns:r="http://schemas.openxmlformats.org/officeDocument/2006/relationships" xmlns:p="http://schemas.openxmlformats.org/presentationml/2006/main">
   <p:cSld>
     <p:spTree>
@@ -1941,7 +2183,7 @@
           <a:p>
             <a:fld id="{0050DDF3-CFC3-40C0-B288-2F43B4469CD4}" type="slidenum">
               <a:rPr lang="en-US" smtClean="0"/>
-              <a:t>8</a:t>
+              <a:t>9</a:t>
             </a:fld>
             <a:endParaRPr lang="en-US"/>
           </a:p>
@@ -1960,7 +2202,7 @@
 </p:notes>
 </file>
 
-<file path=ppt/notesSlides/notesSlide6.xml><?xml version="1.0" encoding="utf-8"?>
+<file path=ppt/notesSlides/notesSlide7.xml><?xml version="1.0" encoding="utf-8"?>
 <p:notes xmlns:a="http://schemas.openxmlformats.org/drawingml/2006/main" xmlns:r="http://schemas.openxmlformats.org/officeDocument/2006/relationships" xmlns:p="http://schemas.openxmlformats.org/presentationml/2006/main">
   <p:cSld>
     <p:spTree>
@@ -2025,7 +2267,7 @@
           <a:p>
             <a:fld id="{0050DDF3-CFC3-40C0-B288-2F43B4469CD4}" type="slidenum">
               <a:rPr lang="en-US" smtClean="0"/>
-              <a:t>10</a:t>
+              <a:t>11</a:t>
             </a:fld>
             <a:endParaRPr lang="en-US"/>
           </a:p>
@@ -2044,7 +2286,7 @@
 </p:notes>
 </file>
 
-<file path=ppt/notesSlides/notesSlide7.xml><?xml version="1.0" encoding="utf-8"?>
+<file path=ppt/notesSlides/notesSlide8.xml><?xml version="1.0" encoding="utf-8"?>
 <p:notes xmlns:a="http://schemas.openxmlformats.org/drawingml/2006/main" xmlns:r="http://schemas.openxmlformats.org/officeDocument/2006/relationships" xmlns:p="http://schemas.openxmlformats.org/presentationml/2006/main">
   <p:cSld>
     <p:spTree>
@@ -2133,7 +2375,7 @@
           <a:p>
             <a:fld id="{0050DDF3-CFC3-40C0-B288-2F43B4469CD4}" type="slidenum">
               <a:rPr lang="en-US" smtClean="0"/>
-              <a:t>11</a:t>
+              <a:t>12</a:t>
             </a:fld>
             <a:endParaRPr lang="en-US"/>
           </a:p>
@@ -2143,156 +2385,6 @@
     <p:extLst>
       <p:ext uri="{BB962C8B-B14F-4D97-AF65-F5344CB8AC3E}">
         <p14:creationId xmlns:p14="http://schemas.microsoft.com/office/powerpoint/2010/main" val="2390951734"/>
-      </p:ext>
-    </p:extLst>
-  </p:cSld>
-  <p:clrMapOvr>
-    <a:masterClrMapping/>
-  </p:clrMapOvr>
-</p:notes>
-</file>
-
-<file path=ppt/notesSlides/notesSlide8.xml><?xml version="1.0" encoding="utf-8"?>
-<p:notes xmlns:a="http://schemas.openxmlformats.org/drawingml/2006/main" xmlns:r="http://schemas.openxmlformats.org/officeDocument/2006/relationships" xmlns:p="http://schemas.openxmlformats.org/presentationml/2006/main">
-  <p:cSld>
-    <p:spTree>
-      <p:nvGrpSpPr>
-        <p:cNvPr id="1" name=""/>
-        <p:cNvGrpSpPr/>
-        <p:nvPr/>
-      </p:nvGrpSpPr>
-      <p:grpSpPr>
-        <a:xfrm>
-          <a:off x="0" y="0"/>
-          <a:ext cx="0" cy="0"/>
-          <a:chOff x="0" y="0"/>
-          <a:chExt cx="0" cy="0"/>
-        </a:xfrm>
-      </p:grpSpPr>
-      <p:sp>
-        <p:nvSpPr>
-          <p:cNvPr id="2" name="מציין מיקום של תמונת שקופית 1"/>
-          <p:cNvSpPr>
-            <a:spLocks noGrp="1" noRot="1" noChangeAspect="1"/>
-          </p:cNvSpPr>
-          <p:nvPr>
-            <p:ph type="sldImg"/>
-          </p:nvPr>
-        </p:nvSpPr>
-        <p:spPr/>
-      </p:sp>
-      <p:sp>
-        <p:nvSpPr>
-          <p:cNvPr id="3" name="מציין מיקום של הערות 2"/>
-          <p:cNvSpPr>
-            <a:spLocks noGrp="1"/>
-          </p:cNvSpPr>
-          <p:nvPr>
-            <p:ph type="body" idx="1"/>
-          </p:nvPr>
-        </p:nvSpPr>
-        <p:spPr/>
-        <p:txBody>
-          <a:bodyPr/>
-          <a:lstStyle/>
-          <a:p>
-            <a:pPr lvl="1">
-              <a:buFont typeface="Arial" panose="020B0604020202020204" pitchFamily="34" charset="0"/>
-              <a:buChar char="•"/>
-            </a:pPr>
-            <a:r>
-              <a:rPr lang="en-US" b="1" dirty="0" err="1"/>
-              <a:t>McEliece</a:t>
-            </a:r>
-            <a:r>
-              <a:rPr lang="en-US" dirty="0"/>
-              <a:t> is a </a:t>
-            </a:r>
-            <a:r>
-              <a:rPr lang="en-US" b="1" dirty="0"/>
-              <a:t>public-key cryptosystem</a:t>
-            </a:r>
-            <a:r>
-              <a:rPr lang="en-US" dirty="0"/>
-              <a:t> based on </a:t>
-            </a:r>
-            <a:r>
-              <a:rPr lang="en-US" b="1" dirty="0"/>
-              <a:t>error-correcting codes</a:t>
-            </a:r>
-            <a:r>
-              <a:rPr lang="en-US" dirty="0"/>
-              <a:t>, not number theory — it's considered quantum-resistant.</a:t>
-            </a:r>
-          </a:p>
-          <a:p>
-            <a:pPr lvl="1">
-              <a:buFont typeface="Arial" panose="020B0604020202020204" pitchFamily="34" charset="0"/>
-              <a:buChar char="•"/>
-            </a:pPr>
-            <a:r>
-              <a:rPr lang="en-US" dirty="0"/>
-              <a:t>Used to </a:t>
-            </a:r>
-            <a:r>
-              <a:rPr lang="en-US" b="1" dirty="0"/>
-              <a:t>encrypt the symmetric Blowfish key</a:t>
-            </a:r>
-            <a:r>
-              <a:rPr lang="en-US" dirty="0"/>
-              <a:t>, so it can be sent securely.</a:t>
-            </a:r>
-          </a:p>
-          <a:p>
-            <a:pPr lvl="1">
-              <a:buFont typeface="Arial" panose="020B0604020202020204" pitchFamily="34" charset="0"/>
-              <a:buChar char="•"/>
-            </a:pPr>
-            <a:r>
-              <a:rPr lang="en-US" dirty="0"/>
-              <a:t>Only the recipient (Bob) can decrypt it using his private </a:t>
-            </a:r>
-            <a:r>
-              <a:rPr lang="en-US" dirty="0" err="1"/>
-              <a:t>McEliece</a:t>
-            </a:r>
-            <a:r>
-              <a:rPr lang="en-US" dirty="0"/>
-              <a:t> key.</a:t>
-            </a:r>
-          </a:p>
-          <a:p>
-            <a:endParaRPr lang="he-IL" dirty="0"/>
-          </a:p>
-        </p:txBody>
-      </p:sp>
-      <p:sp>
-        <p:nvSpPr>
-          <p:cNvPr id="4" name="מציין מיקום של מספר שקופית 3"/>
-          <p:cNvSpPr>
-            <a:spLocks noGrp="1"/>
-          </p:cNvSpPr>
-          <p:nvPr>
-            <p:ph type="sldNum" sz="quarter" idx="5"/>
-          </p:nvPr>
-        </p:nvSpPr>
-        <p:spPr/>
-        <p:txBody>
-          <a:bodyPr/>
-          <a:lstStyle/>
-          <a:p>
-            <a:fld id="{0050DDF3-CFC3-40C0-B288-2F43B4469CD4}" type="slidenum">
-              <a:rPr lang="en-US" smtClean="0"/>
-              <a:t>12</a:t>
-            </a:fld>
-            <a:endParaRPr lang="en-US"/>
-          </a:p>
-        </p:txBody>
-      </p:sp>
-    </p:spTree>
-    <p:extLst>
-      <p:ext uri="{BB962C8B-B14F-4D97-AF65-F5344CB8AC3E}">
-        <p14:creationId xmlns:p14="http://schemas.microsoft.com/office/powerpoint/2010/main" val="1317345622"/>
       </p:ext>
     </p:extLst>
   </p:cSld>
@@ -2346,55 +2438,72 @@
           <a:bodyPr/>
           <a:lstStyle/>
           <a:p>
-            <a:pPr>
-              <a:buNone/>
+            <a:pPr lvl="1">
+              <a:buFont typeface="Arial" panose="020B0604020202020204" pitchFamily="34" charset="0"/>
+              <a:buChar char="•"/>
             </a:pPr>
             <a:r>
-              <a:rPr lang="en-US" dirty="0"/>
-              <a:t>The original message is a plaintext string representing the content of an email. In real-world applications, this could be a subject line, a short paragraph, or any piece of text. For demonstration purposes, we use a simple text message to show how it is processed through encryption, key delivery, and digital signing.</a:t>
-            </a:r>
-          </a:p>
-          <a:p>
-            <a:r>
-              <a:rPr lang="en-US" dirty="0"/>
-              <a:t>The message must be encrypted to ensure </a:t>
+              <a:rPr lang="en-US" b="1" dirty="0" err="1"/>
+              <a:t>McEliece</a:t>
+            </a:r>
+            <a:r>
+              <a:rPr lang="en-US" dirty="0"/>
+              <a:t> is a </a:t>
             </a:r>
             <a:r>
               <a:rPr lang="en-US" b="1" dirty="0"/>
-              <a:t>confidentiality</a:t>
-            </a:r>
-            <a:r>
-              <a:rPr lang="en-US" dirty="0"/>
-              <a:t>, and should be </a:t>
+              <a:t>public-key cryptosystem</a:t>
+            </a:r>
+            <a:r>
+              <a:rPr lang="en-US" dirty="0"/>
+              <a:t> based on </a:t>
             </a:r>
             <a:r>
               <a:rPr lang="en-US" b="1" dirty="0"/>
-              <a:t>digitally signed</a:t>
-            </a:r>
-            <a:r>
-              <a:rPr lang="en-US" dirty="0"/>
-              <a:t> to guarantee </a:t>
+              <a:t>error-correcting codes</a:t>
+            </a:r>
+            <a:r>
+              <a:rPr lang="en-US" dirty="0"/>
+              <a:t>, not number theory — it's considered quantum-resistant.</a:t>
+            </a:r>
+          </a:p>
+          <a:p>
+            <a:pPr lvl="1">
+              <a:buFont typeface="Arial" panose="020B0604020202020204" pitchFamily="34" charset="0"/>
+              <a:buChar char="•"/>
+            </a:pPr>
+            <a:r>
+              <a:rPr lang="en-US" dirty="0"/>
+              <a:t>Used to </a:t>
             </a:r>
             <a:r>
               <a:rPr lang="en-US" b="1" dirty="0"/>
-              <a:t>authenticity and integrity</a:t>
-            </a:r>
-            <a:r>
-              <a:rPr lang="en-US" dirty="0"/>
-              <a:t>.</a:t>
-            </a:r>
-          </a:p>
-          <a:p>
-            <a:endParaRPr lang="en-US" dirty="0"/>
-          </a:p>
-          <a:p>
-            <a:endParaRPr lang="en-US" dirty="0"/>
-          </a:p>
-          <a:p>
-            <a:r>
-              <a:rPr lang="en-US" dirty="0"/>
-              <a:t>Waiting for script</a:t>
-            </a:r>
+              <a:t>encrypt the symmetric Blowfish key</a:t>
+            </a:r>
+            <a:r>
+              <a:rPr lang="en-US" dirty="0"/>
+              <a:t>, so it can be sent securely.</a:t>
+            </a:r>
+          </a:p>
+          <a:p>
+            <a:pPr lvl="1">
+              <a:buFont typeface="Arial" panose="020B0604020202020204" pitchFamily="34" charset="0"/>
+              <a:buChar char="•"/>
+            </a:pPr>
+            <a:r>
+              <a:rPr lang="en-US" dirty="0"/>
+              <a:t>Only the recipient (Bob) can decrypt it using his private </a:t>
+            </a:r>
+            <a:r>
+              <a:rPr lang="en-US" dirty="0" err="1"/>
+              <a:t>McEliece</a:t>
+            </a:r>
+            <a:r>
+              <a:rPr lang="en-US" dirty="0"/>
+              <a:t> key.</a:t>
+            </a:r>
+          </a:p>
+          <a:p>
             <a:endParaRPr lang="he-IL" dirty="0"/>
           </a:p>
         </p:txBody>
@@ -2425,7 +2534,7 @@
     </p:spTree>
     <p:extLst>
       <p:ext uri="{BB962C8B-B14F-4D97-AF65-F5344CB8AC3E}">
-        <p14:creationId xmlns:p14="http://schemas.microsoft.com/office/powerpoint/2010/main" val="3116880650"/>
+        <p14:creationId xmlns:p14="http://schemas.microsoft.com/office/powerpoint/2010/main" val="1317345622"/>
       </p:ext>
     </p:extLst>
   </p:cSld>
@@ -2663,7 +2772,7 @@
           <a:p>
             <a:fld id="{8AFF2A1E-1F13-4D95-B202-10B7563D4805}" type="datetimeFigureOut">
               <a:rPr lang="en-US" smtClean="0"/>
-              <a:t>5/16/2025</a:t>
+              <a:t>5/24/2025</a:t>
             </a:fld>
             <a:endParaRPr lang="en-US"/>
           </a:p>
@@ -2871,7 +2980,7 @@
           <a:p>
             <a:fld id="{8AFF2A1E-1F13-4D95-B202-10B7563D4805}" type="datetimeFigureOut">
               <a:rPr lang="en-US" smtClean="0"/>
-              <a:t>5/16/2025</a:t>
+              <a:t>5/24/2025</a:t>
             </a:fld>
             <a:endParaRPr lang="en-US"/>
           </a:p>
@@ -3129,7 +3238,7 @@
           <a:p>
             <a:fld id="{8AFF2A1E-1F13-4D95-B202-10B7563D4805}" type="datetimeFigureOut">
               <a:rPr lang="en-US" smtClean="0"/>
-              <a:t>5/16/2025</a:t>
+              <a:t>5/24/2025</a:t>
             </a:fld>
             <a:endParaRPr lang="en-US"/>
           </a:p>
@@ -3299,7 +3408,7 @@
           <a:p>
             <a:fld id="{8AFF2A1E-1F13-4D95-B202-10B7563D4805}" type="datetimeFigureOut">
               <a:rPr lang="en-US" smtClean="0"/>
-              <a:t>5/16/2025</a:t>
+              <a:t>5/24/2025</a:t>
             </a:fld>
             <a:endParaRPr lang="en-US"/>
           </a:p>
@@ -3636,7 +3745,7 @@
           <a:p>
             <a:fld id="{8AFF2A1E-1F13-4D95-B202-10B7563D4805}" type="datetimeFigureOut">
               <a:rPr lang="en-US" smtClean="0"/>
-              <a:t>5/16/2025</a:t>
+              <a:t>5/24/2025</a:t>
             </a:fld>
             <a:endParaRPr lang="en-US"/>
           </a:p>
@@ -3911,7 +4020,7 @@
           <a:p>
             <a:fld id="{8AFF2A1E-1F13-4D95-B202-10B7563D4805}" type="datetimeFigureOut">
               <a:rPr lang="en-US" smtClean="0"/>
-              <a:t>5/16/2025</a:t>
+              <a:t>5/24/2025</a:t>
             </a:fld>
             <a:endParaRPr lang="en-US"/>
           </a:p>
@@ -4290,7 +4399,7 @@
           <a:p>
             <a:fld id="{8AFF2A1E-1F13-4D95-B202-10B7563D4805}" type="datetimeFigureOut">
               <a:rPr lang="en-US" smtClean="0"/>
-              <a:t>5/16/2025</a:t>
+              <a:t>5/24/2025</a:t>
             </a:fld>
             <a:endParaRPr lang="en-US"/>
           </a:p>
@@ -4408,7 +4517,7 @@
           <a:p>
             <a:fld id="{8AFF2A1E-1F13-4D95-B202-10B7563D4805}" type="datetimeFigureOut">
               <a:rPr lang="en-US" smtClean="0"/>
-              <a:t>5/16/2025</a:t>
+              <a:t>5/24/2025</a:t>
             </a:fld>
             <a:endParaRPr lang="en-US"/>
           </a:p>
@@ -4581,7 +4690,7 @@
           <a:p>
             <a:fld id="{8AFF2A1E-1F13-4D95-B202-10B7563D4805}" type="datetimeFigureOut">
               <a:rPr lang="en-US" smtClean="0"/>
-              <a:t>5/16/2025</a:t>
+              <a:t>5/24/2025</a:t>
             </a:fld>
             <a:endParaRPr lang="en-US"/>
           </a:p>
@@ -4937,7 +5046,7 @@
           <a:p>
             <a:fld id="{8AFF2A1E-1F13-4D95-B202-10B7563D4805}" type="datetimeFigureOut">
               <a:rPr lang="en-US" smtClean="0"/>
-              <a:t>5/16/2025</a:t>
+              <a:t>5/24/2025</a:t>
             </a:fld>
             <a:endParaRPr lang="en-US"/>
           </a:p>
@@ -5316,7 +5425,7 @@
           <a:p>
             <a:fld id="{8AFF2A1E-1F13-4D95-B202-10B7563D4805}" type="datetimeFigureOut">
               <a:rPr lang="en-US" smtClean="0"/>
-              <a:t>5/16/2025</a:t>
+              <a:t>5/24/2025</a:t>
             </a:fld>
             <a:endParaRPr lang="en-US"/>
           </a:p>
@@ -5605,7 +5714,7 @@
           <a:p>
             <a:fld id="{8AFF2A1E-1F13-4D95-B202-10B7563D4805}" type="datetimeFigureOut">
               <a:rPr lang="en-US" smtClean="0"/>
-              <a:t>5/16/2025</a:t>
+              <a:t>5/24/2025</a:t>
             </a:fld>
             <a:endParaRPr lang="en-US"/>
           </a:p>
@@ -6262,6 +6371,89 @@
 </file>
 
 <file path=ppt/slides/slide10.xml><?xml version="1.0" encoding="utf-8"?>
+<p:sld xmlns:a="http://schemas.openxmlformats.org/drawingml/2006/main" xmlns:r="http://schemas.openxmlformats.org/officeDocument/2006/relationships" xmlns:p="http://schemas.openxmlformats.org/presentationml/2006/main">
+  <p:cSld>
+    <p:spTree>
+      <p:nvGrpSpPr>
+        <p:cNvPr id="1" name=""/>
+        <p:cNvGrpSpPr/>
+        <p:nvPr/>
+      </p:nvGrpSpPr>
+      <p:grpSpPr>
+        <a:xfrm>
+          <a:off x="0" y="0"/>
+          <a:ext cx="0" cy="0"/>
+          <a:chOff x="0" y="0"/>
+          <a:chExt cx="0" cy="0"/>
+        </a:xfrm>
+      </p:grpSpPr>
+      <p:sp>
+        <p:nvSpPr>
+          <p:cNvPr id="2" name="Title 1">
+            <a:extLst>
+              <a:ext uri="{FF2B5EF4-FFF2-40B4-BE49-F238E27FC236}">
+                <a16:creationId xmlns:a16="http://schemas.microsoft.com/office/drawing/2014/main" id="{E0E656CA-6D7E-F6D4-371D-11E7E6BCEC8F}"/>
+              </a:ext>
+            </a:extLst>
+          </p:cNvPr>
+          <p:cNvSpPr>
+            <a:spLocks noGrp="1"/>
+          </p:cNvSpPr>
+          <p:nvPr>
+            <p:ph type="title"/>
+          </p:nvPr>
+        </p:nvSpPr>
+        <p:spPr/>
+        <p:txBody>
+          <a:bodyPr/>
+          <a:lstStyle/>
+          <a:p>
+            <a:r>
+              <a:rPr lang="en-US" dirty="0"/>
+              <a:t>BUFFER</a:t>
+            </a:r>
+          </a:p>
+        </p:txBody>
+      </p:sp>
+      <p:sp>
+        <p:nvSpPr>
+          <p:cNvPr id="3" name="Content Placeholder 2">
+            <a:extLst>
+              <a:ext uri="{FF2B5EF4-FFF2-40B4-BE49-F238E27FC236}">
+                <a16:creationId xmlns:a16="http://schemas.microsoft.com/office/drawing/2014/main" id="{0B523BCC-EC93-7D04-AA0B-A5282DB73C3C}"/>
+              </a:ext>
+            </a:extLst>
+          </p:cNvPr>
+          <p:cNvSpPr>
+            <a:spLocks noGrp="1"/>
+          </p:cNvSpPr>
+          <p:nvPr>
+            <p:ph idx="1"/>
+          </p:nvPr>
+        </p:nvSpPr>
+        <p:spPr/>
+        <p:txBody>
+          <a:bodyPr/>
+          <a:lstStyle/>
+          <a:p>
+            <a:endParaRPr lang="en-US"/>
+          </a:p>
+        </p:txBody>
+      </p:sp>
+    </p:spTree>
+    <p:extLst>
+      <p:ext uri="{BB962C8B-B14F-4D97-AF65-F5344CB8AC3E}">
+        <p14:creationId xmlns:p14="http://schemas.microsoft.com/office/powerpoint/2010/main" val="2786412354"/>
+      </p:ext>
+    </p:extLst>
+  </p:cSld>
+  <p:clrMapOvr>
+    <a:masterClrMapping/>
+  </p:clrMapOvr>
+</p:sld>
+</file>
+
+<file path=ppt/slides/slide11.xml><?xml version="1.0" encoding="utf-8"?>
 <p:sld xmlns:a="http://schemas.openxmlformats.org/drawingml/2006/main" xmlns:r="http://schemas.openxmlformats.org/officeDocument/2006/relationships" xmlns:p="http://schemas.openxmlformats.org/presentationml/2006/main">
   <p:cSld>
     <p:spTree>
@@ -6805,7 +6997,7 @@
 </p:sld>
 </file>
 
-<file path=ppt/slides/slide11.xml><?xml version="1.0" encoding="utf-8"?>
+<file path=ppt/slides/slide12.xml><?xml version="1.0" encoding="utf-8"?>
 <p:sld xmlns:a="http://schemas.openxmlformats.org/drawingml/2006/main" xmlns:r="http://schemas.openxmlformats.org/officeDocument/2006/relationships" xmlns:p="http://schemas.openxmlformats.org/presentationml/2006/main">
   <p:cSld>
     <p:spTree>
@@ -7292,7 +7484,7 @@
 </p:sld>
 </file>
 
-<file path=ppt/slides/slide12.xml><?xml version="1.0" encoding="utf-8"?>
+<file path=ppt/slides/slide13.xml><?xml version="1.0" encoding="utf-8"?>
 <p:sld xmlns:a="http://schemas.openxmlformats.org/drawingml/2006/main" xmlns:r="http://schemas.openxmlformats.org/officeDocument/2006/relationships" xmlns:p="http://schemas.openxmlformats.org/presentationml/2006/main">
   <p:cSld>
     <p:spTree>
@@ -7446,161 +7638,6 @@
     <p:extLst>
       <p:ext uri="{BB962C8B-B14F-4D97-AF65-F5344CB8AC3E}">
         <p14:creationId xmlns:p14="http://schemas.microsoft.com/office/powerpoint/2010/main" val="3395196265"/>
-      </p:ext>
-    </p:extLst>
-  </p:cSld>
-  <p:clrMapOvr>
-    <a:masterClrMapping/>
-  </p:clrMapOvr>
-</p:sld>
-</file>
-
-<file path=ppt/slides/slide13.xml><?xml version="1.0" encoding="utf-8"?>
-<p:sld xmlns:a="http://schemas.openxmlformats.org/drawingml/2006/main" xmlns:r="http://schemas.openxmlformats.org/officeDocument/2006/relationships" xmlns:p="http://schemas.openxmlformats.org/presentationml/2006/main">
-  <p:cSld>
-    <p:spTree>
-      <p:nvGrpSpPr>
-        <p:cNvPr id="1" name=""/>
-        <p:cNvGrpSpPr/>
-        <p:nvPr/>
-      </p:nvGrpSpPr>
-      <p:grpSpPr>
-        <a:xfrm>
-          <a:off x="0" y="0"/>
-          <a:ext cx="0" cy="0"/>
-          <a:chOff x="0" y="0"/>
-          <a:chExt cx="0" cy="0"/>
-        </a:xfrm>
-      </p:grpSpPr>
-      <p:sp>
-        <p:nvSpPr>
-          <p:cNvPr id="2" name="Title 1">
-            <a:extLst>
-              <a:ext uri="{FF2B5EF4-FFF2-40B4-BE49-F238E27FC236}">
-                <a16:creationId xmlns:a16="http://schemas.microsoft.com/office/drawing/2014/main" id="{EBBF5FAD-5B93-F5FE-6EC3-B373A4031E21}"/>
-              </a:ext>
-            </a:extLst>
-          </p:cNvPr>
-          <p:cNvSpPr>
-            <a:spLocks noGrp="1"/>
-          </p:cNvSpPr>
-          <p:nvPr>
-            <p:ph type="title"/>
-          </p:nvPr>
-        </p:nvSpPr>
-        <p:spPr/>
-        <p:txBody>
-          <a:bodyPr/>
-          <a:lstStyle/>
-          <a:p>
-            <a:r>
-              <a:rPr lang="en-US" dirty="0"/>
-              <a:t>Original Text</a:t>
-            </a:r>
-          </a:p>
-        </p:txBody>
-      </p:sp>
-      <p:sp>
-        <p:nvSpPr>
-          <p:cNvPr id="3" name="Content Placeholder 2">
-            <a:extLst>
-              <a:ext uri="{FF2B5EF4-FFF2-40B4-BE49-F238E27FC236}">
-                <a16:creationId xmlns:a16="http://schemas.microsoft.com/office/drawing/2014/main" id="{B3718846-F08B-00DF-068D-154D8B377D9A}"/>
-              </a:ext>
-            </a:extLst>
-          </p:cNvPr>
-          <p:cNvSpPr>
-            <a:spLocks noGrp="1"/>
-          </p:cNvSpPr>
-          <p:nvPr>
-            <p:ph idx="1"/>
-          </p:nvPr>
-        </p:nvSpPr>
-        <p:spPr/>
-        <p:txBody>
-          <a:bodyPr/>
-          <a:lstStyle/>
-          <a:p>
-            <a:pPr>
-              <a:buFont typeface="Arial" panose="020B0604020202020204" pitchFamily="34" charset="0"/>
-              <a:buChar char="•"/>
-            </a:pPr>
-            <a:r>
-              <a:rPr lang="en-US" dirty="0"/>
-              <a:t>Example plaintext message:</a:t>
-            </a:r>
-            <a:br>
-              <a:rPr lang="en-US" dirty="0"/>
-            </a:br>
-            <a:r>
-              <a:rPr lang="en-US" dirty="0"/>
-              <a:t>	“Project X status: Launch delayed until Q3.”</a:t>
-            </a:r>
-          </a:p>
-          <a:p>
-            <a:pPr>
-              <a:buFont typeface="Arial" panose="020B0604020202020204" pitchFamily="34" charset="0"/>
-              <a:buChar char="•"/>
-            </a:pPr>
-            <a:r>
-              <a:rPr lang="en-US" dirty="0"/>
-              <a:t>Message is unprotected in its current form</a:t>
-            </a:r>
-            <a:br>
-              <a:rPr lang="en-US" dirty="0"/>
-            </a:br>
-            <a:r>
-              <a:rPr lang="en-US" dirty="0"/>
-              <a:t>Needs:</a:t>
-            </a:r>
-          </a:p>
-          <a:p>
-            <a:pPr lvl="1">
-              <a:buFont typeface="Arial" panose="020B0604020202020204" pitchFamily="34" charset="0"/>
-              <a:buChar char="•"/>
-            </a:pPr>
-            <a:r>
-              <a:rPr lang="en-US" dirty="0"/>
-              <a:t> Encryption for confidentiality</a:t>
-            </a:r>
-          </a:p>
-          <a:p>
-            <a:pPr lvl="1">
-              <a:buFont typeface="Arial" panose="020B0604020202020204" pitchFamily="34" charset="0"/>
-              <a:buChar char="•"/>
-            </a:pPr>
-            <a:r>
-              <a:rPr lang="en-US" dirty="0"/>
-              <a:t> Digital signature for authenticity</a:t>
-            </a:r>
-          </a:p>
-          <a:p>
-            <a:pPr>
-              <a:buFont typeface="Arial" panose="020B0604020202020204" pitchFamily="34" charset="0"/>
-              <a:buChar char="•"/>
-            </a:pPr>
-            <a:r>
-              <a:rPr lang="en-US" dirty="0"/>
-              <a:t>Processed next using Blowfish, </a:t>
-            </a:r>
-            <a:r>
-              <a:rPr lang="en-US" dirty="0" err="1"/>
-              <a:t>McEliece</a:t>
-            </a:r>
-            <a:r>
-              <a:rPr lang="en-US" dirty="0"/>
-              <a:t>, and ECDSA</a:t>
-            </a:r>
-          </a:p>
-          <a:p>
-            <a:endParaRPr lang="en-US" dirty="0"/>
-          </a:p>
-        </p:txBody>
-      </p:sp>
-    </p:spTree>
-    <p:extLst>
-      <p:ext uri="{BB962C8B-B14F-4D97-AF65-F5344CB8AC3E}">
-        <p14:creationId xmlns:p14="http://schemas.microsoft.com/office/powerpoint/2010/main" val="324050415"/>
       </p:ext>
     </p:extLst>
   </p:cSld>
@@ -7632,7 +7669,7 @@
           <p:cNvPr id="2" name="Title 1">
             <a:extLst>
               <a:ext uri="{FF2B5EF4-FFF2-40B4-BE49-F238E27FC236}">
-                <a16:creationId xmlns:a16="http://schemas.microsoft.com/office/drawing/2014/main" id="{064E537F-7CAC-9F01-3D6A-9B05421839AF}"/>
+                <a16:creationId xmlns:a16="http://schemas.microsoft.com/office/drawing/2014/main" id="{EBBF5FAD-5B93-F5FE-6EC3-B373A4031E21}"/>
               </a:ext>
             </a:extLst>
           </p:cNvPr>
@@ -7650,7 +7687,7 @@
           <a:p>
             <a:r>
               <a:rPr lang="en-US" dirty="0"/>
-              <a:t>Encrypted Text</a:t>
+              <a:t>Original Text</a:t>
             </a:r>
           </a:p>
         </p:txBody>
@@ -7660,7 +7697,7 @@
           <p:cNvPr id="3" name="Content Placeholder 2">
             <a:extLst>
               <a:ext uri="{FF2B5EF4-FFF2-40B4-BE49-F238E27FC236}">
-                <a16:creationId xmlns:a16="http://schemas.microsoft.com/office/drawing/2014/main" id="{9C346764-401B-5F17-A636-63CA8110CCBC}"/>
+                <a16:creationId xmlns:a16="http://schemas.microsoft.com/office/drawing/2014/main" id="{B3718846-F08B-00DF-068D-154D8B377D9A}"/>
               </a:ext>
             </a:extLst>
           </p:cNvPr>
@@ -7681,14 +7718,16 @@
               <a:buChar char="•"/>
             </a:pPr>
             <a:r>
-              <a:rPr lang="he-IL" dirty="0"/>
-              <a:t> </a:t>
-            </a:r>
-            <a:r>
-              <a:rPr lang="en-US" b="1" dirty="0"/>
-              <a:t>Message encrypted using Blowfish cipher</a:t>
-            </a:r>
-            <a:endParaRPr lang="en-US" dirty="0"/>
+              <a:rPr lang="en-US" dirty="0"/>
+              <a:t>Example plaintext message:</a:t>
+            </a:r>
+            <a:br>
+              <a:rPr lang="en-US" dirty="0"/>
+            </a:br>
+            <a:r>
+              <a:rPr lang="en-US" dirty="0"/>
+              <a:t>	“Project X status: Launch delayed until Q3.”</a:t>
+            </a:r>
           </a:p>
           <a:p>
             <a:pPr>
@@ -7696,18 +7735,36 @@
               <a:buChar char="•"/>
             </a:pPr>
             <a:r>
-              <a:rPr lang="he-IL" dirty="0"/>
-              <a:t> </a:t>
-            </a:r>
-            <a:r>
-              <a:rPr lang="en-US" dirty="0"/>
-              <a:t>Uses a </a:t>
-            </a:r>
-            <a:r>
-              <a:rPr lang="en-US" b="1" dirty="0"/>
-              <a:t>randomly generated symmetric key</a:t>
-            </a:r>
-            <a:endParaRPr lang="en-US" dirty="0"/>
+              <a:rPr lang="en-US" dirty="0"/>
+              <a:t>Message is unprotected in its current form</a:t>
+            </a:r>
+            <a:br>
+              <a:rPr lang="en-US" dirty="0"/>
+            </a:br>
+            <a:r>
+              <a:rPr lang="en-US" dirty="0"/>
+              <a:t>Needs:</a:t>
+            </a:r>
+          </a:p>
+          <a:p>
+            <a:pPr lvl="1">
+              <a:buFont typeface="Arial" panose="020B0604020202020204" pitchFamily="34" charset="0"/>
+              <a:buChar char="•"/>
+            </a:pPr>
+            <a:r>
+              <a:rPr lang="en-US" dirty="0"/>
+              <a:t> Encryption for confidentiality</a:t>
+            </a:r>
+          </a:p>
+          <a:p>
+            <a:pPr lvl="1">
+              <a:buFont typeface="Arial" panose="020B0604020202020204" pitchFamily="34" charset="0"/>
+              <a:buChar char="•"/>
+            </a:pPr>
+            <a:r>
+              <a:rPr lang="en-US" dirty="0"/>
+              <a:t> Digital signature for authenticity</a:t>
+            </a:r>
           </a:p>
           <a:p>
             <a:pPr>
@@ -7715,63 +7772,16 @@
               <a:buChar char="•"/>
             </a:pPr>
             <a:r>
-              <a:rPr lang="he-IL" dirty="0"/>
-              <a:t> </a:t>
-            </a:r>
-            <a:r>
-              <a:rPr lang="en-US" b="1" dirty="0"/>
-              <a:t>Output is ciphertext</a:t>
-            </a:r>
-            <a:r>
-              <a:rPr lang="en-US" dirty="0"/>
-              <a:t>: unreadable without the correct key</a:t>
-            </a:r>
-          </a:p>
-          <a:p>
-            <a:pPr>
-              <a:buFont typeface="Arial" panose="020B0604020202020204" pitchFamily="34" charset="0"/>
-              <a:buChar char="•"/>
-            </a:pPr>
-            <a:r>
-              <a:rPr lang="he-IL" dirty="0"/>
-              <a:t> </a:t>
-            </a:r>
-            <a:r>
-              <a:rPr lang="en-US" dirty="0"/>
-              <a:t>Appears as random data (e.g., hexadecimal or base64)</a:t>
-            </a:r>
-          </a:p>
-          <a:p>
-            <a:pPr>
-              <a:buFont typeface="Arial" panose="020B0604020202020204" pitchFamily="34" charset="0"/>
-              <a:buChar char="•"/>
-            </a:pPr>
-            <a:r>
-              <a:rPr lang="he-IL" dirty="0"/>
-              <a:t> </a:t>
-            </a:r>
-            <a:r>
-              <a:rPr lang="en-US" dirty="0"/>
-              <a:t>Blowfish key will be securely sent using </a:t>
-            </a:r>
-            <a:r>
-              <a:rPr lang="en-US" b="1" dirty="0" err="1"/>
+              <a:rPr lang="en-US" dirty="0"/>
+              <a:t>Processed next using Blowfish, </a:t>
+            </a:r>
+            <a:r>
+              <a:rPr lang="en-US" dirty="0" err="1"/>
               <a:t>McEliece</a:t>
             </a:r>
-            <a:endParaRPr lang="en-US" dirty="0"/>
-          </a:p>
-          <a:p>
-            <a:pPr>
-              <a:buFont typeface="Arial" panose="020B0604020202020204" pitchFamily="34" charset="0"/>
-              <a:buChar char="•"/>
-            </a:pPr>
-            <a:r>
-              <a:rPr lang="he-IL" dirty="0"/>
-              <a:t> </a:t>
-            </a:r>
-            <a:r>
-              <a:rPr lang="en-US" dirty="0"/>
-              <a:t>Protects message confidentiality in transit</a:t>
+            <a:r>
+              <a:rPr lang="en-US" dirty="0"/>
+              <a:t>, and ECDSA</a:t>
             </a:r>
           </a:p>
           <a:p>
@@ -7782,7 +7792,7 @@
     </p:spTree>
     <p:extLst>
       <p:ext uri="{BB962C8B-B14F-4D97-AF65-F5344CB8AC3E}">
-        <p14:creationId xmlns:p14="http://schemas.microsoft.com/office/powerpoint/2010/main" val="3549070684"/>
+        <p14:creationId xmlns:p14="http://schemas.microsoft.com/office/powerpoint/2010/main" val="324050415"/>
       </p:ext>
     </p:extLst>
   </p:cSld>
@@ -7814,7 +7824,7 @@
           <p:cNvPr id="2" name="Title 1">
             <a:extLst>
               <a:ext uri="{FF2B5EF4-FFF2-40B4-BE49-F238E27FC236}">
-                <a16:creationId xmlns:a16="http://schemas.microsoft.com/office/drawing/2014/main" id="{7C313ABA-0CD1-864A-C658-376BE54E099A}"/>
+                <a16:creationId xmlns:a16="http://schemas.microsoft.com/office/drawing/2014/main" id="{064E537F-7CAC-9F01-3D6A-9B05421839AF}"/>
               </a:ext>
             </a:extLst>
           </p:cNvPr>
@@ -7832,7 +7842,7 @@
           <a:p>
             <a:r>
               <a:rPr lang="en-US" dirty="0"/>
-              <a:t>How to decipher with the key</a:t>
+              <a:t>Encrypted Text</a:t>
             </a:r>
           </a:p>
         </p:txBody>
@@ -7842,7 +7852,7 @@
           <p:cNvPr id="3" name="Content Placeholder 2">
             <a:extLst>
               <a:ext uri="{FF2B5EF4-FFF2-40B4-BE49-F238E27FC236}">
-                <a16:creationId xmlns:a16="http://schemas.microsoft.com/office/drawing/2014/main" id="{4441DE8B-3BFF-25A7-C22F-17EA37DCE609}"/>
+                <a16:creationId xmlns:a16="http://schemas.microsoft.com/office/drawing/2014/main" id="{9C346764-401B-5F17-A636-63CA8110CCBC}"/>
               </a:ext>
             </a:extLst>
           </p:cNvPr>
@@ -7855,9 +7865,7 @@
         </p:nvSpPr>
         <p:spPr/>
         <p:txBody>
-          <a:bodyPr>
-            <a:normAutofit fontScale="92500" lnSpcReduction="10000"/>
-          </a:bodyPr>
+          <a:bodyPr/>
           <a:lstStyle/>
           <a:p>
             <a:pPr>
@@ -7869,49 +7877,10 @@
               <a:t> </a:t>
             </a:r>
             <a:r>
-              <a:rPr lang="en-US" dirty="0"/>
-              <a:t>Receiver (Bob) receives:</a:t>
-            </a:r>
-          </a:p>
-          <a:p>
-            <a:pPr marL="742950" lvl="1" indent="-285750">
-              <a:buFont typeface="Arial" panose="020B0604020202020204" pitchFamily="34" charset="0"/>
-              <a:buChar char="•"/>
-            </a:pPr>
-            <a:r>
-              <a:rPr lang="en-US" dirty="0"/>
-              <a:t>Encrypted message (ciphertext)</a:t>
-            </a:r>
-          </a:p>
-          <a:p>
-            <a:pPr marL="742950" lvl="1" indent="-285750">
-              <a:buFont typeface="Arial" panose="020B0604020202020204" pitchFamily="34" charset="0"/>
-              <a:buChar char="•"/>
-            </a:pPr>
-            <a:r>
-              <a:rPr lang="en-US" dirty="0"/>
-              <a:t>Encrypted Blowfish key</a:t>
-            </a:r>
-          </a:p>
-          <a:p>
-            <a:pPr marL="742950" lvl="1" indent="-285750">
-              <a:buFont typeface="Arial" panose="020B0604020202020204" pitchFamily="34" charset="0"/>
-              <a:buChar char="•"/>
-            </a:pPr>
-            <a:r>
-              <a:rPr lang="en-US" dirty="0"/>
-              <a:t>Digital signature</a:t>
-            </a:r>
-          </a:p>
-          <a:p>
-            <a:pPr marL="742950" lvl="1" indent="-285750">
-              <a:buFont typeface="Arial" panose="020B0604020202020204" pitchFamily="34" charset="0"/>
-              <a:buChar char="•"/>
-            </a:pPr>
-            <a:r>
-              <a:rPr lang="en-US" dirty="0"/>
-              <a:t>Sender’s public ECDSA key</a:t>
-            </a:r>
+              <a:rPr lang="en-US" b="1" dirty="0"/>
+              <a:t>Message encrypted using Blowfish cipher</a:t>
+            </a:r>
+            <a:endParaRPr lang="en-US" dirty="0"/>
           </a:p>
           <a:p>
             <a:pPr>
@@ -7923,36 +7892,14 @@
               <a:t> </a:t>
             </a:r>
             <a:r>
+              <a:rPr lang="en-US" dirty="0"/>
+              <a:t>Uses a </a:t>
+            </a:r>
+            <a:r>
               <a:rPr lang="en-US" b="1" dirty="0"/>
-              <a:t>Step 1: Decrypt Blowfish key</a:t>
+              <a:t>randomly generated symmetric key</a:t>
             </a:r>
             <a:endParaRPr lang="en-US" dirty="0"/>
-          </a:p>
-          <a:p>
-            <a:pPr marL="742950" lvl="1" indent="-285750">
-              <a:buFont typeface="Arial" panose="020B0604020202020204" pitchFamily="34" charset="0"/>
-              <a:buChar char="•"/>
-            </a:pPr>
-            <a:r>
-              <a:rPr lang="en-US" dirty="0"/>
-              <a:t>Use </a:t>
-            </a:r>
-            <a:r>
-              <a:rPr lang="en-US" dirty="0" err="1"/>
-              <a:t>McEliece</a:t>
-            </a:r>
-            <a:r>
-              <a:rPr lang="en-US" dirty="0"/>
-              <a:t> </a:t>
-            </a:r>
-            <a:r>
-              <a:rPr lang="en-US" b="1" dirty="0"/>
-              <a:t>private key</a:t>
-            </a:r>
-            <a:r>
-              <a:rPr lang="en-US" dirty="0"/>
-              <a:t> to recover the symmetric Blowfish key</a:t>
-            </a:r>
           </a:p>
           <a:p>
             <a:pPr>
@@ -7965,18 +7912,11 @@
             </a:r>
             <a:r>
               <a:rPr lang="en-US" b="1" dirty="0"/>
-              <a:t>Step 2: Decrypt the message</a:t>
-            </a:r>
-            <a:endParaRPr lang="en-US" dirty="0"/>
-          </a:p>
-          <a:p>
-            <a:pPr marL="742950" lvl="1" indent="-285750">
-              <a:buFont typeface="Arial" panose="020B0604020202020204" pitchFamily="34" charset="0"/>
-              <a:buChar char="•"/>
-            </a:pPr>
-            <a:r>
-              <a:rPr lang="en-US" dirty="0"/>
-              <a:t>Use the recovered Blowfish key to decrypt the message</a:t>
+              <a:t>Output is ciphertext</a:t>
+            </a:r>
+            <a:r>
+              <a:rPr lang="en-US" dirty="0"/>
+              <a:t>: unreadable without the correct key</a:t>
             </a:r>
           </a:p>
           <a:p>
@@ -7989,19 +7929,8 @@
               <a:t> </a:t>
             </a:r>
             <a:r>
-              <a:rPr lang="en-US" b="1" dirty="0"/>
-              <a:t>Step 3: Verify the signature</a:t>
-            </a:r>
-            <a:endParaRPr lang="en-US" dirty="0"/>
-          </a:p>
-          <a:p>
-            <a:pPr marL="742950" lvl="1" indent="-285750">
-              <a:buFont typeface="Arial" panose="020B0604020202020204" pitchFamily="34" charset="0"/>
-              <a:buChar char="•"/>
-            </a:pPr>
-            <a:r>
-              <a:rPr lang="en-US" dirty="0"/>
-              <a:t>Use sender’s public ECDSA key to confirm message authenticity</a:t>
+              <a:rPr lang="en-US" dirty="0"/>
+              <a:t>Appears as random data (e.g., hexadecimal or base64)</a:t>
             </a:r>
           </a:p>
           <a:p>
@@ -8015,7 +7944,26 @@
             </a:r>
             <a:r>
               <a:rPr lang="en-US" dirty="0"/>
-              <a:t>Message is only accepted if signature is valid</a:t>
+              <a:t>Blowfish key will be securely sent using </a:t>
+            </a:r>
+            <a:r>
+              <a:rPr lang="en-US" b="1" dirty="0" err="1"/>
+              <a:t>McEliece</a:t>
+            </a:r>
+            <a:endParaRPr lang="en-US" dirty="0"/>
+          </a:p>
+          <a:p>
+            <a:pPr>
+              <a:buFont typeface="Arial" panose="020B0604020202020204" pitchFamily="34" charset="0"/>
+              <a:buChar char="•"/>
+            </a:pPr>
+            <a:r>
+              <a:rPr lang="he-IL" dirty="0"/>
+              <a:t> </a:t>
+            </a:r>
+            <a:r>
+              <a:rPr lang="en-US" dirty="0"/>
+              <a:t>Protects message confidentiality in transit</a:t>
             </a:r>
           </a:p>
           <a:p>
@@ -8026,7 +7974,7 @@
     </p:spTree>
     <p:extLst>
       <p:ext uri="{BB962C8B-B14F-4D97-AF65-F5344CB8AC3E}">
-        <p14:creationId xmlns:p14="http://schemas.microsoft.com/office/powerpoint/2010/main" val="351153011"/>
+        <p14:creationId xmlns:p14="http://schemas.microsoft.com/office/powerpoint/2010/main" val="3549070684"/>
       </p:ext>
     </p:extLst>
   </p:cSld>
@@ -8058,6 +8006,250 @@
           <p:cNvPr id="2" name="Title 1">
             <a:extLst>
               <a:ext uri="{FF2B5EF4-FFF2-40B4-BE49-F238E27FC236}">
+                <a16:creationId xmlns:a16="http://schemas.microsoft.com/office/drawing/2014/main" id="{7C313ABA-0CD1-864A-C658-376BE54E099A}"/>
+              </a:ext>
+            </a:extLst>
+          </p:cNvPr>
+          <p:cNvSpPr>
+            <a:spLocks noGrp="1"/>
+          </p:cNvSpPr>
+          <p:nvPr>
+            <p:ph type="title"/>
+          </p:nvPr>
+        </p:nvSpPr>
+        <p:spPr/>
+        <p:txBody>
+          <a:bodyPr/>
+          <a:lstStyle/>
+          <a:p>
+            <a:r>
+              <a:rPr lang="en-US" dirty="0"/>
+              <a:t>How to decipher with the key</a:t>
+            </a:r>
+          </a:p>
+        </p:txBody>
+      </p:sp>
+      <p:sp>
+        <p:nvSpPr>
+          <p:cNvPr id="3" name="Content Placeholder 2">
+            <a:extLst>
+              <a:ext uri="{FF2B5EF4-FFF2-40B4-BE49-F238E27FC236}">
+                <a16:creationId xmlns:a16="http://schemas.microsoft.com/office/drawing/2014/main" id="{4441DE8B-3BFF-25A7-C22F-17EA37DCE609}"/>
+              </a:ext>
+            </a:extLst>
+          </p:cNvPr>
+          <p:cNvSpPr>
+            <a:spLocks noGrp="1"/>
+          </p:cNvSpPr>
+          <p:nvPr>
+            <p:ph idx="1"/>
+          </p:nvPr>
+        </p:nvSpPr>
+        <p:spPr/>
+        <p:txBody>
+          <a:bodyPr>
+            <a:normAutofit fontScale="92500" lnSpcReduction="10000"/>
+          </a:bodyPr>
+          <a:lstStyle/>
+          <a:p>
+            <a:pPr>
+              <a:buFont typeface="Arial" panose="020B0604020202020204" pitchFamily="34" charset="0"/>
+              <a:buChar char="•"/>
+            </a:pPr>
+            <a:r>
+              <a:rPr lang="he-IL" dirty="0"/>
+              <a:t> </a:t>
+            </a:r>
+            <a:r>
+              <a:rPr lang="en-US" dirty="0"/>
+              <a:t>Receiver (Bob) receives:</a:t>
+            </a:r>
+          </a:p>
+          <a:p>
+            <a:pPr marL="742950" lvl="1" indent="-285750">
+              <a:buFont typeface="Arial" panose="020B0604020202020204" pitchFamily="34" charset="0"/>
+              <a:buChar char="•"/>
+            </a:pPr>
+            <a:r>
+              <a:rPr lang="en-US" dirty="0"/>
+              <a:t>Encrypted message (ciphertext)</a:t>
+            </a:r>
+          </a:p>
+          <a:p>
+            <a:pPr marL="742950" lvl="1" indent="-285750">
+              <a:buFont typeface="Arial" panose="020B0604020202020204" pitchFamily="34" charset="0"/>
+              <a:buChar char="•"/>
+            </a:pPr>
+            <a:r>
+              <a:rPr lang="en-US" dirty="0"/>
+              <a:t>Encrypted Blowfish key</a:t>
+            </a:r>
+          </a:p>
+          <a:p>
+            <a:pPr marL="742950" lvl="1" indent="-285750">
+              <a:buFont typeface="Arial" panose="020B0604020202020204" pitchFamily="34" charset="0"/>
+              <a:buChar char="•"/>
+            </a:pPr>
+            <a:r>
+              <a:rPr lang="en-US" dirty="0"/>
+              <a:t>Digital signature</a:t>
+            </a:r>
+          </a:p>
+          <a:p>
+            <a:pPr marL="742950" lvl="1" indent="-285750">
+              <a:buFont typeface="Arial" panose="020B0604020202020204" pitchFamily="34" charset="0"/>
+              <a:buChar char="•"/>
+            </a:pPr>
+            <a:r>
+              <a:rPr lang="en-US" dirty="0"/>
+              <a:t>Sender’s public ECDSA key</a:t>
+            </a:r>
+          </a:p>
+          <a:p>
+            <a:pPr>
+              <a:buFont typeface="Arial" panose="020B0604020202020204" pitchFamily="34" charset="0"/>
+              <a:buChar char="•"/>
+            </a:pPr>
+            <a:r>
+              <a:rPr lang="he-IL" dirty="0"/>
+              <a:t> </a:t>
+            </a:r>
+            <a:r>
+              <a:rPr lang="en-US" b="1" dirty="0"/>
+              <a:t>Step 1: Decrypt Blowfish key</a:t>
+            </a:r>
+            <a:endParaRPr lang="en-US" dirty="0"/>
+          </a:p>
+          <a:p>
+            <a:pPr marL="742950" lvl="1" indent="-285750">
+              <a:buFont typeface="Arial" panose="020B0604020202020204" pitchFamily="34" charset="0"/>
+              <a:buChar char="•"/>
+            </a:pPr>
+            <a:r>
+              <a:rPr lang="en-US" dirty="0"/>
+              <a:t>Use </a:t>
+            </a:r>
+            <a:r>
+              <a:rPr lang="en-US" dirty="0" err="1"/>
+              <a:t>McEliece</a:t>
+            </a:r>
+            <a:r>
+              <a:rPr lang="en-US" dirty="0"/>
+              <a:t> </a:t>
+            </a:r>
+            <a:r>
+              <a:rPr lang="en-US" b="1" dirty="0"/>
+              <a:t>private key</a:t>
+            </a:r>
+            <a:r>
+              <a:rPr lang="en-US" dirty="0"/>
+              <a:t> to recover the symmetric Blowfish key</a:t>
+            </a:r>
+          </a:p>
+          <a:p>
+            <a:pPr>
+              <a:buFont typeface="Arial" panose="020B0604020202020204" pitchFamily="34" charset="0"/>
+              <a:buChar char="•"/>
+            </a:pPr>
+            <a:r>
+              <a:rPr lang="he-IL" dirty="0"/>
+              <a:t> </a:t>
+            </a:r>
+            <a:r>
+              <a:rPr lang="en-US" b="1" dirty="0"/>
+              <a:t>Step 2: Decrypt the message</a:t>
+            </a:r>
+            <a:endParaRPr lang="en-US" dirty="0"/>
+          </a:p>
+          <a:p>
+            <a:pPr marL="742950" lvl="1" indent="-285750">
+              <a:buFont typeface="Arial" panose="020B0604020202020204" pitchFamily="34" charset="0"/>
+              <a:buChar char="•"/>
+            </a:pPr>
+            <a:r>
+              <a:rPr lang="en-US" dirty="0"/>
+              <a:t>Use the recovered Blowfish key to decrypt the message</a:t>
+            </a:r>
+          </a:p>
+          <a:p>
+            <a:pPr>
+              <a:buFont typeface="Arial" panose="020B0604020202020204" pitchFamily="34" charset="0"/>
+              <a:buChar char="•"/>
+            </a:pPr>
+            <a:r>
+              <a:rPr lang="he-IL" dirty="0"/>
+              <a:t> </a:t>
+            </a:r>
+            <a:r>
+              <a:rPr lang="en-US" b="1" dirty="0"/>
+              <a:t>Step 3: Verify the signature</a:t>
+            </a:r>
+            <a:endParaRPr lang="en-US" dirty="0"/>
+          </a:p>
+          <a:p>
+            <a:pPr marL="742950" lvl="1" indent="-285750">
+              <a:buFont typeface="Arial" panose="020B0604020202020204" pitchFamily="34" charset="0"/>
+              <a:buChar char="•"/>
+            </a:pPr>
+            <a:r>
+              <a:rPr lang="en-US" dirty="0"/>
+              <a:t>Use sender’s public ECDSA key to confirm message authenticity</a:t>
+            </a:r>
+          </a:p>
+          <a:p>
+            <a:pPr>
+              <a:buFont typeface="Arial" panose="020B0604020202020204" pitchFamily="34" charset="0"/>
+              <a:buChar char="•"/>
+            </a:pPr>
+            <a:r>
+              <a:rPr lang="he-IL" dirty="0"/>
+              <a:t> </a:t>
+            </a:r>
+            <a:r>
+              <a:rPr lang="en-US" dirty="0"/>
+              <a:t>Message is only accepted if signature is valid</a:t>
+            </a:r>
+          </a:p>
+          <a:p>
+            <a:endParaRPr lang="en-US" dirty="0"/>
+          </a:p>
+        </p:txBody>
+      </p:sp>
+    </p:spTree>
+    <p:extLst>
+      <p:ext uri="{BB962C8B-B14F-4D97-AF65-F5344CB8AC3E}">
+        <p14:creationId xmlns:p14="http://schemas.microsoft.com/office/powerpoint/2010/main" val="351153011"/>
+      </p:ext>
+    </p:extLst>
+  </p:cSld>
+  <p:clrMapOvr>
+    <a:masterClrMapping/>
+  </p:clrMapOvr>
+</p:sld>
+</file>
+
+<file path=ppt/slides/slide17.xml><?xml version="1.0" encoding="utf-8"?>
+<p:sld xmlns:a="http://schemas.openxmlformats.org/drawingml/2006/main" xmlns:r="http://schemas.openxmlformats.org/officeDocument/2006/relationships" xmlns:p="http://schemas.openxmlformats.org/presentationml/2006/main">
+  <p:cSld>
+    <p:spTree>
+      <p:nvGrpSpPr>
+        <p:cNvPr id="1" name=""/>
+        <p:cNvGrpSpPr/>
+        <p:nvPr/>
+      </p:nvGrpSpPr>
+      <p:grpSpPr>
+        <a:xfrm>
+          <a:off x="0" y="0"/>
+          <a:ext cx="0" cy="0"/>
+          <a:chOff x="0" y="0"/>
+          <a:chExt cx="0" cy="0"/>
+        </a:xfrm>
+      </p:grpSpPr>
+      <p:sp>
+        <p:nvSpPr>
+          <p:cNvPr id="2" name="Title 1">
+            <a:extLst>
+              <a:ext uri="{FF2B5EF4-FFF2-40B4-BE49-F238E27FC236}">
                 <a16:creationId xmlns:a16="http://schemas.microsoft.com/office/drawing/2014/main" id="{0A8D517A-27A8-A120-4438-2C1E3CD6C6B4}"/>
               </a:ext>
             </a:extLst>
@@ -8183,7 +8375,7 @@
 </p:sld>
 </file>
 
-<file path=ppt/slides/slide17.xml><?xml version="1.0" encoding="utf-8"?>
+<file path=ppt/slides/slide18.xml><?xml version="1.0" encoding="utf-8"?>
 <p:sld xmlns:a="http://schemas.openxmlformats.org/drawingml/2006/main" xmlns:r="http://schemas.openxmlformats.org/officeDocument/2006/relationships" xmlns:p="http://schemas.openxmlformats.org/presentationml/2006/main">
   <p:cSld>
     <p:spTree>
@@ -8378,7 +8570,7 @@
 </p:sld>
 </file>
 
-<file path=ppt/slides/slide18.xml><?xml version="1.0" encoding="utf-8"?>
+<file path=ppt/slides/slide19.xml><?xml version="1.0" encoding="utf-8"?>
 <p:sld xmlns:a="http://schemas.openxmlformats.org/drawingml/2006/main" xmlns:r="http://schemas.openxmlformats.org/officeDocument/2006/relationships" xmlns:p="http://schemas.openxmlformats.org/presentationml/2006/main">
   <p:cSld>
     <p:spTree>
@@ -9391,7 +9583,7 @@
             </a:r>
             <a:r>
               <a:rPr lang="en-US" dirty="0"/>
-              <a:t> of mixing things up:</a:t>
+              <a:t>:</a:t>
             </a:r>
           </a:p>
           <a:p>
@@ -9486,6 +9678,185 @@
 </file>
 
 <file path=ppt/slides/slide4.xml><?xml version="1.0" encoding="utf-8"?>
+<p:sld xmlns:a="http://schemas.openxmlformats.org/drawingml/2006/main" xmlns:r="http://schemas.openxmlformats.org/officeDocument/2006/relationships" xmlns:p="http://schemas.openxmlformats.org/presentationml/2006/main">
+  <p:cSld>
+    <p:spTree>
+      <p:nvGrpSpPr>
+        <p:cNvPr id="1" name="">
+          <a:extLst>
+            <a:ext uri="{FF2B5EF4-FFF2-40B4-BE49-F238E27FC236}">
+              <a16:creationId xmlns:a16="http://schemas.microsoft.com/office/drawing/2014/main" id="{C2095A1E-56ED-6634-507E-B94FF1A50275}"/>
+            </a:ext>
+          </a:extLst>
+        </p:cNvPr>
+        <p:cNvGrpSpPr/>
+        <p:nvPr/>
+      </p:nvGrpSpPr>
+      <p:grpSpPr>
+        <a:xfrm>
+          <a:off x="0" y="0"/>
+          <a:ext cx="0" cy="0"/>
+          <a:chOff x="0" y="0"/>
+          <a:chExt cx="0" cy="0"/>
+        </a:xfrm>
+      </p:grpSpPr>
+      <p:sp>
+        <p:nvSpPr>
+          <p:cNvPr id="2" name="Title 1">
+            <a:extLst>
+              <a:ext uri="{FF2B5EF4-FFF2-40B4-BE49-F238E27FC236}">
+                <a16:creationId xmlns:a16="http://schemas.microsoft.com/office/drawing/2014/main" id="{36B83883-11BA-408C-0FAE-561535842D6F}"/>
+              </a:ext>
+            </a:extLst>
+          </p:cNvPr>
+          <p:cNvSpPr>
+            <a:spLocks noGrp="1"/>
+          </p:cNvSpPr>
+          <p:nvPr>
+            <p:ph type="title"/>
+          </p:nvPr>
+        </p:nvSpPr>
+        <p:spPr/>
+        <p:txBody>
+          <a:bodyPr/>
+          <a:lstStyle/>
+          <a:p>
+            <a:r>
+              <a:rPr lang="en-US" dirty="0"/>
+              <a:t>How the cipher works - Blowfish</a:t>
+            </a:r>
+          </a:p>
+        </p:txBody>
+      </p:sp>
+      <p:pic>
+        <p:nvPicPr>
+          <p:cNvPr id="5" name="מציין מיקום תוכן 4">
+            <a:extLst>
+              <a:ext uri="{FF2B5EF4-FFF2-40B4-BE49-F238E27FC236}">
+                <a16:creationId xmlns:a16="http://schemas.microsoft.com/office/drawing/2014/main" id="{0AE47F9A-8EA9-AF24-64DE-5F2F39545126}"/>
+              </a:ext>
+            </a:extLst>
+          </p:cNvPr>
+          <p:cNvPicPr>
+            <a:picLocks noGrp="1" noChangeAspect="1"/>
+          </p:cNvPicPr>
+          <p:nvPr>
+            <p:ph idx="1"/>
+          </p:nvPr>
+        </p:nvPicPr>
+        <p:blipFill>
+          <a:blip r:embed="rId3"/>
+          <a:stretch>
+            <a:fillRect/>
+          </a:stretch>
+        </p:blipFill>
+        <p:spPr>
+          <a:xfrm>
+            <a:off x="1097280" y="4677227"/>
+            <a:ext cx="5077534" cy="1314633"/>
+          </a:xfrm>
+        </p:spPr>
+      </p:pic>
+      <p:pic>
+        <p:nvPicPr>
+          <p:cNvPr id="7" name="תמונה 6">
+            <a:extLst>
+              <a:ext uri="{FF2B5EF4-FFF2-40B4-BE49-F238E27FC236}">
+                <a16:creationId xmlns:a16="http://schemas.microsoft.com/office/drawing/2014/main" id="{92A30ADB-B922-B06A-DE06-834C189BEC83}"/>
+              </a:ext>
+            </a:extLst>
+          </p:cNvPr>
+          <p:cNvPicPr>
+            <a:picLocks noChangeAspect="1"/>
+          </p:cNvPicPr>
+          <p:nvPr/>
+        </p:nvPicPr>
+        <p:blipFill>
+          <a:blip r:embed="rId4"/>
+          <a:stretch>
+            <a:fillRect/>
+          </a:stretch>
+        </p:blipFill>
+        <p:spPr>
+          <a:xfrm>
+            <a:off x="6433009" y="1877060"/>
+            <a:ext cx="4350470" cy="4114800"/>
+          </a:xfrm>
+          <a:prstGeom prst="rect">
+            <a:avLst/>
+          </a:prstGeom>
+        </p:spPr>
+      </p:pic>
+      <p:sp>
+        <p:nvSpPr>
+          <p:cNvPr id="8" name="תיבת טקסט 7">
+            <a:extLst>
+              <a:ext uri="{FF2B5EF4-FFF2-40B4-BE49-F238E27FC236}">
+                <a16:creationId xmlns:a16="http://schemas.microsoft.com/office/drawing/2014/main" id="{E1CDC708-3EBD-CC28-DF02-46365B70AE9C}"/>
+              </a:ext>
+            </a:extLst>
+          </p:cNvPr>
+          <p:cNvSpPr txBox="1"/>
+          <p:nvPr/>
+        </p:nvSpPr>
+        <p:spPr>
+          <a:xfrm>
+            <a:off x="1097280" y="2178121"/>
+            <a:ext cx="4661712" cy="923330"/>
+          </a:xfrm>
+          <a:prstGeom prst="rect">
+            <a:avLst/>
+          </a:prstGeom>
+          <a:noFill/>
+        </p:spPr>
+        <p:txBody>
+          <a:bodyPr wrap="square" rtlCol="1">
+            <a:spAutoFit/>
+          </a:bodyPr>
+          <a:lstStyle/>
+          <a:p>
+            <a:pPr marL="285750" indent="-285750">
+              <a:buFont typeface="Arial" panose="020B0604020202020204" pitchFamily="34" charset="0"/>
+              <a:buChar char="•"/>
+            </a:pPr>
+            <a:r>
+              <a:rPr lang="en-US" dirty="0"/>
+              <a:t>64-bits block size</a:t>
+            </a:r>
+          </a:p>
+          <a:p>
+            <a:pPr marL="285750" indent="-285750">
+              <a:buFont typeface="Arial" panose="020B0604020202020204" pitchFamily="34" charset="0"/>
+              <a:buChar char="•"/>
+            </a:pPr>
+            <a:r>
+              <a:rPr lang="en-US" dirty="0"/>
+              <a:t>448-bits key-length</a:t>
+            </a:r>
+          </a:p>
+          <a:p>
+            <a:pPr marL="285750" indent="-285750">
+              <a:buFont typeface="Arial" panose="020B0604020202020204" pitchFamily="34" charset="0"/>
+              <a:buChar char="•"/>
+            </a:pPr>
+            <a:endParaRPr lang="he-IL" dirty="0"/>
+          </a:p>
+        </p:txBody>
+      </p:sp>
+    </p:spTree>
+    <p:extLst>
+      <p:ext uri="{BB962C8B-B14F-4D97-AF65-F5344CB8AC3E}">
+        <p14:creationId xmlns:p14="http://schemas.microsoft.com/office/powerpoint/2010/main" val="3161581614"/>
+      </p:ext>
+    </p:extLst>
+  </p:cSld>
+  <p:clrMapOvr>
+    <a:masterClrMapping/>
+  </p:clrMapOvr>
+</p:sld>
+</file>
+
+<file path=ppt/slides/slide5.xml><?xml version="1.0" encoding="utf-8"?>
 <p:sld xmlns:a="http://schemas.openxmlformats.org/drawingml/2006/main" xmlns:r="http://schemas.openxmlformats.org/officeDocument/2006/relationships" xmlns:p="http://schemas.openxmlformats.org/presentationml/2006/main">
   <p:cSld>
     <p:spTree>
@@ -9670,7 +10041,7 @@
 </p:sld>
 </file>
 
-<file path=ppt/slides/slide5.xml><?xml version="1.0" encoding="utf-8"?>
+<file path=ppt/slides/slide6.xml><?xml version="1.0" encoding="utf-8"?>
 <p:sld xmlns:a="http://schemas.openxmlformats.org/drawingml/2006/main" xmlns:r="http://schemas.openxmlformats.org/officeDocument/2006/relationships" xmlns:p="http://schemas.openxmlformats.org/presentationml/2006/main">
   <p:cSld>
     <p:spTree>
@@ -11908,7 +12279,7 @@
 </p:sld>
 </file>
 
-<file path=ppt/slides/slide6.xml><?xml version="1.0" encoding="utf-8"?>
+<file path=ppt/slides/slide7.xml><?xml version="1.0" encoding="utf-8"?>
 <p:sld xmlns:a="http://schemas.openxmlformats.org/drawingml/2006/main" xmlns:r="http://schemas.openxmlformats.org/officeDocument/2006/relationships" xmlns:p="http://schemas.openxmlformats.org/presentationml/2006/main">
   <p:cSld>
     <p:spTree>
@@ -12115,7 +12486,7 @@
 </p:sld>
 </file>
 
-<file path=ppt/slides/slide7.xml><?xml version="1.0" encoding="utf-8"?>
+<file path=ppt/slides/slide8.xml><?xml version="1.0" encoding="utf-8"?>
 <p:sld xmlns:a="http://schemas.openxmlformats.org/drawingml/2006/main" xmlns:r="http://schemas.openxmlformats.org/officeDocument/2006/relationships" xmlns:p="http://schemas.openxmlformats.org/presentationml/2006/main">
   <p:cSld>
     <p:spTree>
@@ -12408,7 +12779,7 @@
 </p:sld>
 </file>
 
-<file path=ppt/slides/slide8.xml><?xml version="1.0" encoding="utf-8"?>
+<file path=ppt/slides/slide9.xml><?xml version="1.0" encoding="utf-8"?>
 <p:sld xmlns:a="http://schemas.openxmlformats.org/drawingml/2006/main" xmlns:r="http://schemas.openxmlformats.org/officeDocument/2006/relationships" xmlns:p="http://schemas.openxmlformats.org/presentationml/2006/main">
   <p:cSld>
     <p:spTree>
@@ -12607,89 +12978,6 @@
     <p:extLst>
       <p:ext uri="{BB962C8B-B14F-4D97-AF65-F5344CB8AC3E}">
         <p14:creationId xmlns:p14="http://schemas.microsoft.com/office/powerpoint/2010/main" val="213092705"/>
-      </p:ext>
-    </p:extLst>
-  </p:cSld>
-  <p:clrMapOvr>
-    <a:masterClrMapping/>
-  </p:clrMapOvr>
-</p:sld>
-</file>
-
-<file path=ppt/slides/slide9.xml><?xml version="1.0" encoding="utf-8"?>
-<p:sld xmlns:a="http://schemas.openxmlformats.org/drawingml/2006/main" xmlns:r="http://schemas.openxmlformats.org/officeDocument/2006/relationships" xmlns:p="http://schemas.openxmlformats.org/presentationml/2006/main">
-  <p:cSld>
-    <p:spTree>
-      <p:nvGrpSpPr>
-        <p:cNvPr id="1" name=""/>
-        <p:cNvGrpSpPr/>
-        <p:nvPr/>
-      </p:nvGrpSpPr>
-      <p:grpSpPr>
-        <a:xfrm>
-          <a:off x="0" y="0"/>
-          <a:ext cx="0" cy="0"/>
-          <a:chOff x="0" y="0"/>
-          <a:chExt cx="0" cy="0"/>
-        </a:xfrm>
-      </p:grpSpPr>
-      <p:sp>
-        <p:nvSpPr>
-          <p:cNvPr id="2" name="Title 1">
-            <a:extLst>
-              <a:ext uri="{FF2B5EF4-FFF2-40B4-BE49-F238E27FC236}">
-                <a16:creationId xmlns:a16="http://schemas.microsoft.com/office/drawing/2014/main" id="{E0E656CA-6D7E-F6D4-371D-11E7E6BCEC8F}"/>
-              </a:ext>
-            </a:extLst>
-          </p:cNvPr>
-          <p:cNvSpPr>
-            <a:spLocks noGrp="1"/>
-          </p:cNvSpPr>
-          <p:nvPr>
-            <p:ph type="title"/>
-          </p:nvPr>
-        </p:nvSpPr>
-        <p:spPr/>
-        <p:txBody>
-          <a:bodyPr/>
-          <a:lstStyle/>
-          <a:p>
-            <a:r>
-              <a:rPr lang="en-US" dirty="0"/>
-              <a:t>BUFFER</a:t>
-            </a:r>
-          </a:p>
-        </p:txBody>
-      </p:sp>
-      <p:sp>
-        <p:nvSpPr>
-          <p:cNvPr id="3" name="Content Placeholder 2">
-            <a:extLst>
-              <a:ext uri="{FF2B5EF4-FFF2-40B4-BE49-F238E27FC236}">
-                <a16:creationId xmlns:a16="http://schemas.microsoft.com/office/drawing/2014/main" id="{0B523BCC-EC93-7D04-AA0B-A5282DB73C3C}"/>
-              </a:ext>
-            </a:extLst>
-          </p:cNvPr>
-          <p:cNvSpPr>
-            <a:spLocks noGrp="1"/>
-          </p:cNvSpPr>
-          <p:nvPr>
-            <p:ph idx="1"/>
-          </p:nvPr>
-        </p:nvSpPr>
-        <p:spPr/>
-        <p:txBody>
-          <a:bodyPr/>
-          <a:lstStyle/>
-          <a:p>
-            <a:endParaRPr lang="en-US"/>
-          </a:p>
-        </p:txBody>
-      </p:sp>
-    </p:spTree>
-    <p:extLst>
-      <p:ext uri="{BB962C8B-B14F-4D97-AF65-F5344CB8AC3E}">
-        <p14:creationId xmlns:p14="http://schemas.microsoft.com/office/powerpoint/2010/main" val="2786412354"/>
       </p:ext>
     </p:extLst>
   </p:cSld>
@@ -13298,6 +13586,23 @@
 </file>
 
 <file path=customXml/item1.xml><?xml version="1.0" encoding="utf-8"?>
+<p:properties xmlns:p="http://schemas.microsoft.com/office/2006/metadata/properties" xmlns:xsi="http://www.w3.org/2001/XMLSchema-instance" xmlns:pc="http://schemas.microsoft.com/office/infopath/2007/PartnerControls">
+  <documentManagement>
+    <_activity xmlns="7480d4d1-d0c4-4454-afbf-f8adc94c61a9" xsi:nil="true"/>
+  </documentManagement>
+</p:properties>
+</file>
+
+<file path=customXml/item2.xml><?xml version="1.0" encoding="utf-8"?>
+<?mso-contentType ?>
+<FormTemplates xmlns="http://schemas.microsoft.com/sharepoint/v3/contenttype/forms">
+  <Display>DocumentLibraryForm</Display>
+  <Edit>DocumentLibraryForm</Edit>
+  <New>DocumentLibraryForm</New>
+</FormTemplates>
+</file>
+
+<file path=customXml/item3.xml><?xml version="1.0" encoding="utf-8"?>
 <ct:contentTypeSchema xmlns:ct="http://schemas.microsoft.com/office/2006/metadata/contentType" xmlns:ma="http://schemas.microsoft.com/office/2006/metadata/properties/metaAttributes" ct:_="" ma:_="" ma:contentTypeName="Document" ma:contentTypeID="0x0101001E533B1092E7D145A9BA91CDD86ED454" ma:contentTypeVersion="15" ma:contentTypeDescription="Create a new document." ma:contentTypeScope="" ma:versionID="a69725e3e5755fe7ea146dd1394aca70">
   <xsd:schema xmlns:xsd="http://www.w3.org/2001/XMLSchema" xmlns:xs="http://www.w3.org/2001/XMLSchema" xmlns:p="http://schemas.microsoft.com/office/2006/metadata/properties" xmlns:ns3="7480d4d1-d0c4-4454-afbf-f8adc94c61a9" xmlns:ns4="5ee8e921-8df8-4dab-b498-9cbdafab85af" targetNamespace="http://schemas.microsoft.com/office/2006/metadata/properties" ma:root="true" ma:fieldsID="5848f545f59b5a6de7572048428bffca" ns3:_="" ns4:_="">
     <xsd:import namespace="7480d4d1-d0c4-4454-afbf-f8adc94c61a9"/>
@@ -13530,24 +13835,32 @@
 </ct:contentTypeSchema>
 </file>
 
-<file path=customXml/item2.xml><?xml version="1.0" encoding="utf-8"?>
-<?mso-contentType ?>
-<FormTemplates xmlns="http://schemas.microsoft.com/sharepoint/v3/contenttype/forms">
-  <Display>DocumentLibraryForm</Display>
-  <Edit>DocumentLibraryForm</Edit>
-  <New>DocumentLibraryForm</New>
-</FormTemplates>
+<file path=customXml/itemProps1.xml><?xml version="1.0" encoding="utf-8"?>
+<ds:datastoreItem xmlns:ds="http://schemas.openxmlformats.org/officeDocument/2006/customXml" ds:itemID="{F4408F56-9A13-4A87-A165-FA692790BA4D}">
+  <ds:schemaRefs>
+    <ds:schemaRef ds:uri="http://schemas.microsoft.com/office/2006/documentManagement/types"/>
+    <ds:schemaRef ds:uri="http://schemas.microsoft.com/office/infopath/2007/PartnerControls"/>
+    <ds:schemaRef ds:uri="7480d4d1-d0c4-4454-afbf-f8adc94c61a9"/>
+    <ds:schemaRef ds:uri="http://schemas.microsoft.com/office/2006/metadata/properties"/>
+    <ds:schemaRef ds:uri="http://purl.org/dc/terms/"/>
+    <ds:schemaRef ds:uri="http://purl.org/dc/dcmitype/"/>
+    <ds:schemaRef ds:uri="http://purl.org/dc/elements/1.1/"/>
+    <ds:schemaRef ds:uri="http://schemas.openxmlformats.org/package/2006/metadata/core-properties"/>
+    <ds:schemaRef ds:uri="http://www.w3.org/XML/1998/namespace"/>
+    <ds:schemaRef ds:uri="5ee8e921-8df8-4dab-b498-9cbdafab85af"/>
+  </ds:schemaRefs>
+</ds:datastoreItem>
 </file>
 
-<file path=customXml/item3.xml><?xml version="1.0" encoding="utf-8"?>
-<p:properties xmlns:p="http://schemas.microsoft.com/office/2006/metadata/properties" xmlns:xsi="http://www.w3.org/2001/XMLSchema-instance" xmlns:pc="http://schemas.microsoft.com/office/infopath/2007/PartnerControls">
-  <documentManagement>
-    <_activity xmlns="7480d4d1-d0c4-4454-afbf-f8adc94c61a9" xsi:nil="true"/>
-  </documentManagement>
-</p:properties>
+<file path=customXml/itemProps2.xml><?xml version="1.0" encoding="utf-8"?>
+<ds:datastoreItem xmlns:ds="http://schemas.openxmlformats.org/officeDocument/2006/customXml" ds:itemID="{499C5EEE-F1A0-4304-BAD3-4B1A75818CCE}">
+  <ds:schemaRefs>
+    <ds:schemaRef ds:uri="http://schemas.microsoft.com/sharepoint/v3/contenttype/forms"/>
+  </ds:schemaRefs>
+</ds:datastoreItem>
 </file>
 
-<file path=customXml/itemProps1.xml><?xml version="1.0" encoding="utf-8"?>
+<file path=customXml/itemProps3.xml><?xml version="1.0" encoding="utf-8"?>
 <ds:datastoreItem xmlns:ds="http://schemas.openxmlformats.org/officeDocument/2006/customXml" ds:itemID="{28FE47B3-7630-4512-B3F8-B1A8CE5E500C}">
   <ds:schemaRefs>
     <ds:schemaRef ds:uri="http://schemas.microsoft.com/office/2006/metadata/contentType"/>
@@ -13564,29 +13877,4 @@
     <ds:schemaRef ds:uri="http://schemas.microsoft.com/internal/obd"/>
   </ds:schemaRefs>
 </ds:datastoreItem>
-</file>
-
-<file path=customXml/itemProps2.xml><?xml version="1.0" encoding="utf-8"?>
-<ds:datastoreItem xmlns:ds="http://schemas.openxmlformats.org/officeDocument/2006/customXml" ds:itemID="{499C5EEE-F1A0-4304-BAD3-4B1A75818CCE}">
-  <ds:schemaRefs>
-    <ds:schemaRef ds:uri="http://schemas.microsoft.com/sharepoint/v3/contenttype/forms"/>
-  </ds:schemaRefs>
-</ds:datastoreItem>
-</file>
-
-<file path=customXml/itemProps3.xml><?xml version="1.0" encoding="utf-8"?>
-<ds:datastoreItem xmlns:ds="http://schemas.openxmlformats.org/officeDocument/2006/customXml" ds:itemID="{F4408F56-9A13-4A87-A165-FA692790BA4D}">
-  <ds:schemaRefs>
-    <ds:schemaRef ds:uri="http://schemas.microsoft.com/office/2006/documentManagement/types"/>
-    <ds:schemaRef ds:uri="http://schemas.microsoft.com/office/infopath/2007/PartnerControls"/>
-    <ds:schemaRef ds:uri="7480d4d1-d0c4-4454-afbf-f8adc94c61a9"/>
-    <ds:schemaRef ds:uri="http://schemas.microsoft.com/office/2006/metadata/properties"/>
-    <ds:schemaRef ds:uri="http://purl.org/dc/terms/"/>
-    <ds:schemaRef ds:uri="http://purl.org/dc/dcmitype/"/>
-    <ds:schemaRef ds:uri="http://purl.org/dc/elements/1.1/"/>
-    <ds:schemaRef ds:uri="http://schemas.openxmlformats.org/package/2006/metadata/core-properties"/>
-    <ds:schemaRef ds:uri="http://www.w3.org/XML/1998/namespace"/>
-    <ds:schemaRef ds:uri="5ee8e921-8df8-4dab-b498-9cbdafab85af"/>
-  </ds:schemaRefs>
-</ds:datastoreItem>
 </file>